--- a/review1/WP4-ReviewM6.pptx
+++ b/review1/WP4-ReviewM6.pptx
@@ -277,7 +277,7 @@
           <a:p>
             <a:fld id="{38AEA946-BE12-485E-8CED-EB49F79C0D9F}" type="datetimeFigureOut">
               <a:rPr lang="de-CH" smtClean="0"/>
-              <a:t>14.10.16</a:t>
+              <a:t>18.10.2016</a:t>
             </a:fld>
             <a:endParaRPr lang="de-CH"/>
           </a:p>
@@ -343,7 +343,7 @@
           <a:p>
             <a:fld id="{AB7FCD5B-4957-4027-8017-EFFEE2DC5C01}" type="slidenum">
               <a:rPr lang="de-CH" smtClean="0"/>
-              <a:t>‹#›</a:t>
+              <a:t>‹Nr.›</a:t>
             </a:fld>
             <a:endParaRPr lang="de-CH"/>
           </a:p>
@@ -1453,7 +1453,7 @@
             <a:fld id="{CA36C8A0-BAEB-42C3-A2D9-B1F0D6FD294D}" type="slidenum">
               <a:rPr lang="de-CH" smtClean="0"/>
               <a:pPr/>
-              <a:t>‹#›</a:t>
+              <a:t>‹Nr.›</a:t>
             </a:fld>
             <a:endParaRPr lang="de-CH" dirty="0" smtClean="0"/>
           </a:p>
@@ -2691,7 +2691,7 @@
             <a:fld id="{CA36C8A0-BAEB-42C3-A2D9-B1F0D6FD294D}" type="slidenum">
               <a:rPr lang="de-CH" smtClean="0"/>
               <a:pPr/>
-              <a:t>‹#›</a:t>
+              <a:t>‹Nr.›</a:t>
             </a:fld>
             <a:endParaRPr lang="de-CH" dirty="0" smtClean="0"/>
           </a:p>
@@ -3128,7 +3128,7 @@
             <a:fld id="{CA36C8A0-BAEB-42C3-A2D9-B1F0D6FD294D}" type="slidenum">
               <a:rPr lang="de-CH" smtClean="0"/>
               <a:pPr/>
-              <a:t>‹#›</a:t>
+              <a:t>‹Nr.›</a:t>
             </a:fld>
             <a:endParaRPr lang="de-CH" dirty="0" smtClean="0"/>
           </a:p>
@@ -3565,7 +3565,7 @@
             <a:fld id="{CA36C8A0-BAEB-42C3-A2D9-B1F0D6FD294D}" type="slidenum">
               <a:rPr lang="de-CH" smtClean="0"/>
               <a:pPr/>
-              <a:t>‹#›</a:t>
+              <a:t>‹Nr.›</a:t>
             </a:fld>
             <a:endParaRPr lang="de-CH" dirty="0" smtClean="0"/>
           </a:p>
@@ -5226,7 +5226,7 @@
           </a:ln>
           <a:extLst>
             <a:ext uri="{C572A759-6A51-4108-AA02-DFA0A04FC94B}">
-              <ma14:wrappingTextBoxFlag xmlns:ma14="http://schemas.microsoft.com/office/mac/drawingml/2011/main" val="1"/>
+              <ma14:wrappingTextBoxFlag xmlns:ma14="http://schemas.microsoft.com/office/mac/drawingml/2011/main" xmlns="" val="1"/>
             </a:ext>
           </a:extLst>
         </p:spPr>
@@ -5348,7 +5348,7 @@
             <a:fld id="{CA36C8A0-BAEB-42C3-A2D9-B1F0D6FD294D}" type="slidenum">
               <a:rPr lang="de-CH" smtClean="0"/>
               <a:pPr/>
-              <a:t>‹#›</a:t>
+              <a:t>‹Nr.›</a:t>
             </a:fld>
             <a:endParaRPr lang="de-CH" dirty="0" smtClean="0"/>
           </a:p>
@@ -6175,11 +6175,7 @@
           <a:p>
             <a:r>
               <a:rPr lang="en-US" sz="3200" dirty="0" smtClean="0"/>
-              <a:t>Diego </a:t>
-            </a:r>
-            <a:r>
-              <a:rPr lang="en-US" sz="3200" dirty="0" smtClean="0"/>
-              <a:t>R. Lopez </a:t>
+              <a:t>Diego R. Lopez </a:t>
             </a:r>
             <a:r>
               <a:rPr lang="en-US" sz="3200" dirty="0"/>
@@ -6428,7 +6424,6 @@
               <a:rPr lang="en-GB" dirty="0"/>
               <a:t>– Conferences and Workshops </a:t>
             </a:r>
-            <a:endParaRPr lang="en-GB" dirty="0"/>
           </a:p>
         </p:txBody>
       </p:sp>
@@ -7800,7 +7795,7 @@
           <p:nvPr/>
         </p:nvPicPr>
         <p:blipFill>
-          <a:blip r:embed="rId5">
+          <a:blip r:embed="rId5" cstate="print">
             <a:extLst>
               <a:ext uri="{28A0092B-C50C-407E-A947-70E740481C1C}">
                 <a14:useLocalDpi xmlns:a14="http://schemas.microsoft.com/office/drawing/2010/main" val="0"/>
@@ -7830,7 +7825,7 @@
           <p:nvPr/>
         </p:nvPicPr>
         <p:blipFill>
-          <a:blip r:embed="rId6">
+          <a:blip r:embed="rId6" cstate="print">
             <a:extLst>
               <a:ext uri="{28A0092B-C50C-407E-A947-70E740481C1C}">
                 <a14:useLocalDpi xmlns:a14="http://schemas.microsoft.com/office/drawing/2010/main" val="0"/>
@@ -7860,7 +7855,7 @@
           <p:nvPr/>
         </p:nvPicPr>
         <p:blipFill>
-          <a:blip r:embed="rId7">
+          <a:blip r:embed="rId7" cstate="print">
             <a:extLst>
               <a:ext uri="{28A0092B-C50C-407E-A947-70E740481C1C}">
                 <a14:useLocalDpi xmlns:a14="http://schemas.microsoft.com/office/drawing/2010/main" val="0"/>
@@ -8109,7 +8104,6 @@
               <a:rPr lang="en-US" dirty="0"/>
               <a:t> </a:t>
             </a:r>
-            <a:endParaRPr lang="en-US" dirty="0"/>
           </a:p>
           <a:p>
             <a:pPr lvl="1"/>
@@ -8544,7 +8538,6 @@
               <a:rPr lang="en-US" dirty="0"/>
               <a:t>differential treatment of UDP and TCP traffic </a:t>
             </a:r>
-            <a:endParaRPr lang="en-US" dirty="0"/>
           </a:p>
           <a:p>
             <a:pPr lvl="1"/>
@@ -8560,7 +8553,6 @@
               <a:rPr lang="en-US" dirty="0"/>
               <a:t>IPv4 network address translation on access networks </a:t>
             </a:r>
-            <a:endParaRPr lang="en-US" dirty="0"/>
           </a:p>
           <a:p>
             <a:pPr lvl="1"/>
@@ -8663,57 +8655,57 @@
         <p:spPr/>
         <p:txBody>
           <a:bodyPr>
-            <a:normAutofit fontScale="77500" lnSpcReduction="20000"/>
+            <a:normAutofit fontScale="92500"/>
           </a:bodyPr>
           <a:lstStyle/>
           <a:p>
             <a:r>
-              <a:rPr lang="en-GB" sz="2800" dirty="0" smtClean="0"/>
+              <a:rPr lang="en-GB" sz="2400" dirty="0" smtClean="0"/>
               <a:t>Monitor standards and other relevant activities that can contribute to the project objectives</a:t>
             </a:r>
           </a:p>
           <a:p>
             <a:r>
-              <a:rPr lang="en-GB" sz="2800" dirty="0" smtClean="0"/>
+              <a:rPr lang="en-GB" sz="2400" dirty="0" smtClean="0"/>
               <a:t>Identify opportunities for new work to provide contributions and publish/influence new standards</a:t>
             </a:r>
           </a:p>
           <a:p>
             <a:r>
-              <a:rPr lang="en-GB" sz="2800" dirty="0" smtClean="0"/>
+              <a:rPr lang="en-GB" sz="2400" dirty="0" smtClean="0"/>
               <a:t>Support the standardisation of the MCP as a basis for large-scale deployment</a:t>
             </a:r>
           </a:p>
           <a:p>
             <a:r>
-              <a:rPr lang="en-GB" sz="2800" dirty="0" smtClean="0"/>
+              <a:rPr lang="en-GB" sz="2400" dirty="0" smtClean="0"/>
               <a:t>Produce guidelines for vendors and operators on observed limitations to enhance future development and deployment processes</a:t>
             </a:r>
           </a:p>
           <a:p>
             <a:r>
-              <a:rPr lang="en-GB" sz="2800" dirty="0" smtClean="0"/>
+              <a:rPr lang="en-GB" sz="2400" dirty="0" smtClean="0"/>
               <a:t>Contribute to open-source projects the produced results on measurement techniques, transport stack flexibility, as well as NFV-based implementation of the MCP</a:t>
             </a:r>
           </a:p>
           <a:p>
             <a:r>
-              <a:rPr lang="en-GB" sz="2800" dirty="0" smtClean="0"/>
+              <a:rPr lang="en-GB" sz="2400" dirty="0" smtClean="0"/>
               <a:t>Build visibility of the project and its results among the research and scientific community</a:t>
             </a:r>
           </a:p>
           <a:p>
             <a:r>
-              <a:rPr lang="en-GB" sz="2800" dirty="0" smtClean="0"/>
+              <a:rPr lang="en-GB" sz="2400" dirty="0" smtClean="0"/>
               <a:t>Maximise exploitation of the project outcomes, ensuring a successful market orientation of them</a:t>
             </a:r>
           </a:p>
           <a:p>
             <a:r>
-              <a:rPr lang="en-GB" sz="2800" dirty="0" smtClean="0"/>
+              <a:rPr lang="en-GB" sz="2400" dirty="0" smtClean="0"/>
               <a:t>Ensure application of project results by industry</a:t>
             </a:r>
-            <a:endParaRPr lang="en-GB" sz="2800" dirty="0"/>
+            <a:endParaRPr lang="en-GB" sz="2400" dirty="0"/>
           </a:p>
         </p:txBody>
       </p:sp>
@@ -8765,11 +8757,7 @@
           <a:p>
             <a:r>
               <a:rPr lang="en-US" dirty="0" smtClean="0"/>
-              <a:t>T4.6 - Data </a:t>
-            </a:r>
-            <a:r>
-              <a:rPr lang="en-US" dirty="0" smtClean="0"/>
-              <a:t>Access Policy</a:t>
+              <a:t>T4.6 - Data Access Policy</a:t>
             </a:r>
             <a:endParaRPr lang="en-US" dirty="0"/>
           </a:p>
@@ -8892,15 +8880,18 @@
                   <a:schemeClr val="tx1"/>
                 </a:solidFill>
               </a:rPr>
-              <a:t>ost </a:t>
-            </a:r>
+              <a:t>ost data not originating in MAMI on a best-effort basis</a:t>
+            </a:r>
+          </a:p>
+          <a:p>
+            <a:pPr lvl="1"/>
             <a:r>
               <a:rPr lang="en-GB" dirty="0" smtClean="0">
                 <a:solidFill>
                   <a:schemeClr val="tx1"/>
                 </a:solidFill>
               </a:rPr>
-              <a:t>data not originating in MAMI on a best-effort basis</a:t>
+              <a:t>Data not available online elsewhere</a:t>
             </a:r>
           </a:p>
           <a:p>
@@ -8911,109 +8902,18 @@
                   <a:schemeClr val="tx1"/>
                 </a:solidFill>
               </a:rPr>
-              <a:t>Data </a:t>
-            </a:r>
+              <a:t>Data available but nice to have close to MAMI</a:t>
+            </a:r>
+          </a:p>
+          <a:p>
+            <a:pPr lvl="1"/>
             <a:r>
               <a:rPr lang="en-GB" dirty="0" smtClean="0">
                 <a:solidFill>
                   <a:schemeClr val="tx1"/>
                 </a:solidFill>
               </a:rPr>
-              <a:t>not </a:t>
-            </a:r>
-            <a:r>
-              <a:rPr lang="en-GB" dirty="0" smtClean="0">
-                <a:solidFill>
-                  <a:schemeClr val="tx1"/>
-                </a:solidFill>
-              </a:rPr>
-              <a:t>available online elsewhere</a:t>
-            </a:r>
-          </a:p>
-          <a:p>
-            <a:pPr lvl="1"/>
-            <a:r>
-              <a:rPr lang="en-GB" dirty="0" smtClean="0">
-                <a:solidFill>
-                  <a:schemeClr val="tx1"/>
-                </a:solidFill>
-              </a:rPr>
-              <a:t>Data </a:t>
-            </a:r>
-            <a:r>
-              <a:rPr lang="en-GB" dirty="0" smtClean="0">
-                <a:solidFill>
-                  <a:schemeClr val="tx1"/>
-                </a:solidFill>
-              </a:rPr>
-              <a:t>available </a:t>
-            </a:r>
-            <a:r>
-              <a:rPr lang="en-GB" dirty="0" smtClean="0">
-                <a:solidFill>
-                  <a:schemeClr val="tx1"/>
-                </a:solidFill>
-              </a:rPr>
-              <a:t>but </a:t>
-            </a:r>
-            <a:r>
-              <a:rPr lang="en-GB" dirty="0" smtClean="0">
-                <a:solidFill>
-                  <a:schemeClr val="tx1"/>
-                </a:solidFill>
-              </a:rPr>
-              <a:t>nice </a:t>
-            </a:r>
-            <a:r>
-              <a:rPr lang="en-GB" dirty="0" smtClean="0">
-                <a:solidFill>
-                  <a:schemeClr val="tx1"/>
-                </a:solidFill>
-              </a:rPr>
-              <a:t>to have close to MAMI</a:t>
-            </a:r>
-          </a:p>
-          <a:p>
-            <a:pPr lvl="1"/>
-            <a:r>
-              <a:rPr lang="en-GB" dirty="0" smtClean="0">
-                <a:solidFill>
-                  <a:schemeClr val="tx1"/>
-                </a:solidFill>
-              </a:rPr>
-              <a:t>Do n</a:t>
-            </a:r>
-            <a:r>
-              <a:rPr lang="en-GB" dirty="0" smtClean="0">
-                <a:solidFill>
-                  <a:schemeClr val="tx1"/>
-                </a:solidFill>
-              </a:rPr>
-              <a:t>ot </a:t>
-            </a:r>
-            <a:r>
-              <a:rPr lang="en-GB" dirty="0" smtClean="0">
-                <a:solidFill>
-                  <a:schemeClr val="tx1"/>
-                </a:solidFill>
-              </a:rPr>
-              <a:t>host if foreign data is not compatible with MAMI’s </a:t>
-            </a:r>
-            <a:r>
-              <a:rPr lang="en-GB" dirty="0" smtClean="0">
-                <a:solidFill>
-                  <a:schemeClr val="tx1"/>
-                </a:solidFill>
-              </a:rPr>
-              <a:t>data access </a:t>
-            </a:r>
-            <a:r>
-              <a:rPr lang="en-GB" dirty="0" smtClean="0">
-                <a:solidFill>
-                  <a:schemeClr val="tx1"/>
-                </a:solidFill>
-              </a:rPr>
-              <a:t>policy</a:t>
+              <a:t>Do not host if foreign data is not compatible with MAMI’s data access policy</a:t>
             </a:r>
           </a:p>
           <a:p>
@@ -9040,26 +8940,14 @@
                   <a:schemeClr val="tx1"/>
                 </a:solidFill>
               </a:rPr>
-              <a:t>pen </a:t>
-            </a:r>
-            <a:r>
-              <a:rPr lang="en-GB" dirty="0" smtClean="0">
-                <a:solidFill>
-                  <a:schemeClr val="tx1"/>
-                </a:solidFill>
-              </a:rPr>
-              <a:t>to specific agreements with third parties</a:t>
+              <a:t>pen to specific agreements with third parties</a:t>
             </a:r>
           </a:p>
           <a:p>
             <a:pPr lvl="1"/>
             <a:r>
               <a:rPr lang="en-GB" dirty="0" smtClean="0"/>
-              <a:t>MAMI </a:t>
-            </a:r>
-            <a:r>
-              <a:rPr lang="en-GB" dirty="0" smtClean="0"/>
-              <a:t>data has priority</a:t>
+              <a:t>MAMI data has priority</a:t>
             </a:r>
             <a:endParaRPr lang="en-GB" dirty="0"/>
           </a:p>
@@ -9256,13 +9144,10 @@
             </a:r>
           </a:p>
           <a:p>
-            <a:r>
-              <a:rPr lang="en-GB" dirty="0"/>
-              <a:t>S</a:t>
-            </a:r>
-            <a:r>
-              <a:rPr lang="en-GB" dirty="0" smtClean="0"/>
-              <a:t>ummarise </a:t>
+            <a:pPr lvl="1"/>
+            <a:r>
+              <a:rPr lang="en-GB" dirty="0" smtClean="0"/>
+              <a:t>Summarise </a:t>
             </a:r>
             <a:r>
               <a:rPr lang="en-GB" dirty="0"/>
@@ -9383,7 +9268,7 @@
         <p:spPr/>
         <p:txBody>
           <a:bodyPr>
-            <a:normAutofit fontScale="55000" lnSpcReduction="20000"/>
+            <a:normAutofit fontScale="70000" lnSpcReduction="20000"/>
           </a:bodyPr>
           <a:lstStyle/>
           <a:p>
@@ -9424,41 +9309,48 @@
             <a:pPr lvl="1"/>
             <a:r>
               <a:rPr lang="en-GB" dirty="0" smtClean="0"/>
-              <a:t>Journals, magazines, conferences, and workshops</a:t>
+              <a:t>Journals, magazines, conferences, and </a:t>
+            </a:r>
+            <a:r>
+              <a:rPr lang="en-GB" dirty="0" smtClean="0"/>
+              <a:t>workshops as well as operator </a:t>
+            </a:r>
+            <a:r>
+              <a:rPr lang="en-GB" dirty="0" smtClean="0"/>
+              <a:t>conferences</a:t>
+            </a:r>
+          </a:p>
+          <a:p>
+            <a:r>
+              <a:rPr lang="en-GB" dirty="0" smtClean="0"/>
+              <a:t>T4.3 Exploitation and Innovation Management (TID, ALU)</a:t>
             </a:r>
           </a:p>
           <a:p>
             <a:pPr lvl="1"/>
             <a:r>
               <a:rPr lang="en-GB" dirty="0" smtClean="0"/>
-              <a:t>Operator conferences</a:t>
-            </a:r>
-          </a:p>
-          <a:p>
-            <a:r>
-              <a:rPr lang="en-GB" dirty="0" smtClean="0"/>
-              <a:t>T4.3 Exploitation and Innovation Management (TID, ALU)</a:t>
-            </a:r>
+              <a:t>Identify and collaborate with other organisations, key market players and potential </a:t>
+            </a:r>
+            <a:r>
+              <a:rPr lang="en-GB" dirty="0" smtClean="0"/>
+              <a:t>users</a:t>
+            </a:r>
+            <a:endParaRPr lang="en-GB" dirty="0" smtClean="0"/>
           </a:p>
           <a:p>
             <a:pPr lvl="1"/>
             <a:r>
               <a:rPr lang="en-GB" dirty="0" smtClean="0"/>
-              <a:t>Identify and collaborate with other organisations, key market players and potential users of the technology</a:t>
-            </a:r>
-          </a:p>
-          <a:p>
-            <a:pPr lvl="1"/>
-            <a:r>
-              <a:rPr lang="en-GB" dirty="0" smtClean="0"/>
-              <a:t>Identify key application(s) of the project results</a:t>
-            </a:r>
-          </a:p>
-          <a:p>
-            <a:pPr lvl="1"/>
-            <a:r>
-              <a:rPr lang="en-GB" dirty="0" smtClean="0"/>
-              <a:t>Define the maturity of the technology</a:t>
+              <a:t>Identify key application(s) of the project </a:t>
+            </a:r>
+            <a:r>
+              <a:rPr lang="en-GB" dirty="0" smtClean="0"/>
+              <a:t>results and define </a:t>
+            </a:r>
+            <a:r>
+              <a:rPr lang="en-GB" dirty="0" smtClean="0"/>
+              <a:t>the maturity of the technology</a:t>
             </a:r>
           </a:p>
           <a:p>
@@ -9790,11 +9682,7 @@
           <a:p>
             <a:r>
               <a:rPr lang="en-GB" dirty="0" smtClean="0"/>
-              <a:t>T4.1 - Standardisation </a:t>
-            </a:r>
-            <a:r>
-              <a:rPr lang="en-GB" dirty="0" smtClean="0"/>
-              <a:t>Targets</a:t>
+              <a:t>T4.1 - Standardisation Targets</a:t>
             </a:r>
             <a:endParaRPr lang="en-GB" dirty="0"/>
           </a:p>
@@ -9813,141 +9701,156 @@
         <p:spPr/>
         <p:txBody>
           <a:bodyPr>
-            <a:normAutofit fontScale="55000" lnSpcReduction="20000"/>
+            <a:normAutofit fontScale="70000" lnSpcReduction="20000"/>
           </a:bodyPr>
           <a:lstStyle/>
           <a:p>
             <a:r>
-              <a:rPr lang="en-GB" dirty="0" smtClean="0"/>
-              <a:t>IETF transport-related groups</a:t>
+              <a:rPr lang="en-GB" b="1" dirty="0" smtClean="0"/>
+              <a:t>IETF</a:t>
+            </a:r>
+            <a:r>
+              <a:rPr lang="en-GB" dirty="0" smtClean="0"/>
+              <a:t> transport-related groups</a:t>
+            </a:r>
+          </a:p>
+          <a:p>
+            <a:pPr lvl="1"/>
+            <a:r>
+              <a:rPr lang="en-GB" dirty="0" smtClean="0"/>
+              <a:t>TAPS, QUIC, </a:t>
+            </a:r>
+            <a:r>
+              <a:rPr lang="en-GB" dirty="0" err="1" smtClean="0"/>
+              <a:t>tcpm</a:t>
+            </a:r>
+            <a:r>
+              <a:rPr lang="en-GB" dirty="0" smtClean="0"/>
+              <a:t>, </a:t>
+            </a:r>
+            <a:r>
+              <a:rPr lang="en-GB" dirty="0" err="1" smtClean="0"/>
+              <a:t>tsvwg</a:t>
+            </a:r>
+            <a:r>
+              <a:rPr lang="en-GB" dirty="0" smtClean="0"/>
+              <a:t> as well as PLUS activity and IAB </a:t>
+            </a:r>
+            <a:r>
+              <a:rPr lang="en-GB" dirty="0" err="1" smtClean="0"/>
+              <a:t>StackEvo</a:t>
+            </a:r>
+            <a:r>
+              <a:rPr lang="en-GB" dirty="0" smtClean="0"/>
+              <a:t> Program</a:t>
             </a:r>
             <a:endParaRPr lang="en-GB" dirty="0" smtClean="0"/>
           </a:p>
           <a:p>
+            <a:r>
+              <a:rPr lang="en-GB" dirty="0" smtClean="0"/>
+              <a:t>Other </a:t>
+            </a:r>
+            <a:r>
+              <a:rPr lang="en-GB" b="1" dirty="0" smtClean="0"/>
+              <a:t>IETF</a:t>
+            </a:r>
+            <a:r>
+              <a:rPr lang="en-GB" dirty="0" smtClean="0"/>
+              <a:t> groups</a:t>
+            </a:r>
+          </a:p>
+          <a:p>
             <a:pPr lvl="1"/>
             <a:r>
               <a:rPr lang="en-GB" dirty="0" smtClean="0"/>
-              <a:t>TAPS</a:t>
-            </a:r>
-            <a:endParaRPr lang="en-GB" dirty="0" smtClean="0"/>
+              <a:t>I2NSF: Interface for security function management</a:t>
+            </a:r>
           </a:p>
           <a:p>
             <a:pPr lvl="1"/>
             <a:r>
               <a:rPr lang="en-GB" dirty="0" smtClean="0"/>
-              <a:t>PLUS</a:t>
+              <a:t>Multi-context trust and security: LURK and ACME</a:t>
+            </a:r>
+          </a:p>
+          <a:p>
+            <a:r>
+              <a:rPr lang="en-GB" b="1" dirty="0" smtClean="0"/>
+              <a:t>IRTF</a:t>
+            </a:r>
+            <a:r>
+              <a:rPr lang="en-GB" dirty="0" smtClean="0"/>
+              <a:t> groups</a:t>
             </a:r>
           </a:p>
           <a:p>
             <a:pPr lvl="1"/>
             <a:r>
               <a:rPr lang="en-GB" dirty="0" smtClean="0"/>
-              <a:t>QUIC</a:t>
-            </a:r>
-          </a:p>
-          <a:p>
-            <a:r>
-              <a:rPr lang="en-GB" dirty="0" smtClean="0"/>
-              <a:t>Other IETF groups</a:t>
-            </a:r>
+              <a:t>MAPRG: Measurement collection, processing and access</a:t>
+            </a:r>
+            <a:endParaRPr lang="en-GB" dirty="0"/>
           </a:p>
           <a:p>
             <a:pPr lvl="1"/>
             <a:r>
               <a:rPr lang="en-GB" dirty="0" smtClean="0"/>
-              <a:t>I2NSF: Interface for security function management</a:t>
+              <a:t>NFVRG: VNF deployment. Trust models and network-application communication</a:t>
+            </a:r>
+          </a:p>
+          <a:p>
+            <a:r>
+              <a:rPr lang="en-GB" b="1" dirty="0" smtClean="0"/>
+              <a:t>ETSI </a:t>
             </a:r>
           </a:p>
           <a:p>
             <a:pPr lvl="1"/>
             <a:r>
               <a:rPr lang="en-GB" dirty="0" smtClean="0"/>
-              <a:t>Multi-context trust and security: LURK and ACME</a:t>
-            </a:r>
-          </a:p>
-          <a:p>
-            <a:r>
-              <a:rPr lang="en-GB" dirty="0" smtClean="0"/>
-              <a:t>IRTF groups</a:t>
+              <a:t>NFV IFA and EVE: Management and orchestration for MAMI-enhanced VNFs</a:t>
             </a:r>
           </a:p>
           <a:p>
             <a:pPr lvl="1"/>
             <a:r>
               <a:rPr lang="en-GB" dirty="0" smtClean="0"/>
-              <a:t>MAPRG: Measurement collection, processing and access</a:t>
-            </a:r>
-            <a:endParaRPr lang="en-GB" dirty="0"/>
+              <a:t>NFV SEC: Multi-context trust and security mechanisms</a:t>
+            </a:r>
           </a:p>
           <a:p>
             <a:pPr lvl="1"/>
             <a:r>
               <a:rPr lang="en-GB" dirty="0" smtClean="0"/>
-              <a:t>NFVRG</a:t>
-            </a:r>
-            <a:r>
-              <a:rPr lang="en-GB" dirty="0" smtClean="0"/>
-              <a:t>: VNF deployment. Trust models and network-application communication</a:t>
-            </a:r>
-          </a:p>
-          <a:p>
-            <a:r>
-              <a:rPr lang="en-GB" dirty="0" smtClean="0"/>
-              <a:t>ETSI </a:t>
+              <a:t>MEC: MAMI-enhanced VNFs as part of mobile edge (fog computing) deployments </a:t>
             </a:r>
           </a:p>
           <a:p>
             <a:pPr lvl="1"/>
             <a:r>
               <a:rPr lang="en-GB" dirty="0" smtClean="0"/>
-              <a:t>NFV IFA and EVE: </a:t>
-            </a:r>
-            <a:r>
-              <a:rPr lang="en-GB" dirty="0" smtClean="0"/>
-              <a:t>Management and orchestration for MAMI-enhanced </a:t>
-            </a:r>
-            <a:r>
-              <a:rPr lang="en-GB" dirty="0" smtClean="0"/>
-              <a:t>VNFs</a:t>
-            </a:r>
-          </a:p>
-          <a:p>
-            <a:pPr lvl="1"/>
-            <a:r>
-              <a:rPr lang="en-GB" dirty="0" smtClean="0"/>
-              <a:t>NFV SEC: Multi-context trust and security mechanisms</a:t>
-            </a:r>
-            <a:endParaRPr lang="en-GB" dirty="0" smtClean="0"/>
-          </a:p>
-          <a:p>
-            <a:pPr lvl="1"/>
-            <a:r>
-              <a:rPr lang="en-GB" dirty="0" smtClean="0"/>
-              <a:t>MEC: MAMI-enhanced VNFs as part of mobile edge (fog computing) deployments </a:t>
-            </a:r>
-          </a:p>
-          <a:p>
-            <a:pPr lvl="1"/>
-            <a:r>
-              <a:rPr lang="en-GB" dirty="0" smtClean="0"/>
-              <a:t>NGP: Middlebox-friendly </a:t>
-            </a:r>
-            <a:r>
-              <a:rPr lang="en-GB" dirty="0" smtClean="0"/>
-              <a:t>transport, transport-friendly middleboxes</a:t>
-            </a:r>
-            <a:endParaRPr lang="en-GB" dirty="0" smtClean="0"/>
-          </a:p>
-          <a:p>
-            <a:r>
-              <a:rPr lang="en-GB" dirty="0" smtClean="0"/>
-              <a:t>ONF: App-network interfaces as part of the intent NBI initiative</a:t>
-            </a:r>
-          </a:p>
-          <a:p>
-            <a:r>
-              <a:rPr lang="en-GB" dirty="0" smtClean="0"/>
-              <a:t>5G activities: As part of the network support for new applications</a:t>
+              <a:t>NGP: Middlebox-friendly transport, transport-friendly middleboxes</a:t>
+            </a:r>
+          </a:p>
+          <a:p>
+            <a:r>
+              <a:rPr lang="en-GB" b="1" dirty="0" smtClean="0"/>
+              <a:t>ONF</a:t>
+            </a:r>
+            <a:r>
+              <a:rPr lang="en-GB" dirty="0" smtClean="0"/>
+              <a:t>: App-network interfaces as part of the intent NBI initiative</a:t>
+            </a:r>
+          </a:p>
+          <a:p>
+            <a:r>
+              <a:rPr lang="en-GB" b="1" dirty="0" smtClean="0"/>
+              <a:t>5G</a:t>
+            </a:r>
+            <a:r>
+              <a:rPr lang="en-GB" dirty="0" smtClean="0"/>
+              <a:t> activities: As part of the network support for new applications</a:t>
             </a:r>
           </a:p>
         </p:txBody>
@@ -10290,7 +10193,7 @@
         <p:spPr/>
         <p:txBody>
           <a:bodyPr>
-            <a:normAutofit lnSpcReduction="10000"/>
+            <a:normAutofit fontScale="92500"/>
           </a:bodyPr>
           <a:lstStyle/>
           <a:p>
@@ -10546,7 +10449,6 @@
               <a:rPr lang="en-GB" dirty="0"/>
               <a:t>Limited Use of Remote Keys </a:t>
             </a:r>
-            <a:endParaRPr lang="en-GB" dirty="0"/>
           </a:p>
           <a:p>
             <a:pPr lvl="1"/>
@@ -10575,7 +10477,6 @@
               <a:rPr lang="en-GB" dirty="0"/>
               <a:t>-taps-transports </a:t>
             </a:r>
-            <a:endParaRPr lang="en-GB" dirty="0"/>
           </a:p>
           <a:p>
             <a:pPr lvl="1"/>

--- a/review1/WP4-ReviewM6.pptx
+++ b/review1/WP4-ReviewM6.pptx
@@ -5,10 +5,10 @@
     <p:sldMasterId id="2147483648" r:id="rId1"/>
   </p:sldMasterIdLst>
   <p:notesMasterIdLst>
-    <p:notesMasterId r:id="rId22"/>
+    <p:notesMasterId r:id="rId23"/>
   </p:notesMasterIdLst>
   <p:handoutMasterIdLst>
-    <p:handoutMasterId r:id="rId23"/>
+    <p:handoutMasterId r:id="rId24"/>
   </p:handoutMasterIdLst>
   <p:sldIdLst>
     <p:sldId id="274" r:id="rId2"/>
@@ -31,6 +31,7 @@
     <p:sldId id="294" r:id="rId19"/>
     <p:sldId id="295" r:id="rId20"/>
     <p:sldId id="279" r:id="rId21"/>
+    <p:sldId id="296" r:id="rId22"/>
   </p:sldIdLst>
   <p:sldSz cx="13004800" cy="9753600"/>
   <p:notesSz cx="6858000" cy="9144000"/>
@@ -277,7 +278,7 @@
           <a:p>
             <a:fld id="{38AEA946-BE12-485E-8CED-EB49F79C0D9F}" type="datetimeFigureOut">
               <a:rPr lang="de-CH" smtClean="0"/>
-              <a:t>18.10.2016</a:t>
+              <a:t>19.10.16</a:t>
             </a:fld>
             <a:endParaRPr lang="de-CH"/>
           </a:p>
@@ -343,7 +344,7 @@
           <a:p>
             <a:fld id="{AB7FCD5B-4957-4027-8017-EFFEE2DC5C01}" type="slidenum">
               <a:rPr lang="de-CH" smtClean="0"/>
-              <a:t>‹Nr.›</a:t>
+              <a:t>‹#›</a:t>
             </a:fld>
             <a:endParaRPr lang="de-CH"/>
           </a:p>
@@ -1453,7 +1454,7 @@
             <a:fld id="{CA36C8A0-BAEB-42C3-A2D9-B1F0D6FD294D}" type="slidenum">
               <a:rPr lang="de-CH" smtClean="0"/>
               <a:pPr/>
-              <a:t>‹Nr.›</a:t>
+              <a:t>‹#›</a:t>
             </a:fld>
             <a:endParaRPr lang="de-CH" dirty="0" smtClean="0"/>
           </a:p>
@@ -2691,7 +2692,7 @@
             <a:fld id="{CA36C8A0-BAEB-42C3-A2D9-B1F0D6FD294D}" type="slidenum">
               <a:rPr lang="de-CH" smtClean="0"/>
               <a:pPr/>
-              <a:t>‹Nr.›</a:t>
+              <a:t>‹#›</a:t>
             </a:fld>
             <a:endParaRPr lang="de-CH" dirty="0" smtClean="0"/>
           </a:p>
@@ -3128,7 +3129,7 @@
             <a:fld id="{CA36C8A0-BAEB-42C3-A2D9-B1F0D6FD294D}" type="slidenum">
               <a:rPr lang="de-CH" smtClean="0"/>
               <a:pPr/>
-              <a:t>‹Nr.›</a:t>
+              <a:t>‹#›</a:t>
             </a:fld>
             <a:endParaRPr lang="de-CH" dirty="0" smtClean="0"/>
           </a:p>
@@ -3565,7 +3566,7 @@
             <a:fld id="{CA36C8A0-BAEB-42C3-A2D9-B1F0D6FD294D}" type="slidenum">
               <a:rPr lang="de-CH" smtClean="0"/>
               <a:pPr/>
-              <a:t>‹Nr.›</a:t>
+              <a:t>‹#›</a:t>
             </a:fld>
             <a:endParaRPr lang="de-CH" dirty="0" smtClean="0"/>
           </a:p>
@@ -5226,7 +5227,7 @@
           </a:ln>
           <a:extLst>
             <a:ext uri="{C572A759-6A51-4108-AA02-DFA0A04FC94B}">
-              <ma14:wrappingTextBoxFlag xmlns:ma14="http://schemas.microsoft.com/office/mac/drawingml/2011/main" xmlns="" val="1"/>
+              <ma14:wrappingTextBoxFlag xmlns:ma14="http://schemas.microsoft.com/office/mac/drawingml/2011/main" val="1"/>
             </a:ext>
           </a:extLst>
         </p:spPr>
@@ -5348,7 +5349,7 @@
             <a:fld id="{CA36C8A0-BAEB-42C3-A2D9-B1F0D6FD294D}" type="slidenum">
               <a:rPr lang="de-CH" smtClean="0"/>
               <a:pPr/>
-              <a:t>‹Nr.›</a:t>
+              <a:t>‹#›</a:t>
             </a:fld>
             <a:endParaRPr lang="de-CH" dirty="0" smtClean="0"/>
           </a:p>
@@ -6699,7 +6700,7 @@
         <p:spPr/>
         <p:txBody>
           <a:bodyPr>
-            <a:normAutofit/>
+            <a:normAutofit fontScale="85000" lnSpcReduction="20000"/>
           </a:bodyPr>
           <a:lstStyle/>
           <a:p>
@@ -6732,21 +6733,22 @@
             <a:pPr lvl="1"/>
             <a:r>
               <a:rPr lang="en-US" dirty="0" smtClean="0"/>
-              <a:t>1 full and 2 short papers</a:t>
-            </a:r>
-          </a:p>
-          <a:p>
+              <a:t>1 full and 2 short </a:t>
+            </a:r>
             <a:r>
               <a:rPr lang="en-US" dirty="0" smtClean="0"/>
-              <a:t>ACM </a:t>
-            </a:r>
+              <a:t>papers</a:t>
+            </a:r>
+            <a:endParaRPr lang="en-US" dirty="0" smtClean="0"/>
+          </a:p>
+          <a:p>
             <a:r>
               <a:rPr lang="en-US" dirty="0" err="1" smtClean="0"/>
-              <a:t>Sigcomm</a:t>
-            </a:r>
-            <a:r>
-              <a:rPr lang="en-US" dirty="0"/>
-              <a:t> Computer Communication Review</a:t>
+              <a:t>CoNEXT</a:t>
+            </a:r>
+            <a:r>
+              <a:rPr lang="en-US" dirty="0" smtClean="0"/>
+              <a:t> 2016</a:t>
             </a:r>
           </a:p>
           <a:p>
@@ -6755,63 +6757,113 @@
               <a:rPr lang="en-US" dirty="0">
                 <a:hlinkClick r:id="rId3"/>
               </a:rPr>
-              <a:t>http://</a:t>
+              <a:t>http://conferences2.sigcomm.org/co-next/2016</a:t>
             </a:r>
             <a:r>
               <a:rPr lang="en-US" dirty="0" smtClean="0">
                 <a:hlinkClick r:id="rId3"/>
               </a:rPr>
-              <a:t>www.sigcomm.org/publications/computer-communication-review</a:t>
-            </a:r>
+              <a:t>/</a:t>
+            </a:r>
+            <a:endParaRPr lang="en-US" dirty="0"/>
+          </a:p>
+          <a:p>
+            <a:pPr lvl="1"/>
             <a:r>
               <a:rPr lang="en-US" dirty="0" smtClean="0"/>
-              <a:t> </a:t>
+              <a:t>1 full paper</a:t>
+            </a:r>
+          </a:p>
+          <a:p>
+            <a:r>
+              <a:rPr lang="en-US" dirty="0" smtClean="0"/>
+              <a:t>Submissions</a:t>
             </a:r>
           </a:p>
           <a:p>
             <a:pPr lvl="1"/>
             <a:r>
               <a:rPr lang="en-US" dirty="0" smtClean="0"/>
-              <a:t>1 </a:t>
+              <a:t>ACM </a:t>
+            </a:r>
+            <a:r>
+              <a:rPr lang="en-US" dirty="0" err="1" smtClean="0"/>
+              <a:t>Sigcomm</a:t>
             </a:r>
             <a:r>
               <a:rPr lang="en-US" dirty="0"/>
-              <a:t>technical paper with repeatable </a:t>
+              <a:t> Computer Communication </a:t>
             </a:r>
             <a:r>
               <a:rPr lang="en-US" dirty="0" smtClean="0"/>
-              <a:t>results, 1 </a:t>
-            </a:r>
-            <a:r>
-              <a:rPr lang="en-US" dirty="0"/>
-              <a:t>technical paper</a:t>
-            </a:r>
-            <a:endParaRPr lang="en-US" dirty="0" smtClean="0"/>
-          </a:p>
-          <a:p>
-            <a:r>
-              <a:rPr lang="en-US" dirty="0" smtClean="0"/>
-              <a:t>Passive and Active Measurement</a:t>
-            </a:r>
-          </a:p>
-          <a:p>
-            <a:pPr lvl="1"/>
+              <a:t>Review </a:t>
+            </a:r>
+            <a:endParaRPr lang="en-US" dirty="0"/>
+          </a:p>
+          <a:p>
+            <a:pPr lvl="2"/>
             <a:r>
               <a:rPr lang="en-US" dirty="0">
                 <a:hlinkClick r:id="rId4"/>
               </a:rPr>
-              <a:t>https://research.csiro.au/pam2017</a:t>
+              <a:t>http://</a:t>
             </a:r>
             <a:r>
               <a:rPr lang="en-US" dirty="0" smtClean="0">
                 <a:hlinkClick r:id="rId4"/>
               </a:rPr>
+              <a:t>www.sigcomm.org/publications/computer-communication-review</a:t>
+            </a:r>
+            <a:r>
+              <a:rPr lang="en-US" dirty="0" smtClean="0"/>
+              <a:t> </a:t>
+            </a:r>
+          </a:p>
+          <a:p>
+            <a:pPr lvl="2"/>
+            <a:r>
+              <a:rPr lang="en-US" dirty="0" smtClean="0"/>
+              <a:t>1 </a:t>
+            </a:r>
+            <a:r>
+              <a:rPr lang="en-US" dirty="0"/>
+              <a:t>technical paper with repeatable </a:t>
+            </a:r>
+            <a:r>
+              <a:rPr lang="en-US" dirty="0" smtClean="0"/>
+              <a:t>results, 1 </a:t>
+            </a:r>
+            <a:r>
+              <a:rPr lang="en-US" dirty="0"/>
+              <a:t>technical paper</a:t>
+            </a:r>
+            <a:endParaRPr lang="en-US" dirty="0" smtClean="0"/>
+          </a:p>
+          <a:p>
+            <a:pPr lvl="1"/>
+            <a:r>
+              <a:rPr lang="en-US" dirty="0" smtClean="0"/>
+              <a:t>Passive and Active Measurement</a:t>
+            </a:r>
+          </a:p>
+          <a:p>
+            <a:pPr lvl="2"/>
+            <a:r>
+              <a:rPr lang="en-US" dirty="0">
+                <a:hlinkClick r:id="rId5"/>
+              </a:rPr>
+              <a:t>https://research.csiro.au/pam2017</a:t>
+            </a:r>
+            <a:r>
+              <a:rPr lang="en-US" dirty="0" smtClean="0">
+                <a:hlinkClick r:id="rId5"/>
+              </a:rPr>
               <a:t>/</a:t>
             </a:r>
             <a:endParaRPr lang="en-US" dirty="0" smtClean="0"/>
           </a:p>
           <a:p>
-            <a:pPr lvl="1"/>
+            <a:pPr lvl="2"/>
             <a:r>
               <a:rPr lang="en-US" dirty="0" smtClean="0"/>
               <a:t>1 full paper</a:t>
@@ -8709,6 +8761,34 @@
           </a:p>
         </p:txBody>
       </p:sp>
+      <p:sp>
+        <p:nvSpPr>
+          <p:cNvPr id="7" name="Slide Number Placeholder 3"/>
+          <p:cNvSpPr>
+            <a:spLocks noGrp="1"/>
+          </p:cNvSpPr>
+          <p:nvPr>
+            <p:ph type="sldNum" sz="quarter" idx="16"/>
+          </p:nvPr>
+        </p:nvSpPr>
+        <p:spPr>
+          <a:xfrm>
+            <a:off x="11774329" y="9125206"/>
+            <a:ext cx="720000" cy="360000"/>
+          </a:xfrm>
+        </p:spPr>
+        <p:txBody>
+          <a:bodyPr/>
+          <a:lstStyle/>
+          <a:p>
+            <a:r>
+              <a:rPr lang="de-CH" dirty="0"/>
+              <a:t>2</a:t>
+            </a:r>
+            <a:endParaRPr lang="de-CH" dirty="0" smtClean="0"/>
+          </a:p>
+        </p:txBody>
+      </p:sp>
     </p:spTree>
     <p:extLst>
       <p:ext uri="{BB962C8B-B14F-4D97-AF65-F5344CB8AC3E}">
@@ -8981,6 +9061,572 @@
     <p:extLst>
       <p:ext uri="{BB962C8B-B14F-4D97-AF65-F5344CB8AC3E}">
         <p14:creationId xmlns:p14="http://schemas.microsoft.com/office/powerpoint/2010/main" val="1672072595"/>
+      </p:ext>
+    </p:extLst>
+  </p:cSld>
+  <p:clrMapOvr>
+    <a:masterClrMapping/>
+  </p:clrMapOvr>
+  <p:transition spd="med"/>
+  <p:timing>
+    <p:tnLst>
+      <p:par>
+        <p:cTn id="1" dur="indefinite" restart="never" nodeType="tmRoot"/>
+      </p:par>
+    </p:tnLst>
+  </p:timing>
+</p:sld>
+</file>
+
+<file path=ppt/slides/slide21.xml><?xml version="1.0" encoding="utf-8"?>
+<p:sld xmlns:a="http://schemas.openxmlformats.org/drawingml/2006/main" xmlns:r="http://schemas.openxmlformats.org/officeDocument/2006/relationships" xmlns:p="http://schemas.openxmlformats.org/presentationml/2006/main">
+  <p:cSld>
+    <p:spTree>
+      <p:nvGrpSpPr>
+        <p:cNvPr id="1" name=""/>
+        <p:cNvGrpSpPr/>
+        <p:nvPr/>
+      </p:nvGrpSpPr>
+      <p:grpSpPr>
+        <a:xfrm>
+          <a:off x="0" y="0"/>
+          <a:ext cx="0" cy="0"/>
+          <a:chOff x="0" y="0"/>
+          <a:chExt cx="0" cy="0"/>
+        </a:xfrm>
+      </p:grpSpPr>
+      <p:sp>
+        <p:nvSpPr>
+          <p:cNvPr id="2" name="Title 1"/>
+          <p:cNvSpPr>
+            <a:spLocks noGrp="1"/>
+          </p:cNvSpPr>
+          <p:nvPr>
+            <p:ph type="title"/>
+          </p:nvPr>
+        </p:nvSpPr>
+        <p:spPr/>
+        <p:txBody>
+          <a:bodyPr/>
+          <a:lstStyle/>
+          <a:p>
+            <a:r>
+              <a:rPr lang="en-US" dirty="0" smtClean="0"/>
+              <a:t>T4.6 – PTO UI Design </a:t>
+            </a:r>
+            <a:br>
+              <a:rPr lang="en-US" dirty="0" smtClean="0"/>
+            </a:br>
+            <a:r>
+              <a:rPr lang="en-US" sz="2800" u="sng" dirty="0">
+                <a:hlinkClick r:id="rId2"/>
+              </a:rPr>
+              <a:t>https://observatory.mami-project.eu/#/</a:t>
+            </a:r>
+            <a:r>
+              <a:rPr lang="en-US" sz="2800" u="sng" dirty="0" smtClean="0">
+                <a:hlinkClick r:id="rId2"/>
+              </a:rPr>
+              <a:t>observatory</a:t>
+            </a:r>
+            <a:endParaRPr lang="en-US" sz="2800" dirty="0"/>
+          </a:p>
+        </p:txBody>
+      </p:sp>
+      <p:sp>
+        <p:nvSpPr>
+          <p:cNvPr id="3" name="Text Placeholder 2"/>
+          <p:cNvSpPr>
+            <a:spLocks noGrp="1"/>
+          </p:cNvSpPr>
+          <p:nvPr>
+            <p:ph type="body" sz="quarter" idx="13"/>
+          </p:nvPr>
+        </p:nvSpPr>
+        <p:spPr>
+          <a:xfrm>
+            <a:off x="309713" y="2750973"/>
+            <a:ext cx="5249725" cy="3205947"/>
+          </a:xfrm>
+        </p:spPr>
+        <p:txBody>
+          <a:bodyPr>
+            <a:normAutofit/>
+          </a:bodyPr>
+          <a:lstStyle/>
+          <a:p>
+            <a:pPr marL="514350" indent="-514350">
+              <a:buSzPct val="100000"/>
+              <a:buFont typeface="+mj-lt"/>
+              <a:buAutoNum type="arabicParenR"/>
+            </a:pPr>
+            <a:r>
+              <a:rPr lang="en-US" sz="2600" dirty="0"/>
+              <a:t>User selects </a:t>
+            </a:r>
+            <a:r>
+              <a:rPr lang="en-US" sz="2600" dirty="0" smtClean="0"/>
+              <a:t>criteria: {</a:t>
+            </a:r>
+            <a:r>
+              <a:rPr lang="en-US" sz="2600" dirty="0" err="1" smtClean="0"/>
+              <a:t>t,p,c</a:t>
+            </a:r>
+            <a:r>
+              <a:rPr lang="en-US" sz="2600" dirty="0" smtClean="0"/>
+              <a:t>}</a:t>
+            </a:r>
+            <a:endParaRPr lang="en-US" sz="2600" dirty="0"/>
+          </a:p>
+          <a:p>
+            <a:pPr marL="514350" indent="-514350">
+              <a:buSzPct val="100000"/>
+              <a:buFont typeface="+mj-lt"/>
+              <a:buAutoNum type="arabicParenR"/>
+            </a:pPr>
+            <a:r>
+              <a:rPr lang="en-US" sz="2600" dirty="0"/>
+              <a:t>Q</a:t>
+            </a:r>
+            <a:r>
+              <a:rPr lang="en-US" sz="2600" dirty="0" smtClean="0"/>
+              <a:t>uery is submitted to </a:t>
+            </a:r>
+            <a:r>
+              <a:rPr lang="en-US" sz="2600" dirty="0"/>
+              <a:t>PTO</a:t>
+            </a:r>
+          </a:p>
+          <a:p>
+            <a:pPr marL="514350" indent="-514350">
+              <a:buSzPct val="100000"/>
+              <a:buFont typeface="+mj-lt"/>
+              <a:buAutoNum type="arabicParenR"/>
+            </a:pPr>
+            <a:r>
+              <a:rPr lang="en-US" sz="2600" dirty="0"/>
+              <a:t>PTO queries </a:t>
+            </a:r>
+            <a:r>
+              <a:rPr lang="en-US" sz="2600" dirty="0" smtClean="0"/>
+              <a:t>database</a:t>
+            </a:r>
+            <a:endParaRPr lang="en-US" sz="2600" dirty="0"/>
+          </a:p>
+          <a:p>
+            <a:pPr marL="514350" indent="-514350">
+              <a:buSzPct val="100000"/>
+              <a:buFont typeface="+mj-lt"/>
+              <a:buAutoNum type="arabicParenR"/>
+            </a:pPr>
+            <a:r>
+              <a:rPr lang="en-US" sz="2600" dirty="0"/>
+              <a:t>PTO returns JSON to PTO UI</a:t>
+            </a:r>
+          </a:p>
+          <a:p>
+            <a:pPr marL="514350" indent="-514350">
+              <a:buSzPct val="100000"/>
+              <a:buFont typeface="+mj-lt"/>
+              <a:buAutoNum type="arabicParenR"/>
+            </a:pPr>
+            <a:r>
+              <a:rPr lang="en-US" sz="2600" dirty="0"/>
+              <a:t>PTO UI renders </a:t>
+            </a:r>
+            <a:r>
+              <a:rPr lang="en-US" sz="2600" dirty="0" smtClean="0"/>
+              <a:t>JSON</a:t>
+            </a:r>
+          </a:p>
+        </p:txBody>
+      </p:sp>
+      <p:sp>
+        <p:nvSpPr>
+          <p:cNvPr id="4" name="Slide Number Placeholder 3"/>
+          <p:cNvSpPr>
+            <a:spLocks noGrp="1"/>
+          </p:cNvSpPr>
+          <p:nvPr>
+            <p:ph type="sldNum" sz="quarter" idx="16"/>
+          </p:nvPr>
+        </p:nvSpPr>
+        <p:spPr/>
+        <p:txBody>
+          <a:bodyPr/>
+          <a:lstStyle/>
+          <a:p>
+            <a:fld id="{CA36C8A0-BAEB-42C3-A2D9-B1F0D6FD294D}" type="slidenum">
+              <a:rPr lang="de-CH" smtClean="0"/>
+              <a:pPr/>
+              <a:t>21</a:t>
+            </a:fld>
+            <a:endParaRPr lang="de-CH" dirty="0" smtClean="0"/>
+          </a:p>
+        </p:txBody>
+      </p:sp>
+      <p:sp>
+        <p:nvSpPr>
+          <p:cNvPr id="5" name="Date Placeholder 4"/>
+          <p:cNvSpPr>
+            <a:spLocks noGrp="1"/>
+          </p:cNvSpPr>
+          <p:nvPr>
+            <p:ph type="dt" sz="half" idx="14"/>
+          </p:nvPr>
+        </p:nvSpPr>
+        <p:spPr/>
+        <p:txBody>
+          <a:bodyPr/>
+          <a:lstStyle/>
+          <a:p>
+            <a:r>
+              <a:rPr lang="de-DE" smtClean="0"/>
+              <a:t>29.01.2016</a:t>
+            </a:r>
+            <a:endParaRPr lang="en-US" dirty="0"/>
+          </a:p>
+        </p:txBody>
+      </p:sp>
+      <p:pic>
+        <p:nvPicPr>
+          <p:cNvPr id="6" name="Picture 5"/>
+          <p:cNvPicPr>
+            <a:picLocks noChangeAspect="1"/>
+          </p:cNvPicPr>
+          <p:nvPr/>
+        </p:nvPicPr>
+        <p:blipFill>
+          <a:blip r:embed="rId3"/>
+          <a:stretch>
+            <a:fillRect/>
+          </a:stretch>
+        </p:blipFill>
+        <p:spPr>
+          <a:xfrm>
+            <a:off x="5710312" y="2750973"/>
+            <a:ext cx="7011849" cy="3999006"/>
+          </a:xfrm>
+          <a:prstGeom prst="rect">
+            <a:avLst/>
+          </a:prstGeom>
+        </p:spPr>
+      </p:pic>
+      <p:sp>
+        <p:nvSpPr>
+          <p:cNvPr id="7" name="Text Placeholder 2"/>
+          <p:cNvSpPr txBox="1">
+            <a:spLocks/>
+          </p:cNvSpPr>
+          <p:nvPr/>
+        </p:nvSpPr>
+        <p:spPr>
+          <a:xfrm>
+            <a:off x="309712" y="7235758"/>
+            <a:ext cx="6545869" cy="1648846"/>
+          </a:xfrm>
+          <a:prstGeom prst="rect">
+            <a:avLst/>
+          </a:prstGeom>
+        </p:spPr>
+        <p:txBody>
+          <a:bodyPr vert="horz" lIns="91440" tIns="45720" rIns="91440" bIns="45720" rtlCol="0">
+            <a:noAutofit/>
+          </a:bodyPr>
+          <a:lstStyle>
+            <a:lvl1pPr marL="361950" indent="-361950" defTabSz="361950" eaLnBrk="1" hangingPunct="1">
+              <a:lnSpc>
+                <a:spcPct val="120000"/>
+              </a:lnSpc>
+              <a:spcBef>
+                <a:spcPts val="700"/>
+              </a:spcBef>
+              <a:buClr>
+                <a:schemeClr val="tx1"/>
+              </a:buClr>
+              <a:buSzPct val="130000"/>
+              <a:buFontTx/>
+              <a:buChar char="•"/>
+              <a:defRPr sz="3200">
+                <a:uFill>
+                  <a:solidFill/>
+                </a:uFill>
+                <a:latin typeface="+mn-lt"/>
+                <a:ea typeface="+mn-ea"/>
+                <a:cs typeface="+mn-cs"/>
+                <a:sym typeface="Helvetica Neue"/>
+              </a:defRPr>
+            </a:lvl1pPr>
+            <a:lvl2pPr marL="803275" indent="-352425" defTabSz="361950" eaLnBrk="1" hangingPunct="1">
+              <a:lnSpc>
+                <a:spcPct val="120000"/>
+              </a:lnSpc>
+              <a:spcBef>
+                <a:spcPts val="700"/>
+              </a:spcBef>
+              <a:buClr>
+                <a:schemeClr val="tx1"/>
+              </a:buClr>
+              <a:buSzPct val="130000"/>
+              <a:buFontTx/>
+              <a:buChar char="•"/>
+              <a:defRPr sz="2800">
+                <a:uFill>
+                  <a:solidFill/>
+                </a:uFill>
+                <a:latin typeface="+mn-lt"/>
+                <a:ea typeface="+mn-ea"/>
+                <a:cs typeface="+mn-cs"/>
+                <a:sym typeface="Helvetica Neue"/>
+              </a:defRPr>
+            </a:lvl2pPr>
+            <a:lvl3pPr marL="1162050" indent="-358775" defTabSz="371475" eaLnBrk="1" hangingPunct="1">
+              <a:lnSpc>
+                <a:spcPct val="120000"/>
+              </a:lnSpc>
+              <a:spcBef>
+                <a:spcPts val="700"/>
+              </a:spcBef>
+              <a:buClr>
+                <a:schemeClr val="tx1"/>
+              </a:buClr>
+              <a:buSzPct val="130000"/>
+              <a:buFontTx/>
+              <a:buChar char="•"/>
+              <a:defRPr sz="2400">
+                <a:uFill>
+                  <a:solidFill/>
+                </a:uFill>
+                <a:latin typeface="+mn-lt"/>
+                <a:ea typeface="+mn-ea"/>
+                <a:cs typeface="+mn-cs"/>
+                <a:sym typeface="Helvetica Neue"/>
+              </a:defRPr>
+            </a:lvl3pPr>
+            <a:lvl4pPr marL="1433513" indent="-252413" defTabSz="361950" eaLnBrk="1" hangingPunct="1">
+              <a:lnSpc>
+                <a:spcPct val="120000"/>
+              </a:lnSpc>
+              <a:spcBef>
+                <a:spcPts val="700"/>
+              </a:spcBef>
+              <a:buClr>
+                <a:schemeClr val="tx1"/>
+              </a:buClr>
+              <a:buSzPct val="130000"/>
+              <a:buFontTx/>
+              <a:buChar char="•"/>
+              <a:defRPr sz="2000">
+                <a:uFill>
+                  <a:solidFill/>
+                </a:uFill>
+                <a:latin typeface="+mn-lt"/>
+                <a:ea typeface="+mn-ea"/>
+                <a:cs typeface="+mn-cs"/>
+                <a:sym typeface="Helvetica Neue"/>
+              </a:defRPr>
+            </a:lvl4pPr>
+            <a:lvl5pPr marL="1704975" indent="-180975" defTabSz="358775" eaLnBrk="1" hangingPunct="1">
+              <a:lnSpc>
+                <a:spcPct val="120000"/>
+              </a:lnSpc>
+              <a:spcBef>
+                <a:spcPts val="700"/>
+              </a:spcBef>
+              <a:buClr>
+                <a:schemeClr val="tx1"/>
+              </a:buClr>
+              <a:buSzPct val="130000"/>
+              <a:buFontTx/>
+              <a:buChar char="•"/>
+              <a:defRPr sz="1800">
+                <a:uFill>
+                  <a:solidFill/>
+                </a:uFill>
+                <a:latin typeface="+mn-lt"/>
+                <a:ea typeface="+mn-ea"/>
+                <a:cs typeface="+mn-cs"/>
+                <a:sym typeface="Helvetica Neue"/>
+              </a:defRPr>
+            </a:lvl5pPr>
+            <a:lvl6pPr marL="2990850" indent="-539750" defTabSz="1295400" eaLnBrk="1" hangingPunct="1">
+              <a:spcBef>
+                <a:spcPts val="700"/>
+              </a:spcBef>
+              <a:buClr>
+                <a:srgbClr val="64AD65"/>
+              </a:buClr>
+              <a:buSzPct val="171000"/>
+              <a:buFont typeface="Wingdings"/>
+              <a:buChar char="•"/>
+              <a:defRPr sz="3400">
+                <a:uFill>
+                  <a:solidFill/>
+                </a:uFill>
+                <a:latin typeface="+mn-lt"/>
+                <a:ea typeface="+mn-ea"/>
+                <a:cs typeface="+mn-cs"/>
+                <a:sym typeface="Helvetica Neue"/>
+              </a:defRPr>
+            </a:lvl6pPr>
+            <a:lvl7pPr marL="3346450" indent="-539750" defTabSz="1295400" eaLnBrk="1" hangingPunct="1">
+              <a:spcBef>
+                <a:spcPts val="700"/>
+              </a:spcBef>
+              <a:buClr>
+                <a:srgbClr val="64AD65"/>
+              </a:buClr>
+              <a:buSzPct val="171000"/>
+              <a:buFont typeface="Wingdings"/>
+              <a:buChar char="•"/>
+              <a:defRPr sz="3400">
+                <a:uFill>
+                  <a:solidFill/>
+                </a:uFill>
+                <a:latin typeface="+mn-lt"/>
+                <a:ea typeface="+mn-ea"/>
+                <a:cs typeface="+mn-cs"/>
+                <a:sym typeface="Helvetica Neue"/>
+              </a:defRPr>
+            </a:lvl7pPr>
+            <a:lvl8pPr marL="3702050" indent="-539750" defTabSz="1295400" eaLnBrk="1" hangingPunct="1">
+              <a:spcBef>
+                <a:spcPts val="700"/>
+              </a:spcBef>
+              <a:buClr>
+                <a:srgbClr val="64AD65"/>
+              </a:buClr>
+              <a:buSzPct val="171000"/>
+              <a:buFont typeface="Wingdings"/>
+              <a:buChar char="•"/>
+              <a:defRPr sz="3400">
+                <a:uFill>
+                  <a:solidFill/>
+                </a:uFill>
+                <a:latin typeface="+mn-lt"/>
+                <a:ea typeface="+mn-ea"/>
+                <a:cs typeface="+mn-cs"/>
+                <a:sym typeface="Helvetica Neue"/>
+              </a:defRPr>
+            </a:lvl8pPr>
+            <a:lvl9pPr marL="4057650" indent="-539750" defTabSz="1295400" eaLnBrk="1" hangingPunct="1">
+              <a:spcBef>
+                <a:spcPts val="700"/>
+              </a:spcBef>
+              <a:buClr>
+                <a:srgbClr val="64AD65"/>
+              </a:buClr>
+              <a:buSzPct val="171000"/>
+              <a:buFont typeface="Wingdings"/>
+              <a:buChar char="•"/>
+              <a:defRPr sz="3400">
+                <a:uFill>
+                  <a:solidFill/>
+                </a:uFill>
+                <a:latin typeface="+mn-lt"/>
+                <a:ea typeface="+mn-ea"/>
+                <a:cs typeface="+mn-cs"/>
+                <a:sym typeface="Helvetica Neue"/>
+              </a:defRPr>
+            </a:lvl9pPr>
+          </a:lstStyle>
+          <a:p>
+            <a:r>
+              <a:rPr lang="en-US" sz="2600" dirty="0" smtClean="0"/>
+              <a:t>Sources on GitHub</a:t>
+            </a:r>
+          </a:p>
+          <a:p>
+            <a:pPr marL="0" indent="0">
+              <a:buFontTx/>
+              <a:buNone/>
+            </a:pPr>
+            <a:r>
+              <a:rPr lang="en-US" sz="2600" u="sng" dirty="0" smtClean="0">
+                <a:hlinkClick r:id="rId4"/>
+              </a:rPr>
+              <a:t>https://github.com/mami-project/pto-web</a:t>
+            </a:r>
+            <a:endParaRPr lang="en-US" sz="2600" dirty="0"/>
+          </a:p>
+        </p:txBody>
+      </p:sp>
+      <p:pic>
+        <p:nvPicPr>
+          <p:cNvPr id="8" name="Picture 7"/>
+          <p:cNvPicPr>
+            <a:picLocks noChangeAspect="1"/>
+          </p:cNvPicPr>
+          <p:nvPr/>
+        </p:nvPicPr>
+        <p:blipFill>
+          <a:blip r:embed="rId5"/>
+          <a:stretch>
+            <a:fillRect/>
+          </a:stretch>
+        </p:blipFill>
+        <p:spPr>
+          <a:xfrm>
+            <a:off x="10140756" y="3986953"/>
+            <a:ext cx="2868259" cy="2206966"/>
+          </a:xfrm>
+          <a:prstGeom prst="rect">
+            <a:avLst/>
+          </a:prstGeom>
+        </p:spPr>
+      </p:pic>
+      <p:pic>
+        <p:nvPicPr>
+          <p:cNvPr id="9" name="Picture 8"/>
+          <p:cNvPicPr>
+            <a:picLocks noChangeAspect="1"/>
+          </p:cNvPicPr>
+          <p:nvPr/>
+        </p:nvPicPr>
+        <p:blipFill>
+          <a:blip r:embed="rId6"/>
+          <a:stretch>
+            <a:fillRect/>
+          </a:stretch>
+        </p:blipFill>
+        <p:spPr>
+          <a:xfrm>
+            <a:off x="6835187" y="6056595"/>
+            <a:ext cx="3466356" cy="2241577"/>
+          </a:xfrm>
+          <a:prstGeom prst="rect">
+            <a:avLst/>
+          </a:prstGeom>
+        </p:spPr>
+      </p:pic>
+      <p:pic>
+        <p:nvPicPr>
+          <p:cNvPr id="10" name="Picture 9"/>
+          <p:cNvPicPr>
+            <a:picLocks noChangeAspect="1"/>
+          </p:cNvPicPr>
+          <p:nvPr/>
+        </p:nvPicPr>
+        <p:blipFill>
+          <a:blip r:embed="rId7"/>
+          <a:stretch>
+            <a:fillRect/>
+          </a:stretch>
+        </p:blipFill>
+        <p:spPr>
+          <a:xfrm>
+            <a:off x="9903699" y="6260402"/>
+            <a:ext cx="3101101" cy="2948310"/>
+          </a:xfrm>
+          <a:prstGeom prst="rect">
+            <a:avLst/>
+          </a:prstGeom>
+        </p:spPr>
+      </p:pic>
+    </p:spTree>
+    <p:extLst>
+      <p:ext uri="{BB962C8B-B14F-4D97-AF65-F5344CB8AC3E}">
+        <p14:creationId xmlns:p14="http://schemas.microsoft.com/office/powerpoint/2010/main" val="1651468116"/>
       </p:ext>
     </p:extLst>
   </p:cSld>
@@ -9309,15 +9955,7 @@
             <a:pPr lvl="1"/>
             <a:r>
               <a:rPr lang="en-GB" dirty="0" smtClean="0"/>
-              <a:t>Journals, magazines, conferences, and </a:t>
-            </a:r>
-            <a:r>
-              <a:rPr lang="en-GB" dirty="0" smtClean="0"/>
-              <a:t>workshops as well as operator </a:t>
-            </a:r>
-            <a:r>
-              <a:rPr lang="en-GB" dirty="0" smtClean="0"/>
-              <a:t>conferences</a:t>
+              <a:t>Journals, magazines, conferences, and workshops as well as operator conferences</a:t>
             </a:r>
           </a:p>
           <a:p>
@@ -9330,27 +9968,14 @@
             <a:pPr lvl="1"/>
             <a:r>
               <a:rPr lang="en-GB" dirty="0" smtClean="0"/>
-              <a:t>Identify and collaborate with other organisations, key market players and potential </a:t>
-            </a:r>
-            <a:r>
-              <a:rPr lang="en-GB" dirty="0" smtClean="0"/>
-              <a:t>users</a:t>
-            </a:r>
-            <a:endParaRPr lang="en-GB" dirty="0" smtClean="0"/>
+              <a:t>Identify and collaborate with other organisations, key market players and potential users</a:t>
+            </a:r>
           </a:p>
           <a:p>
             <a:pPr lvl="1"/>
             <a:r>
               <a:rPr lang="en-GB" dirty="0" smtClean="0"/>
-              <a:t>Identify key application(s) of the project </a:t>
-            </a:r>
-            <a:r>
-              <a:rPr lang="en-GB" dirty="0" smtClean="0"/>
-              <a:t>results and define </a:t>
-            </a:r>
-            <a:r>
-              <a:rPr lang="en-GB" dirty="0" smtClean="0"/>
-              <a:t>the maturity of the technology</a:t>
+              <a:t>Identify key application(s) of the project results and define the maturity of the technology</a:t>
             </a:r>
           </a:p>
           <a:p>
@@ -9744,7 +10369,6 @@
               <a:rPr lang="en-GB" dirty="0" smtClean="0"/>
               <a:t> Program</a:t>
             </a:r>
-            <a:endParaRPr lang="en-GB" dirty="0" smtClean="0"/>
           </a:p>
           <a:p>
             <a:r>
@@ -10193,7 +10817,7 @@
         <p:spPr/>
         <p:txBody>
           <a:bodyPr>
-            <a:normAutofit fontScale="92500"/>
+            <a:normAutofit lnSpcReduction="10000"/>
           </a:bodyPr>
           <a:lstStyle/>
           <a:p>

--- a/review1/WP4-ReviewM6.pptx
+++ b/review1/WP4-ReviewM6.pptx
@@ -5,33 +5,34 @@
     <p:sldMasterId id="2147483648" r:id="rId1"/>
   </p:sldMasterIdLst>
   <p:notesMasterIdLst>
-    <p:notesMasterId r:id="rId23"/>
+    <p:notesMasterId r:id="rId24"/>
   </p:notesMasterIdLst>
   <p:handoutMasterIdLst>
-    <p:handoutMasterId r:id="rId24"/>
+    <p:handoutMasterId r:id="rId25"/>
   </p:handoutMasterIdLst>
   <p:sldIdLst>
     <p:sldId id="274" r:id="rId2"/>
-    <p:sldId id="280" r:id="rId3"/>
-    <p:sldId id="281" r:id="rId4"/>
-    <p:sldId id="282" r:id="rId5"/>
-    <p:sldId id="275" r:id="rId6"/>
-    <p:sldId id="277" r:id="rId7"/>
-    <p:sldId id="283" r:id="rId8"/>
-    <p:sldId id="284" r:id="rId9"/>
-    <p:sldId id="285" r:id="rId10"/>
-    <p:sldId id="286" r:id="rId11"/>
-    <p:sldId id="287" r:id="rId12"/>
-    <p:sldId id="288" r:id="rId13"/>
-    <p:sldId id="289" r:id="rId14"/>
-    <p:sldId id="290" r:id="rId15"/>
-    <p:sldId id="291" r:id="rId16"/>
-    <p:sldId id="292" r:id="rId17"/>
-    <p:sldId id="293" r:id="rId18"/>
-    <p:sldId id="294" r:id="rId19"/>
-    <p:sldId id="295" r:id="rId20"/>
-    <p:sldId id="279" r:id="rId21"/>
-    <p:sldId id="296" r:id="rId22"/>
+    <p:sldId id="275" r:id="rId3"/>
+    <p:sldId id="280" r:id="rId4"/>
+    <p:sldId id="281" r:id="rId5"/>
+    <p:sldId id="282" r:id="rId6"/>
+    <p:sldId id="297" r:id="rId7"/>
+    <p:sldId id="277" r:id="rId8"/>
+    <p:sldId id="283" r:id="rId9"/>
+    <p:sldId id="284" r:id="rId10"/>
+    <p:sldId id="285" r:id="rId11"/>
+    <p:sldId id="286" r:id="rId12"/>
+    <p:sldId id="287" r:id="rId13"/>
+    <p:sldId id="288" r:id="rId14"/>
+    <p:sldId id="289" r:id="rId15"/>
+    <p:sldId id="290" r:id="rId16"/>
+    <p:sldId id="291" r:id="rId17"/>
+    <p:sldId id="292" r:id="rId18"/>
+    <p:sldId id="293" r:id="rId19"/>
+    <p:sldId id="294" r:id="rId20"/>
+    <p:sldId id="295" r:id="rId21"/>
+    <p:sldId id="279" r:id="rId22"/>
+    <p:sldId id="296" r:id="rId23"/>
   </p:sldIdLst>
   <p:sldSz cx="13004800" cy="9753600"/>
   <p:notesSz cx="6858000" cy="9144000"/>
@@ -278,7 +279,7 @@
           <a:p>
             <a:fld id="{38AEA946-BE12-485E-8CED-EB49F79C0D9F}" type="datetimeFigureOut">
               <a:rPr lang="de-CH" smtClean="0"/>
-              <a:t>19.10.16</a:t>
+              <a:t>20.10.16</a:t>
             </a:fld>
             <a:endParaRPr lang="de-CH"/>
           </a:p>
@@ -6196,6 +6197,13 @@
     <a:masterClrMapping/>
   </p:clrMapOvr>
   <p:transition spd="med"/>
+  <p:timing>
+    <p:tnLst>
+      <p:par>
+        <p:cTn id="1" dur="indefinite" restart="never" nodeType="tmRoot"/>
+      </p:par>
+    </p:tnLst>
+  </p:timing>
 </p:sld>
 </file>
 
@@ -6226,16 +6234,25 @@
             <p:ph type="title"/>
           </p:nvPr>
         </p:nvSpPr>
-        <p:spPr/>
+        <p:spPr>
+          <a:xfrm>
+            <a:off x="460586" y="882793"/>
+            <a:ext cx="10362294" cy="1382401"/>
+          </a:xfrm>
+        </p:spPr>
         <p:txBody>
           <a:bodyPr/>
           <a:lstStyle/>
           <a:p>
             <a:r>
-              <a:rPr lang="en-GB" dirty="0" smtClean="0"/>
-              <a:t>T4.1 – Brief on Standardisation Activities beyond M6</a:t>
-            </a:r>
-            <a:endParaRPr lang="en-GB" dirty="0"/>
+              <a:rPr lang="en-GB" sz="3600" dirty="0" smtClean="0"/>
+              <a:t>T4.1 - Standardisation Activities on Transport Interfaces and </a:t>
+            </a:r>
+            <a:r>
+              <a:rPr lang="en-GB" sz="3600" dirty="0" smtClean="0"/>
+              <a:t>Security (up to M6)</a:t>
+            </a:r>
+            <a:endParaRPr lang="en-GB" sz="3600" dirty="0"/>
           </a:p>
         </p:txBody>
       </p:sp>
@@ -6252,91 +6269,103 @@
         <p:spPr/>
         <p:txBody>
           <a:bodyPr>
-            <a:normAutofit fontScale="92500" lnSpcReduction="10000"/>
+            <a:normAutofit/>
           </a:bodyPr>
           <a:lstStyle/>
           <a:p>
             <a:r>
+              <a:rPr lang="en-GB" dirty="0" smtClean="0"/>
+              <a:t>Exploring the interoperability of the MAMI FTL (Flexible </a:t>
+            </a:r>
+            <a:r>
+              <a:rPr lang="en-GB" dirty="0"/>
+              <a:t>Transport </a:t>
+            </a:r>
+            <a:r>
+              <a:rPr lang="en-GB" dirty="0" smtClean="0"/>
+              <a:t>Layer) </a:t>
+            </a:r>
+            <a:r>
+              <a:rPr lang="en-GB" dirty="0"/>
+              <a:t>will strive to interoperate with the TAPS </a:t>
+            </a:r>
+            <a:r>
+              <a:rPr lang="en-GB" dirty="0" smtClean="0"/>
+              <a:t>facility</a:t>
+            </a:r>
+          </a:p>
+          <a:p>
+            <a:r>
+              <a:rPr lang="en-GB" dirty="0" smtClean="0"/>
+              <a:t>Preparation of the LURK </a:t>
+            </a:r>
+            <a:r>
+              <a:rPr lang="en-GB" dirty="0" err="1" smtClean="0"/>
+              <a:t>BoF</a:t>
+            </a:r>
+            <a:r>
+              <a:rPr lang="en-GB" dirty="0" smtClean="0"/>
+              <a:t> for IETF 96 (July 2016)</a:t>
+            </a:r>
+          </a:p>
+          <a:p>
+            <a:pPr lvl="1"/>
+            <a:r>
+              <a:rPr lang="en-GB" dirty="0"/>
+              <a:t>Limited Use of Remote Keys </a:t>
+            </a:r>
+          </a:p>
+          <a:p>
+            <a:pPr lvl="1"/>
+            <a:r>
+              <a:rPr lang="en-GB" dirty="0" smtClean="0"/>
+              <a:t>Related to multi-context security and trust</a:t>
+            </a:r>
+          </a:p>
+          <a:p>
+            <a:r>
+              <a:rPr lang="en-GB" dirty="0" smtClean="0"/>
+              <a:t>IETF related documents</a:t>
+            </a:r>
+          </a:p>
+          <a:p>
+            <a:pPr lvl="1"/>
+            <a:r>
+              <a:rPr lang="en-GB" dirty="0"/>
+              <a:t>draft-</a:t>
+            </a:r>
+            <a:r>
+              <a:rPr lang="en-GB" dirty="0" err="1"/>
+              <a:t>ietf</a:t>
+            </a:r>
+            <a:r>
+              <a:rPr lang="en-GB" dirty="0"/>
+              <a:t>-taps-transports </a:t>
+            </a:r>
+          </a:p>
+          <a:p>
+            <a:pPr lvl="1"/>
+            <a:r>
               <a:rPr lang="en-US" dirty="0" smtClean="0"/>
-              <a:t>Discussions on PLUS and LURK at IETF 96 (July 2016)</a:t>
-            </a:r>
-            <a:endParaRPr lang="en-US" dirty="0"/>
-          </a:p>
-          <a:p>
-            <a:pPr lvl="1"/>
+              <a:t>draft-</a:t>
+            </a:r>
+            <a:r>
+              <a:rPr lang="en-US" dirty="0" err="1" smtClean="0"/>
+              <a:t>mglt</a:t>
+            </a:r>
             <a:r>
               <a:rPr lang="en-US" dirty="0" smtClean="0"/>
-              <a:t>PLUS: “</a:t>
-            </a:r>
-            <a:r>
-              <a:rPr lang="en-US" dirty="0"/>
-              <a:t>A transport-independent method to signal flow semantics under transport and application control”</a:t>
-            </a:r>
-          </a:p>
-          <a:p>
-            <a:pPr lvl="2"/>
-            <a:r>
-              <a:rPr lang="en-US" dirty="0"/>
-              <a:t>Not chartered, mostly because of emotional arguments</a:t>
-            </a:r>
-          </a:p>
-          <a:p>
-            <a:pPr lvl="2"/>
-            <a:r>
-              <a:rPr lang="en-US" dirty="0"/>
-              <a:t>Work </a:t>
+              <a:t>-lurk-</a:t>
+            </a:r>
+            <a:r>
+              <a:rPr lang="en-US" dirty="0" err="1" smtClean="0"/>
+              <a:t>tls</a:t>
             </a:r>
             <a:r>
               <a:rPr lang="en-US" dirty="0" smtClean="0"/>
-              <a:t>to make it progress in </a:t>
-            </a:r>
-            <a:r>
-              <a:rPr lang="en-US" dirty="0"/>
-              <a:t>progress</a:t>
-            </a:r>
-          </a:p>
-          <a:p>
-            <a:pPr lvl="1"/>
-            <a:r>
-              <a:rPr lang="en-US" dirty="0" smtClean="0"/>
-              <a:t>LURK: “Scheduled </a:t>
-            </a:r>
-            <a:r>
-              <a:rPr lang="en-US" dirty="0"/>
-              <a:t>with the objective of discussing approaches to mitigating security risks to TLS private keys”</a:t>
-            </a:r>
-          </a:p>
-          <a:p>
-            <a:pPr lvl="2"/>
-            <a:r>
-              <a:rPr lang="en-US" dirty="0"/>
-              <a:t>Exploring the applicability of temporary certificates via the ACME </a:t>
-            </a:r>
-            <a:r>
-              <a:rPr lang="en-US" dirty="0" smtClean="0"/>
-              <a:t>interfaces</a:t>
-            </a:r>
-          </a:p>
-          <a:p>
-            <a:pPr lvl="2"/>
-            <a:r>
-              <a:rPr lang="en-US" dirty="0" smtClean="0"/>
-              <a:t>And the feasibility of crypto oracle functions</a:t>
-            </a:r>
-          </a:p>
-          <a:p>
-            <a:r>
-              <a:rPr lang="en-US" dirty="0" smtClean="0"/>
-              <a:t>NFV#15	</a:t>
-            </a:r>
-          </a:p>
-          <a:p>
-            <a:pPr lvl="1"/>
-            <a:r>
-              <a:rPr lang="en-US" dirty="0" smtClean="0"/>
-              <a:t>Initial discussions on LURK and the multi-context trust approaches at NFV SEC </a:t>
-            </a:r>
-            <a:endParaRPr lang="en-US" dirty="0"/>
+              <a:t>-use-cases</a:t>
+            </a:r>
+            <a:endParaRPr lang="en-US" dirty="0" smtClean="0"/>
           </a:p>
         </p:txBody>
       </p:sp>
@@ -6367,7 +6396,7 @@
     </p:spTree>
     <p:extLst>
       <p:ext uri="{BB962C8B-B14F-4D97-AF65-F5344CB8AC3E}">
-        <p14:creationId xmlns:p14="http://schemas.microsoft.com/office/powerpoint/2010/main" val="1422777080"/>
+        <p14:creationId xmlns:p14="http://schemas.microsoft.com/office/powerpoint/2010/main" val="862850828"/>
       </p:ext>
     </p:extLst>
   </p:cSld>
@@ -6419,12 +6448,9 @@
           <a:p>
             <a:r>
               <a:rPr lang="en-GB" dirty="0" smtClean="0"/>
-              <a:t>T4.2 </a:t>
-            </a:r>
-            <a:r>
-              <a:rPr lang="en-GB" dirty="0"/>
-              <a:t>– Conferences and Workshops </a:t>
-            </a:r>
+              <a:t>T4.1 – Brief on Standardisation Activities beyond M6</a:t>
+            </a:r>
+            <a:endParaRPr lang="en-GB" dirty="0"/>
           </a:p>
         </p:txBody>
       </p:sp>
@@ -6441,163 +6467,95 @@
         <p:spPr/>
         <p:txBody>
           <a:bodyPr>
-            <a:normAutofit/>
+            <a:normAutofit fontScale="92500" lnSpcReduction="10000"/>
           </a:bodyPr>
           <a:lstStyle/>
           <a:p>
             <a:r>
-              <a:rPr lang="en-US" sz="2800" dirty="0" smtClean="0"/>
-              <a:t>Dagstuhl</a:t>
-            </a:r>
-            <a:r>
-              <a:rPr lang="en-US" sz="2800" dirty="0"/>
-              <a:t> Seminar on Global Measurements: Practice and </a:t>
-            </a:r>
-            <a:r>
-              <a:rPr lang="en-US" sz="2800" dirty="0" smtClean="0"/>
-              <a:t>Experience, </a:t>
-            </a:r>
-            <a:r>
-              <a:rPr lang="en-US" sz="2800" dirty="0" err="1" smtClean="0"/>
-              <a:t>Schloss</a:t>
-            </a:r>
-            <a:r>
-              <a:rPr lang="en-US" sz="2800" dirty="0" smtClean="0"/>
-              <a:t> </a:t>
-            </a:r>
-            <a:r>
-              <a:rPr lang="en-US" sz="2800" dirty="0" err="1" smtClean="0"/>
-              <a:t>Dagstuhl</a:t>
-            </a:r>
-            <a:r>
-              <a:rPr lang="en-US" sz="2800" dirty="0" smtClean="0"/>
-              <a:t> (January 2016)</a:t>
-            </a:r>
-            <a:endParaRPr lang="en-US" sz="2800" dirty="0">
-              <a:hlinkClick r:id="rId2"/>
-            </a:endParaRPr>
+              <a:rPr lang="en-US" dirty="0" smtClean="0"/>
+              <a:t>Discussions on PLUS and LURK at IETF 96 (July 2016)</a:t>
+            </a:r>
+            <a:endParaRPr lang="en-US" dirty="0"/>
           </a:p>
           <a:p>
             <a:pPr lvl="1"/>
             <a:r>
-              <a:rPr lang="en-US" sz="2400" dirty="0" smtClean="0">
-                <a:hlinkClick r:id="rId2"/>
-              </a:rPr>
-              <a:t>https</a:t>
-            </a:r>
-            <a:r>
-              <a:rPr lang="en-US" sz="2400" dirty="0">
-                <a:hlinkClick r:id="rId2"/>
-              </a:rPr>
-              <a:t>://www.dagstuhl.de/en/program/calendar/semhp/?</a:t>
-            </a:r>
-            <a:r>
-              <a:rPr lang="en-US" sz="2400" dirty="0" smtClean="0">
-                <a:hlinkClick r:id="rId2"/>
-              </a:rPr>
-              <a:t>semnr=16012</a:t>
-            </a:r>
-            <a:endParaRPr lang="en-US" sz="2400" dirty="0"/>
-          </a:p>
-          <a:p>
-            <a:r>
-              <a:rPr lang="en-US" sz="2800" dirty="0" err="1" smtClean="0"/>
-              <a:t>CleanSky</a:t>
-            </a:r>
-            <a:r>
-              <a:rPr lang="en-US" sz="2800" dirty="0" smtClean="0"/>
-              <a:t> Workshop, Heidelberg (February 2016)</a:t>
-            </a:r>
-            <a:endParaRPr lang="en-US" sz="2800" dirty="0"/>
+              <a:rPr lang="en-US" dirty="0" smtClean="0"/>
+              <a:t>PLUS: “</a:t>
+            </a:r>
+            <a:r>
+              <a:rPr lang="en-US" dirty="0"/>
+              <a:t>A transport-independent method to signal flow semantics under transport and application control”</a:t>
+            </a:r>
+          </a:p>
+          <a:p>
+            <a:pPr lvl="2"/>
+            <a:r>
+              <a:rPr lang="en-US" dirty="0"/>
+              <a:t>Not chartered, mostly because of emotional arguments</a:t>
+            </a:r>
+          </a:p>
+          <a:p>
+            <a:pPr lvl="2"/>
+            <a:r>
+              <a:rPr lang="en-US" dirty="0"/>
+              <a:t>Work </a:t>
+            </a:r>
+            <a:r>
+              <a:rPr lang="en-US" dirty="0" smtClean="0"/>
+              <a:t>to make it progress </a:t>
+            </a:r>
+            <a:r>
+              <a:rPr lang="en-US" dirty="0" smtClean="0"/>
+              <a:t>ongoing, connected to the IAB Stack Evolution </a:t>
+            </a:r>
+            <a:r>
+              <a:rPr lang="en-US" dirty="0" err="1" smtClean="0"/>
+              <a:t>Programme</a:t>
+            </a:r>
+            <a:endParaRPr lang="en-US" dirty="0"/>
           </a:p>
           <a:p>
             <a:pPr lvl="1"/>
             <a:r>
-              <a:rPr lang="en-US" sz="2400" u="sng" dirty="0">
-                <a:hlinkClick r:id="rId3"/>
-              </a:rPr>
-              <a:t>http://</a:t>
-            </a:r>
-            <a:r>
-              <a:rPr lang="en-US" sz="2400" u="sng" dirty="0" smtClean="0">
-                <a:hlinkClick r:id="rId3"/>
-              </a:rPr>
-              <a:t>www.cleansky-itn.org/conference-series/heidelberg/</a:t>
-            </a:r>
-            <a:endParaRPr lang="en-US" sz="2400" dirty="0" smtClean="0"/>
-          </a:p>
-          <a:p>
-            <a:r>
-              <a:rPr lang="en-US" sz="2800" dirty="0" smtClean="0"/>
-              <a:t>ICIN </a:t>
-            </a:r>
-            <a:r>
-              <a:rPr lang="en-US" sz="2800" dirty="0"/>
-              <a:t>2016, </a:t>
-            </a:r>
-            <a:r>
-              <a:rPr lang="en-US" sz="2800" dirty="0" smtClean="0"/>
-              <a:t>Paris (March 2016)</a:t>
-            </a:r>
-            <a:endParaRPr lang="en-US" sz="2800" dirty="0"/>
+              <a:rPr lang="en-US" dirty="0" smtClean="0"/>
+              <a:t>LURK: “Scheduled </a:t>
+            </a:r>
+            <a:r>
+              <a:rPr lang="en-US" dirty="0"/>
+              <a:t>with the objective of discussing approaches to mitigating security risks to TLS private keys”</a:t>
+            </a:r>
+          </a:p>
+          <a:p>
+            <a:pPr lvl="2"/>
+            <a:r>
+              <a:rPr lang="en-US" dirty="0"/>
+              <a:t>Exploring the applicability of temporary certificates via the ACME </a:t>
+            </a:r>
+            <a:r>
+              <a:rPr lang="en-US" dirty="0" smtClean="0"/>
+              <a:t>interfaces</a:t>
+            </a:r>
+          </a:p>
+          <a:p>
+            <a:pPr lvl="2"/>
+            <a:r>
+              <a:rPr lang="en-US" dirty="0" smtClean="0"/>
+              <a:t>And the feasibility of crypto oracle functions</a:t>
+            </a:r>
+          </a:p>
+          <a:p>
+            <a:r>
+              <a:rPr lang="en-US" dirty="0" smtClean="0"/>
+              <a:t>NFV#15	</a:t>
+            </a:r>
           </a:p>
           <a:p>
             <a:pPr lvl="1"/>
             <a:r>
-              <a:rPr lang="en-US" sz="2400" u="sng" dirty="0">
-                <a:hlinkClick r:id="rId4"/>
-              </a:rPr>
-              <a:t>http://www.icin.co.uk/</a:t>
-            </a:r>
-            <a:endParaRPr lang="en-US" sz="2400" dirty="0">
-              <a:hlinkClick r:id="rId4"/>
-            </a:endParaRPr>
-          </a:p>
-          <a:p>
-            <a:r>
-              <a:rPr lang="en-US" sz="2800" dirty="0" smtClean="0"/>
-              <a:t>Cisco/</a:t>
-            </a:r>
-            <a:r>
-              <a:rPr lang="en-US" sz="2800" dirty="0" err="1" smtClean="0"/>
-              <a:t>Ecole</a:t>
-            </a:r>
-            <a:r>
-              <a:rPr lang="en-US" sz="2800" dirty="0" smtClean="0"/>
-              <a:t> </a:t>
-            </a:r>
-            <a:r>
-              <a:rPr lang="en-US" sz="2800" dirty="0" err="1"/>
-              <a:t>Polytechnique</a:t>
-            </a:r>
-            <a:r>
-              <a:rPr lang="en-US" sz="2800" dirty="0"/>
-              <a:t> Networking Innovation and Research </a:t>
-            </a:r>
-            <a:r>
-              <a:rPr lang="en-US" sz="2800" dirty="0" smtClean="0"/>
-              <a:t>Symposium, Paris (March 2016)</a:t>
-            </a:r>
-            <a:endParaRPr lang="en-US" sz="2800" dirty="0"/>
-          </a:p>
-          <a:p>
-            <a:pPr lvl="1"/>
-            <a:r>
-              <a:rPr lang="en-US" sz="2400" u="sng" dirty="0">
-                <a:hlinkClick r:id="rId5"/>
-              </a:rPr>
-              <a:t>http://</a:t>
-            </a:r>
-            <a:r>
-              <a:rPr lang="en-US" sz="2400" u="sng" dirty="0" smtClean="0">
-                <a:hlinkClick r:id="rId5"/>
-              </a:rPr>
-              <a:t>www.cisco.com/web/FR/events/2016/ecole_polytechnique/index.html</a:t>
-            </a:r>
-            <a:endParaRPr lang="en-US" dirty="0" smtClean="0"/>
-          </a:p>
-          <a:p>
-            <a:pPr lvl="1"/>
+              <a:rPr lang="en-US" dirty="0" smtClean="0"/>
+              <a:t>Initial discussions on LURK and the multi-context trust approaches at NFV SEC </a:t>
+            </a:r>
             <a:endParaRPr lang="en-US" dirty="0"/>
           </a:p>
         </p:txBody>
@@ -6629,7 +6587,7 @@
     </p:spTree>
     <p:extLst>
       <p:ext uri="{BB962C8B-B14F-4D97-AF65-F5344CB8AC3E}">
-        <p14:creationId xmlns:p14="http://schemas.microsoft.com/office/powerpoint/2010/main" val="1272611529"/>
+        <p14:creationId xmlns:p14="http://schemas.microsoft.com/office/powerpoint/2010/main" val="1422777080"/>
       </p:ext>
     </p:extLst>
   </p:cSld>
@@ -6681,9 +6639,12 @@
           <a:p>
             <a:r>
               <a:rPr lang="en-GB" dirty="0" smtClean="0"/>
-              <a:t>T4.2 – Conferences and Workshops beyond M6</a:t>
-            </a:r>
-            <a:endParaRPr lang="en-GB" dirty="0"/>
+              <a:t>T4.2 </a:t>
+            </a:r>
+            <a:r>
+              <a:rPr lang="en-GB" dirty="0"/>
+              <a:t>– Conferences and Workshops </a:t>
+            </a:r>
           </a:p>
         </p:txBody>
       </p:sp>
@@ -6700,176 +6661,159 @@
         <p:spPr/>
         <p:txBody>
           <a:bodyPr>
-            <a:normAutofit fontScale="85000" lnSpcReduction="20000"/>
+            <a:normAutofit/>
           </a:bodyPr>
           <a:lstStyle/>
           <a:p>
             <a:r>
-              <a:rPr lang="en-US" dirty="0"/>
-              <a:t>Applied Networking Research </a:t>
-            </a:r>
-            <a:r>
-              <a:rPr lang="en-US" dirty="0" smtClean="0"/>
-              <a:t>Workshop</a:t>
-            </a:r>
+              <a:rPr lang="en-US" sz="2800" dirty="0" smtClean="0"/>
+              <a:t>Dagstuhl</a:t>
+            </a:r>
+            <a:r>
+              <a:rPr lang="en-US" sz="2800" dirty="0"/>
+              <a:t> Seminar on Global Measurements: Practice and </a:t>
+            </a:r>
+            <a:r>
+              <a:rPr lang="en-US" sz="2800" dirty="0" smtClean="0"/>
+              <a:t>Experience, </a:t>
+            </a:r>
+            <a:r>
+              <a:rPr lang="en-US" sz="2800" dirty="0" err="1" smtClean="0"/>
+              <a:t>Schloss</a:t>
+            </a:r>
+            <a:r>
+              <a:rPr lang="en-US" sz="2800" dirty="0" smtClean="0"/>
+              <a:t> </a:t>
+            </a:r>
+            <a:r>
+              <a:rPr lang="en-US" sz="2800" dirty="0" err="1" smtClean="0"/>
+              <a:t>Dagstuhl</a:t>
+            </a:r>
+            <a:r>
+              <a:rPr lang="en-US" sz="2800" dirty="0" smtClean="0"/>
+              <a:t> (January 2016)</a:t>
+            </a:r>
+            <a:endParaRPr lang="en-US" sz="2800" dirty="0">
+              <a:hlinkClick r:id="rId2"/>
+            </a:endParaRPr>
           </a:p>
           <a:p>
             <a:pPr lvl="1"/>
             <a:r>
-              <a:rPr lang="en-US" dirty="0">
+              <a:rPr lang="en-US" sz="2400" dirty="0" smtClean="0">
                 <a:hlinkClick r:id="rId2"/>
               </a:rPr>
-              <a:t>https://irtf.org/anrw/2016</a:t>
-            </a:r>
-            <a:r>
-              <a:rPr lang="en-US" dirty="0" smtClean="0">
+              <a:t>https</a:t>
+            </a:r>
+            <a:r>
+              <a:rPr lang="en-US" sz="2400" dirty="0">
                 <a:hlinkClick r:id="rId2"/>
               </a:rPr>
-              <a:t>/</a:t>
-            </a:r>
-            <a:endParaRPr lang="en-US" dirty="0"/>
+              <a:t>://www.dagstuhl.de/en/program/calendar/semhp/?</a:t>
+            </a:r>
+            <a:r>
+              <a:rPr lang="en-US" sz="2400" dirty="0" smtClean="0">
+                <a:hlinkClick r:id="rId2"/>
+              </a:rPr>
+              <a:t>semnr=16012</a:t>
+            </a:r>
+            <a:endParaRPr lang="en-US" sz="2400" dirty="0"/>
+          </a:p>
+          <a:p>
+            <a:r>
+              <a:rPr lang="en-US" sz="2800" dirty="0" err="1" smtClean="0"/>
+              <a:t>CleanSky</a:t>
+            </a:r>
+            <a:r>
+              <a:rPr lang="en-US" sz="2800" dirty="0" smtClean="0"/>
+              <a:t> Workshop, Heidelberg (February 2016)</a:t>
+            </a:r>
+            <a:endParaRPr lang="en-US" sz="2800" dirty="0"/>
           </a:p>
           <a:p>
             <a:pPr lvl="1"/>
             <a:r>
-              <a:rPr lang="en-US" dirty="0" smtClean="0"/>
-              <a:t>1 full and 2 short </a:t>
-            </a:r>
-            <a:r>
-              <a:rPr lang="en-US" dirty="0" smtClean="0"/>
-              <a:t>papers</a:t>
-            </a:r>
-            <a:endParaRPr lang="en-US" dirty="0" smtClean="0"/>
-          </a:p>
-          <a:p>
-            <a:r>
-              <a:rPr lang="en-US" dirty="0" err="1" smtClean="0"/>
-              <a:t>CoNEXT</a:t>
-            </a:r>
-            <a:r>
-              <a:rPr lang="en-US" dirty="0" smtClean="0"/>
-              <a:t> 2016</a:t>
-            </a:r>
-          </a:p>
-          <a:p>
-            <a:pPr lvl="1"/>
-            <a:r>
-              <a:rPr lang="en-US" dirty="0">
+              <a:rPr lang="en-US" sz="2400" u="sng" dirty="0">
                 <a:hlinkClick r:id="rId3"/>
               </a:rPr>
-              <a:t>http://conferences2.sigcomm.org/co-next/2016</a:t>
-            </a:r>
-            <a:r>
-              <a:rPr lang="en-US" dirty="0" smtClean="0">
+              <a:t>http://</a:t>
+            </a:r>
+            <a:r>
+              <a:rPr lang="en-US" sz="2400" u="sng" dirty="0" smtClean="0">
                 <a:hlinkClick r:id="rId3"/>
               </a:rPr>
-              <a:t>/</a:t>
-            </a:r>
-            <a:endParaRPr lang="en-US" dirty="0"/>
+              <a:t>www.cleansky-itn.org/conference-series/heidelberg/</a:t>
+            </a:r>
+            <a:endParaRPr lang="en-US" sz="2400" dirty="0" smtClean="0"/>
+          </a:p>
+          <a:p>
+            <a:r>
+              <a:rPr lang="en-US" sz="2800" dirty="0" smtClean="0"/>
+              <a:t>ICIN </a:t>
+            </a:r>
+            <a:r>
+              <a:rPr lang="en-US" sz="2800" dirty="0"/>
+              <a:t>2016, </a:t>
+            </a:r>
+            <a:r>
+              <a:rPr lang="en-US" sz="2800" dirty="0" smtClean="0"/>
+              <a:t>Paris (March 2016)</a:t>
+            </a:r>
+            <a:endParaRPr lang="en-US" sz="2800" dirty="0"/>
           </a:p>
           <a:p>
             <a:pPr lvl="1"/>
             <a:r>
-              <a:rPr lang="en-US" dirty="0" smtClean="0"/>
-              <a:t>1 full paper</a:t>
-            </a:r>
-          </a:p>
-          <a:p>
-            <a:r>
-              <a:rPr lang="en-US" dirty="0" smtClean="0"/>
-              <a:t>Submissions</a:t>
-            </a:r>
-          </a:p>
-          <a:p>
-            <a:pPr lvl="1"/>
-            <a:r>
-              <a:rPr lang="en-US" dirty="0" smtClean="0"/>
-              <a:t>ACM </a:t>
-            </a:r>
-            <a:r>
-              <a:rPr lang="en-US" dirty="0" err="1" smtClean="0"/>
-              <a:t>Sigcomm</a:t>
-            </a:r>
-            <a:r>
-              <a:rPr lang="en-US" dirty="0"/>
-              <a:t> Computer Communication </a:t>
-            </a:r>
-            <a:r>
-              <a:rPr lang="en-US" dirty="0" smtClean="0"/>
-              <a:t>Review </a:t>
-            </a:r>
-            <a:endParaRPr lang="en-US" dirty="0"/>
-          </a:p>
-          <a:p>
-            <a:pPr lvl="2"/>
-            <a:r>
-              <a:rPr lang="en-US" dirty="0">
+              <a:rPr lang="en-US" sz="2400" u="sng" dirty="0">
                 <a:hlinkClick r:id="rId4"/>
               </a:rPr>
-              <a:t>http://</a:t>
-            </a:r>
-            <a:r>
-              <a:rPr lang="en-US" dirty="0" smtClean="0">
-                <a:hlinkClick r:id="rId4"/>
-              </a:rPr>
-              <a:t>www.sigcomm.org/publications/computer-communication-review</a:t>
-            </a:r>
-            <a:r>
-              <a:rPr lang="en-US" dirty="0" smtClean="0"/>
+              <a:t>http://www.icin.co.uk/</a:t>
+            </a:r>
+            <a:endParaRPr lang="en-US" sz="2400" dirty="0">
+              <a:hlinkClick r:id="rId4"/>
+            </a:endParaRPr>
+          </a:p>
+          <a:p>
+            <a:r>
+              <a:rPr lang="en-US" sz="2800" dirty="0" smtClean="0"/>
+              <a:t>Cisco/</a:t>
+            </a:r>
+            <a:r>
+              <a:rPr lang="en-US" sz="2800" dirty="0" err="1" smtClean="0"/>
+              <a:t>Ecole</a:t>
+            </a:r>
+            <a:r>
+              <a:rPr lang="en-US" sz="2800" dirty="0" smtClean="0"/>
               <a:t> </a:t>
             </a:r>
-          </a:p>
-          <a:p>
-            <a:pPr lvl="2"/>
-            <a:r>
-              <a:rPr lang="en-US" dirty="0" smtClean="0"/>
-              <a:t>1 </a:t>
-            </a:r>
-            <a:r>
-              <a:rPr lang="en-US" dirty="0"/>
-              <a:t>technical paper with repeatable </a:t>
-            </a:r>
-            <a:r>
-              <a:rPr lang="en-US" dirty="0" smtClean="0"/>
-              <a:t>results, 1 </a:t>
-            </a:r>
-            <a:r>
-              <a:rPr lang="en-US" dirty="0"/>
-              <a:t>technical paper</a:t>
-            </a:r>
-            <a:endParaRPr lang="en-US" dirty="0" smtClean="0"/>
+            <a:r>
+              <a:rPr lang="en-US" sz="2800" dirty="0" err="1"/>
+              <a:t>Polytechnique</a:t>
+            </a:r>
+            <a:r>
+              <a:rPr lang="en-US" sz="2800" dirty="0"/>
+              <a:t> Networking Innovation and Research </a:t>
+            </a:r>
+            <a:r>
+              <a:rPr lang="en-US" sz="2800" dirty="0" smtClean="0"/>
+              <a:t>Symposium, Paris (March 2016)</a:t>
+            </a:r>
+            <a:endParaRPr lang="en-US" sz="2800" dirty="0"/>
           </a:p>
           <a:p>
             <a:pPr lvl="1"/>
             <a:r>
-              <a:rPr lang="en-US" dirty="0" smtClean="0"/>
-              <a:t>Passive and Active Measurement</a:t>
-            </a:r>
-          </a:p>
-          <a:p>
-            <a:pPr lvl="2"/>
-            <a:r>
-              <a:rPr lang="en-US" dirty="0">
+              <a:rPr lang="en-US" sz="2400" u="sng" dirty="0">
                 <a:hlinkClick r:id="rId5"/>
               </a:rPr>
-              <a:t>https://research.csiro.au/pam2017</a:t>
-            </a:r>
-            <a:r>
-              <a:rPr lang="en-US" dirty="0" smtClean="0">
+              <a:t>http://</a:t>
+            </a:r>
+            <a:r>
+              <a:rPr lang="en-US" sz="2400" u="sng" dirty="0" smtClean="0">
                 <a:hlinkClick r:id="rId5"/>
               </a:rPr>
-              <a:t>/</a:t>
-            </a:r>
-            <a:endParaRPr lang="en-US" dirty="0" smtClean="0"/>
-          </a:p>
-          <a:p>
-            <a:pPr lvl="2"/>
-            <a:r>
-              <a:rPr lang="en-US" dirty="0" smtClean="0"/>
-              <a:t>1 full paper</a:t>
-            </a:r>
-          </a:p>
-          <a:p>
+              <a:t>www.cisco.com/web/FR/events/2016/ecole_polytechnique/index.html</a:t>
+            </a:r>
             <a:endParaRPr lang="en-US" dirty="0" smtClean="0"/>
           </a:p>
           <a:p>
@@ -6905,7 +6849,7 @@
     </p:spTree>
     <p:extLst>
       <p:ext uri="{BB962C8B-B14F-4D97-AF65-F5344CB8AC3E}">
-        <p14:creationId xmlns:p14="http://schemas.microsoft.com/office/powerpoint/2010/main" val="778983354"/>
+        <p14:creationId xmlns:p14="http://schemas.microsoft.com/office/powerpoint/2010/main" val="1272611529"/>
       </p:ext>
     </p:extLst>
   </p:cSld>
@@ -6957,7 +6901,7 @@
           <a:p>
             <a:r>
               <a:rPr lang="en-GB" dirty="0" smtClean="0"/>
-              <a:t>T4.3 – Exploitation Plans</a:t>
+              <a:t>T4.2 – Conferences and Workshops beyond M6</a:t>
             </a:r>
             <a:endParaRPr lang="en-GB" dirty="0"/>
           </a:p>
@@ -6981,105 +6925,171 @@
           <a:lstStyle/>
           <a:p>
             <a:r>
-              <a:rPr lang="en-GB" dirty="0" smtClean="0"/>
-              <a:t>MCP-based signalling to be applied to the UNICA, </a:t>
-            </a:r>
-            <a:r>
-              <a:rPr lang="en-GB" dirty="0" err="1" smtClean="0"/>
-              <a:t>Niji</a:t>
-            </a:r>
-            <a:r>
-              <a:rPr lang="en-GB" dirty="0" smtClean="0"/>
-              <a:t>, and virtualised home environment initiatives</a:t>
+              <a:rPr lang="en-US" dirty="0"/>
+              <a:t>Applied Networking Research </a:t>
+            </a:r>
+            <a:r>
+              <a:rPr lang="en-US" dirty="0" smtClean="0"/>
+              <a:t>Workshop</a:t>
             </a:r>
           </a:p>
           <a:p>
             <a:pPr lvl="1"/>
             <a:r>
-              <a:rPr lang="en-GB" dirty="0" smtClean="0"/>
-              <a:t>UNICA is Telefonica’s telco cloud, redefined to address NFV</a:t>
-            </a:r>
+              <a:rPr lang="en-US" dirty="0">
+                <a:hlinkClick r:id="rId2"/>
+              </a:rPr>
+              <a:t>https://irtf.org/anrw/2016</a:t>
+            </a:r>
+            <a:r>
+              <a:rPr lang="en-US" dirty="0" smtClean="0">
+                <a:hlinkClick r:id="rId2"/>
+              </a:rPr>
+              <a:t>/</a:t>
+            </a:r>
+            <a:endParaRPr lang="en-US" dirty="0"/>
           </a:p>
           <a:p>
             <a:pPr lvl="1"/>
             <a:r>
-              <a:rPr lang="en-GB" dirty="0" err="1" smtClean="0"/>
-              <a:t>Niji</a:t>
-            </a:r>
-            <a:r>
-              <a:rPr lang="en-GB" dirty="0" smtClean="0"/>
-              <a:t> is a Telefonica anonymization and optimisation service currently deployed into the 3G/4G network</a:t>
+              <a:rPr lang="en-US" dirty="0" smtClean="0"/>
+              <a:t>1 full and 2 short papers</a:t>
+            </a:r>
+          </a:p>
+          <a:p>
+            <a:r>
+              <a:rPr lang="en-US" dirty="0" err="1" smtClean="0"/>
+              <a:t>CoNEXT</a:t>
+            </a:r>
+            <a:r>
+              <a:rPr lang="en-US" dirty="0" smtClean="0"/>
+              <a:t> 2016</a:t>
             </a:r>
           </a:p>
           <a:p>
             <a:pPr lvl="1"/>
             <a:r>
-              <a:rPr lang="en-GB" dirty="0" smtClean="0"/>
-              <a:t>The virtualised home environment is the first commercial NFV pilot</a:t>
-            </a:r>
-          </a:p>
-          <a:p>
-            <a:r>
-              <a:rPr lang="en-GB" dirty="0" smtClean="0"/>
-              <a:t>Initial contacts with Telefonica’s corporate and business units dealing with technology and network planning</a:t>
-            </a:r>
-          </a:p>
-          <a:p>
-            <a:r>
-              <a:rPr lang="en-GB" dirty="0" smtClean="0"/>
-              <a:t>MAMI being considered for </a:t>
-            </a:r>
-            <a:r>
-              <a:rPr lang="en-GB" dirty="0"/>
-              <a:t>many different areas of </a:t>
-            </a:r>
-            <a:r>
-              <a:rPr lang="en-GB" dirty="0" smtClean="0"/>
-              <a:t>Nokia’s product </a:t>
-            </a:r>
-            <a:r>
-              <a:rPr lang="en-GB" dirty="0"/>
-              <a:t>portfolio: mobile edge and core, Software Defined Networking (SDN), and Content Distribution Network </a:t>
-            </a:r>
-            <a:r>
-              <a:rPr lang="en-GB" dirty="0" smtClean="0"/>
-              <a:t>(CDN)</a:t>
-            </a:r>
+              <a:rPr lang="en-US" dirty="0">
+                <a:hlinkClick r:id="rId3"/>
+              </a:rPr>
+              <a:t>http://conferences2.sigcomm.org/co-next/2016</a:t>
+            </a:r>
+            <a:r>
+              <a:rPr lang="en-US" dirty="0" smtClean="0">
+                <a:hlinkClick r:id="rId3"/>
+              </a:rPr>
+              <a:t>/</a:t>
+            </a:r>
+            <a:endParaRPr lang="en-US" dirty="0"/>
           </a:p>
           <a:p>
             <a:pPr lvl="1"/>
             <a:r>
-              <a:rPr lang="en-GB" dirty="0" smtClean="0"/>
-              <a:t>The </a:t>
-            </a:r>
-            <a:r>
-              <a:rPr lang="en-GB" dirty="0"/>
-              <a:t>standardisation </a:t>
-            </a:r>
-            <a:r>
-              <a:rPr lang="en-GB" dirty="0" smtClean="0"/>
-              <a:t>around the from </a:t>
-            </a:r>
-            <a:r>
-              <a:rPr lang="en-GB" dirty="0"/>
-              <a:t>LURK </a:t>
-            </a:r>
-            <a:r>
-              <a:rPr lang="en-GB" dirty="0" smtClean="0"/>
-              <a:t>expected to have </a:t>
-            </a:r>
-            <a:r>
-              <a:rPr lang="en-GB" dirty="0"/>
-              <a:t>a great impact on the CDN </a:t>
-            </a:r>
-            <a:r>
-              <a:rPr lang="en-GB" dirty="0" smtClean="0"/>
-              <a:t>product</a:t>
+              <a:rPr lang="en-US" dirty="0" smtClean="0"/>
+              <a:t>1 full paper</a:t>
+            </a:r>
+          </a:p>
+          <a:p>
+            <a:r>
+              <a:rPr lang="en-US" dirty="0" smtClean="0"/>
+              <a:t>Submissions</a:t>
             </a:r>
           </a:p>
           <a:p>
             <a:pPr lvl="1"/>
-            <a:endParaRPr lang="en-GB" dirty="0"/>
+            <a:r>
+              <a:rPr lang="en-US" dirty="0" smtClean="0"/>
+              <a:t>ACM </a:t>
+            </a:r>
+            <a:r>
+              <a:rPr lang="en-US" dirty="0" err="1" smtClean="0"/>
+              <a:t>Sigcomm</a:t>
+            </a:r>
+            <a:r>
+              <a:rPr lang="en-US" dirty="0"/>
+              <a:t> Computer Communication </a:t>
+            </a:r>
+            <a:r>
+              <a:rPr lang="en-US" dirty="0" smtClean="0"/>
+              <a:t>Review </a:t>
+            </a:r>
+            <a:endParaRPr lang="en-US" dirty="0"/>
+          </a:p>
+          <a:p>
+            <a:pPr lvl="2"/>
+            <a:r>
+              <a:rPr lang="en-US" dirty="0">
+                <a:hlinkClick r:id="rId4"/>
+              </a:rPr>
+              <a:t>http://</a:t>
+            </a:r>
+            <a:r>
+              <a:rPr lang="en-US" dirty="0" smtClean="0">
+                <a:hlinkClick r:id="rId4"/>
+              </a:rPr>
+              <a:t>www.sigcomm.org/publications/computer-communication-review</a:t>
+            </a:r>
+            <a:r>
+              <a:rPr lang="en-US" dirty="0" smtClean="0"/>
+              <a:t> </a:t>
+            </a:r>
+          </a:p>
+          <a:p>
+            <a:pPr lvl="2"/>
+            <a:r>
+              <a:rPr lang="en-US" dirty="0" smtClean="0"/>
+              <a:t>1 </a:t>
+            </a:r>
+            <a:r>
+              <a:rPr lang="en-US" dirty="0"/>
+              <a:t>technical paper with repeatable </a:t>
+            </a:r>
+            <a:r>
+              <a:rPr lang="en-US" dirty="0" smtClean="0"/>
+              <a:t>results, 1 </a:t>
+            </a:r>
+            <a:r>
+              <a:rPr lang="en-US" dirty="0"/>
+              <a:t>technical paper</a:t>
+            </a:r>
+            <a:endParaRPr lang="en-US" dirty="0" smtClean="0"/>
+          </a:p>
+          <a:p>
+            <a:pPr lvl="1"/>
+            <a:r>
+              <a:rPr lang="en-US" dirty="0" smtClean="0"/>
+              <a:t>Passive and Active Measurement</a:t>
+            </a:r>
+          </a:p>
+          <a:p>
+            <a:pPr lvl="2"/>
+            <a:r>
+              <a:rPr lang="en-US" dirty="0">
+                <a:hlinkClick r:id="rId5"/>
+              </a:rPr>
+              <a:t>https://research.csiro.au/pam2017</a:t>
+            </a:r>
+            <a:r>
+              <a:rPr lang="en-US" dirty="0" smtClean="0">
+                <a:hlinkClick r:id="rId5"/>
+              </a:rPr>
+              <a:t>/</a:t>
+            </a:r>
+            <a:endParaRPr lang="en-US" dirty="0" smtClean="0"/>
+          </a:p>
+          <a:p>
+            <a:pPr lvl="2"/>
+            <a:r>
+              <a:rPr lang="en-US" dirty="0" smtClean="0"/>
+              <a:t>1 full paper</a:t>
+            </a:r>
+          </a:p>
+          <a:p>
+            <a:endParaRPr lang="en-US" dirty="0" smtClean="0"/>
+          </a:p>
+          <a:p>
+            <a:pPr lvl="1"/>
+            <a:endParaRPr lang="en-US" dirty="0"/>
           </a:p>
         </p:txBody>
       </p:sp>
@@ -7110,7 +7120,7 @@
     </p:spTree>
     <p:extLst>
       <p:ext uri="{BB962C8B-B14F-4D97-AF65-F5344CB8AC3E}">
-        <p14:creationId xmlns:p14="http://schemas.microsoft.com/office/powerpoint/2010/main" val="2090055919"/>
+        <p14:creationId xmlns:p14="http://schemas.microsoft.com/office/powerpoint/2010/main" val="778983354"/>
       </p:ext>
     </p:extLst>
   </p:cSld>
@@ -7162,7 +7172,7 @@
           <a:p>
             <a:r>
               <a:rPr lang="en-GB" dirty="0" smtClean="0"/>
-              <a:t>T4.3 – Exploitation Through Industrial Contacts</a:t>
+              <a:t>T4.3 – Exploitation Plans</a:t>
             </a:r>
             <a:endParaRPr lang="en-GB" dirty="0"/>
           </a:p>
@@ -7187,115 +7197,107 @@
           <a:p>
             <a:r>
               <a:rPr lang="en-GB" dirty="0" smtClean="0"/>
-              <a:t>Active collaboration with GSMA</a:t>
+              <a:t>MCP-based signalling to be applied to the UNICA, </a:t>
+            </a:r>
+            <a:r>
+              <a:rPr lang="en-GB" dirty="0" err="1" smtClean="0"/>
+              <a:t>Niji</a:t>
+            </a:r>
+            <a:r>
+              <a:rPr lang="en-GB" dirty="0" smtClean="0"/>
+              <a:t>, and virtualised home environment initiatives</a:t>
             </a:r>
           </a:p>
           <a:p>
             <a:pPr lvl="1"/>
             <a:r>
               <a:rPr lang="en-GB" dirty="0" smtClean="0"/>
-              <a:t>In the framework of GSMA’s POP </a:t>
+              <a:t>UNICA is Telefonica’s telco cloud, redefined to address NFV</a:t>
+            </a:r>
+          </a:p>
+          <a:p>
+            <a:pPr lvl="1"/>
+            <a:r>
+              <a:rPr lang="en-GB" dirty="0" err="1" smtClean="0"/>
+              <a:t>Niji</a:t>
+            </a:r>
+            <a:r>
+              <a:rPr lang="en-GB" dirty="0" smtClean="0"/>
+              <a:t> is a Telefonica anonymization and optimisation service currently deployed into the 3G/4G network</a:t>
+            </a:r>
+          </a:p>
+          <a:p>
+            <a:pPr lvl="1"/>
+            <a:r>
+              <a:rPr lang="en-GB" dirty="0" smtClean="0"/>
+              <a:t>The virtualised home environment is the first commercial NFV pilot</a:t>
+            </a:r>
+          </a:p>
+          <a:p>
+            <a:r>
+              <a:rPr lang="en-GB" dirty="0" smtClean="0"/>
+              <a:t>Initial contacts with Telefonica’s corporate and business units dealing with technology and network planning</a:t>
+            </a:r>
+          </a:p>
+          <a:p>
+            <a:r>
+              <a:rPr lang="en-GB" dirty="0" smtClean="0"/>
+              <a:t>MAMI being considered for </a:t>
             </a:r>
             <a:r>
               <a:rPr lang="en-GB" dirty="0"/>
-              <a:t>project </a:t>
-            </a:r>
-            <a:endParaRPr lang="en-GB" dirty="0" smtClean="0"/>
-          </a:p>
-          <a:p>
-            <a:pPr lvl="2"/>
-            <a:r>
-              <a:rPr lang="en-GB" dirty="0" smtClean="0"/>
-              <a:t>“</a:t>
+              <a:t>many different areas of </a:t>
+            </a:r>
+            <a:r>
+              <a:rPr lang="en-GB" dirty="0" smtClean="0"/>
+              <a:t>Nokia’s product </a:t>
             </a:r>
             <a:r>
               <a:rPr lang="en-GB" dirty="0"/>
-              <a:t>Identifying differences and possible impacts between mobile network implementations and IETF Protocols (and discovering methods to improve </a:t>
-            </a:r>
-            <a:r>
-              <a:rPr lang="en-GB" dirty="0" smtClean="0"/>
-              <a:t>these.”</a:t>
+              <a:t>portfolio: mobile edge and core, Software Defined Networking (SDN), and Content Distribution Network </a:t>
+            </a:r>
+            <a:r>
+              <a:rPr lang="en-GB" dirty="0" smtClean="0"/>
+              <a:t>(CDN)</a:t>
             </a:r>
           </a:p>
           <a:p>
             <a:pPr lvl="1"/>
             <a:r>
               <a:rPr lang="en-GB" dirty="0" smtClean="0"/>
-              <a:t>Alignment of observatory data collection and access</a:t>
+              <a:t>The </a:t>
+            </a:r>
+            <a:r>
+              <a:rPr lang="en-GB" dirty="0"/>
+              <a:t>standardisation </a:t>
+            </a:r>
+            <a:r>
+              <a:rPr lang="en-GB" dirty="0" smtClean="0"/>
+              <a:t>around </a:t>
+            </a:r>
+            <a:r>
+              <a:rPr lang="en-GB" dirty="0" smtClean="0"/>
+              <a:t>from </a:t>
+            </a:r>
+            <a:r>
+              <a:rPr lang="en-GB" dirty="0"/>
+              <a:t>LURK </a:t>
+            </a:r>
+            <a:r>
+              <a:rPr lang="en-GB" dirty="0" smtClean="0"/>
+              <a:t>expected to have </a:t>
+            </a:r>
+            <a:r>
+              <a:rPr lang="en-GB" dirty="0"/>
+              <a:t>a great impact on the CDN </a:t>
+            </a:r>
+            <a:r>
+              <a:rPr lang="en-GB" dirty="0" smtClean="0"/>
+              <a:t>product</a:t>
             </a:r>
           </a:p>
           <a:p>
             <a:pPr lvl="1"/>
-            <a:r>
-              <a:rPr lang="en-GB" dirty="0" smtClean="0"/>
-              <a:t>Coordination on MCP-related approaches</a:t>
-            </a:r>
-          </a:p>
-          <a:p>
-            <a:r>
-              <a:rPr lang="en-GB" dirty="0"/>
-              <a:t>RIPE 72, </a:t>
-            </a:r>
-            <a:r>
-              <a:rPr lang="en-GB" dirty="0" err="1"/>
-              <a:t>Copenghagen</a:t>
-            </a:r>
-            <a:r>
-              <a:rPr lang="en-GB" dirty="0"/>
-              <a:t> (May 2016)</a:t>
-            </a:r>
-          </a:p>
-          <a:p>
-            <a:pPr lvl="1"/>
-            <a:r>
-              <a:rPr lang="en-GB" dirty="0">
-                <a:hlinkClick r:id="rId2"/>
-              </a:rPr>
-              <a:t>https://ripe72.ripe.net/</a:t>
-            </a:r>
-            <a:endParaRPr lang="en-GB" dirty="0"/>
-          </a:p>
-          <a:p>
-            <a:r>
-              <a:rPr lang="en-GB" dirty="0" smtClean="0"/>
-              <a:t>EC 1</a:t>
-            </a:r>
-            <a:r>
-              <a:rPr lang="en-GB" baseline="30000" dirty="0" smtClean="0"/>
-              <a:t>st</a:t>
-            </a:r>
-            <a:r>
-              <a:rPr lang="en-GB" dirty="0" smtClean="0"/>
-              <a:t> Stakeholder Consultation Workshop, Brussels (June 2016)</a:t>
-            </a:r>
-          </a:p>
-          <a:p>
-            <a:pPr lvl="1"/>
-            <a:r>
-              <a:rPr lang="en-GB" dirty="0">
-                <a:hlinkClick r:id="rId3"/>
-              </a:rPr>
-              <a:t>https://</a:t>
-            </a:r>
-            <a:r>
-              <a:rPr lang="en-GB" dirty="0" smtClean="0">
-                <a:hlinkClick r:id="rId3"/>
-              </a:rPr>
-              <a:t>www.broadbandmapping.eu/wp-content/uploads/2016/07/Agenda-Workshop_Mapping-Broadband-Services-in-Europe.pdf</a:t>
-            </a:r>
-            <a:endParaRPr lang="en-GB" dirty="0" smtClean="0"/>
-          </a:p>
-          <a:p>
-            <a:pPr marL="450850" lvl="1" indent="0">
-              <a:buNone/>
-            </a:pPr>
-            <a:endParaRPr lang="en-GB" dirty="0"/>
-          </a:p>
-          <a:p>
-            <a:r>
-              <a:rPr lang="en-GB" dirty="0" smtClean="0"/>
-              <a:t>Introducing MAMI at the SDN World Congress, The Hague (October 2016) </a:t>
-            </a:r>
             <a:endParaRPr lang="en-GB" dirty="0"/>
           </a:p>
         </p:txBody>
@@ -7327,7 +7329,7 @@
     </p:spTree>
     <p:extLst>
       <p:ext uri="{BB962C8B-B14F-4D97-AF65-F5344CB8AC3E}">
-        <p14:creationId xmlns:p14="http://schemas.microsoft.com/office/powerpoint/2010/main" val="666098795"/>
+        <p14:creationId xmlns:p14="http://schemas.microsoft.com/office/powerpoint/2010/main" val="2090055919"/>
       </p:ext>
     </p:extLst>
   </p:cSld>
@@ -7364,6 +7366,223 @@
       </p:grpSpPr>
       <p:sp>
         <p:nvSpPr>
+          <p:cNvPr id="7" name="Titel 6"/>
+          <p:cNvSpPr>
+            <a:spLocks noGrp="1"/>
+          </p:cNvSpPr>
+          <p:nvPr>
+            <p:ph type="title"/>
+          </p:nvPr>
+        </p:nvSpPr>
+        <p:spPr/>
+        <p:txBody>
+          <a:bodyPr/>
+          <a:lstStyle/>
+          <a:p>
+            <a:r>
+              <a:rPr lang="en-GB" dirty="0" smtClean="0"/>
+              <a:t>T4.3 – Exploitation Through Industrial Contacts</a:t>
+            </a:r>
+            <a:endParaRPr lang="en-GB" dirty="0"/>
+          </a:p>
+        </p:txBody>
+      </p:sp>
+      <p:sp>
+        <p:nvSpPr>
+          <p:cNvPr id="8" name="Textplatzhalter 7"/>
+          <p:cNvSpPr>
+            <a:spLocks noGrp="1"/>
+          </p:cNvSpPr>
+          <p:nvPr>
+            <p:ph type="body" sz="quarter" idx="13"/>
+          </p:nvPr>
+        </p:nvSpPr>
+        <p:spPr/>
+        <p:txBody>
+          <a:bodyPr>
+            <a:normAutofit fontScale="85000" lnSpcReduction="20000"/>
+          </a:bodyPr>
+          <a:lstStyle/>
+          <a:p>
+            <a:r>
+              <a:rPr lang="en-GB" dirty="0" smtClean="0"/>
+              <a:t>Active collaboration with GSMA</a:t>
+            </a:r>
+          </a:p>
+          <a:p>
+            <a:pPr lvl="1"/>
+            <a:r>
+              <a:rPr lang="en-GB" dirty="0" smtClean="0"/>
+              <a:t>In the framework of GSMA’s POP </a:t>
+            </a:r>
+            <a:r>
+              <a:rPr lang="en-GB" dirty="0"/>
+              <a:t>project </a:t>
+            </a:r>
+            <a:endParaRPr lang="en-GB" dirty="0" smtClean="0"/>
+          </a:p>
+          <a:p>
+            <a:pPr lvl="2"/>
+            <a:r>
+              <a:rPr lang="en-GB" dirty="0" smtClean="0"/>
+              <a:t>“</a:t>
+            </a:r>
+            <a:r>
+              <a:rPr lang="en-GB" dirty="0"/>
+              <a:t>Identifying differences and possible impacts between mobile network implementations and IETF Protocols (and discovering methods to improve </a:t>
+            </a:r>
+            <a:r>
+              <a:rPr lang="en-GB" dirty="0" smtClean="0"/>
+              <a:t>these.”</a:t>
+            </a:r>
+          </a:p>
+          <a:p>
+            <a:pPr lvl="1"/>
+            <a:r>
+              <a:rPr lang="en-GB" dirty="0" smtClean="0"/>
+              <a:t>Alignment of observatory data collection and access</a:t>
+            </a:r>
+          </a:p>
+          <a:p>
+            <a:pPr lvl="1"/>
+            <a:r>
+              <a:rPr lang="en-GB" dirty="0" smtClean="0"/>
+              <a:t>Coordination on MCP-related approaches</a:t>
+            </a:r>
+          </a:p>
+          <a:p>
+            <a:r>
+              <a:rPr lang="en-GB" dirty="0"/>
+              <a:t>RIPE 72, </a:t>
+            </a:r>
+            <a:r>
+              <a:rPr lang="en-GB" dirty="0" err="1"/>
+              <a:t>Copenghagen</a:t>
+            </a:r>
+            <a:r>
+              <a:rPr lang="en-GB" dirty="0"/>
+              <a:t> (May 2016)</a:t>
+            </a:r>
+          </a:p>
+          <a:p>
+            <a:pPr lvl="1"/>
+            <a:r>
+              <a:rPr lang="en-GB" dirty="0">
+                <a:hlinkClick r:id="rId2"/>
+              </a:rPr>
+              <a:t>https://ripe72.ripe.net/</a:t>
+            </a:r>
+            <a:endParaRPr lang="en-GB" dirty="0"/>
+          </a:p>
+          <a:p>
+            <a:r>
+              <a:rPr lang="en-GB" dirty="0" smtClean="0"/>
+              <a:t>EC 1</a:t>
+            </a:r>
+            <a:r>
+              <a:rPr lang="en-GB" baseline="30000" dirty="0" smtClean="0"/>
+              <a:t>st</a:t>
+            </a:r>
+            <a:r>
+              <a:rPr lang="en-GB" dirty="0" smtClean="0"/>
+              <a:t> Stakeholder Consultation Workshop, Brussels (June 2016)</a:t>
+            </a:r>
+          </a:p>
+          <a:p>
+            <a:pPr lvl="1"/>
+            <a:r>
+              <a:rPr lang="en-GB" dirty="0">
+                <a:hlinkClick r:id="rId3"/>
+              </a:rPr>
+              <a:t>https://</a:t>
+            </a:r>
+            <a:r>
+              <a:rPr lang="en-GB" dirty="0" smtClean="0">
+                <a:hlinkClick r:id="rId3"/>
+              </a:rPr>
+              <a:t>www.broadbandmapping.eu/wp-content/uploads/2016/07/Agenda-Workshop_Mapping-Broadband-Services-in-Europe.pdf</a:t>
+            </a:r>
+            <a:endParaRPr lang="en-GB" dirty="0" smtClean="0"/>
+          </a:p>
+          <a:p>
+            <a:pPr marL="450850" lvl="1" indent="0">
+              <a:buNone/>
+            </a:pPr>
+            <a:endParaRPr lang="en-GB" dirty="0"/>
+          </a:p>
+          <a:p>
+            <a:r>
+              <a:rPr lang="en-GB" dirty="0" smtClean="0"/>
+              <a:t>Introducing MAMI at the SDN World Congress, The Hague (October 2016) </a:t>
+            </a:r>
+            <a:endParaRPr lang="en-GB" dirty="0"/>
+          </a:p>
+        </p:txBody>
+      </p:sp>
+      <p:sp>
+        <p:nvSpPr>
+          <p:cNvPr id="5" name="Foliennummernplatzhalter 4"/>
+          <p:cNvSpPr>
+            <a:spLocks noGrp="1"/>
+          </p:cNvSpPr>
+          <p:nvPr>
+            <p:ph type="sldNum" sz="quarter" idx="16"/>
+          </p:nvPr>
+        </p:nvSpPr>
+        <p:spPr/>
+        <p:txBody>
+          <a:bodyPr/>
+          <a:lstStyle/>
+          <a:p>
+            <a:fld id="{CA36C8A0-BAEB-42C3-A2D9-B1F0D6FD294D}" type="slidenum">
+              <a:rPr lang="en-GB" smtClean="0"/>
+              <a:pPr/>
+              <a:t>15</a:t>
+            </a:fld>
+            <a:endParaRPr lang="en-GB" dirty="0" smtClean="0"/>
+          </a:p>
+        </p:txBody>
+      </p:sp>
+    </p:spTree>
+    <p:extLst>
+      <p:ext uri="{BB962C8B-B14F-4D97-AF65-F5344CB8AC3E}">
+        <p14:creationId xmlns:p14="http://schemas.microsoft.com/office/powerpoint/2010/main" val="666098795"/>
+      </p:ext>
+    </p:extLst>
+  </p:cSld>
+  <p:clrMapOvr>
+    <a:masterClrMapping/>
+  </p:clrMapOvr>
+  <p:transition spd="med"/>
+  <p:timing>
+    <p:tnLst>
+      <p:par>
+        <p:cTn id="1" dur="indefinite" restart="never" nodeType="tmRoot"/>
+      </p:par>
+    </p:tnLst>
+  </p:timing>
+</p:sld>
+</file>
+
+<file path=ppt/slides/slide16.xml><?xml version="1.0" encoding="utf-8"?>
+<p:sld xmlns:a="http://schemas.openxmlformats.org/drawingml/2006/main" xmlns:r="http://schemas.openxmlformats.org/officeDocument/2006/relationships" xmlns:p="http://schemas.openxmlformats.org/presentationml/2006/main" show="0">
+  <p:cSld>
+    <p:spTree>
+      <p:nvGrpSpPr>
+        <p:cNvPr id="1" name=""/>
+        <p:cNvGrpSpPr/>
+        <p:nvPr/>
+      </p:nvGrpSpPr>
+      <p:grpSpPr>
+        <a:xfrm>
+          <a:off x="0" y="0"/>
+          <a:ext cx="0" cy="0"/>
+          <a:chOff x="0" y="0"/>
+          <a:chExt cx="0" cy="0"/>
+        </a:xfrm>
+      </p:grpSpPr>
+      <p:sp>
+        <p:nvSpPr>
           <p:cNvPr id="2" name="Title 1"/>
           <p:cNvSpPr>
             <a:spLocks noGrp="1"/>
@@ -7537,7 +7756,7 @@
             <a:fld id="{CA36C8A0-BAEB-42C3-A2D9-B1F0D6FD294D}" type="slidenum">
               <a:rPr lang="de-CH" smtClean="0"/>
               <a:pPr/>
-              <a:t>15</a:t>
+              <a:t>16</a:t>
             </a:fld>
             <a:endParaRPr lang="de-CH" dirty="0" smtClean="0"/>
           </a:p>
@@ -7554,10 +7773,17 @@
     <a:masterClrMapping/>
   </p:clrMapOvr>
   <p:transition spd="med"/>
+  <p:timing>
+    <p:tnLst>
+      <p:par>
+        <p:cTn id="1" dur="indefinite" restart="never" nodeType="tmRoot"/>
+      </p:par>
+    </p:tnLst>
+  </p:timing>
 </p:sld>
 </file>
 
-<file path=ppt/slides/slide16.xml><?xml version="1.0" encoding="utf-8"?>
+<file path=ppt/slides/slide17.xml><?xml version="1.0" encoding="utf-8"?>
 <p:sld xmlns:a="http://schemas.openxmlformats.org/drawingml/2006/main" xmlns:r="http://schemas.openxmlformats.org/officeDocument/2006/relationships" xmlns:p="http://schemas.openxmlformats.org/presentationml/2006/main">
   <p:cSld>
     <p:spTree>
@@ -7778,7 +8004,7 @@
             <a:fld id="{CA36C8A0-BAEB-42C3-A2D9-B1F0D6FD294D}" type="slidenum">
               <a:rPr lang="de-CH" smtClean="0"/>
               <a:pPr/>
-              <a:t>16</a:t>
+              <a:t>17</a:t>
             </a:fld>
             <a:endParaRPr lang="de-CH" dirty="0" smtClean="0"/>
           </a:p>
@@ -7939,268 +8165,13 @@
     <a:masterClrMapping/>
   </p:clrMapOvr>
   <p:transition spd="med"/>
-</p:sld>
-</file>
-
-<file path=ppt/slides/slide17.xml><?xml version="1.0" encoding="utf-8"?>
-<p:sld xmlns:a="http://schemas.openxmlformats.org/drawingml/2006/main" xmlns:r="http://schemas.openxmlformats.org/officeDocument/2006/relationships" xmlns:p="http://schemas.openxmlformats.org/presentationml/2006/main">
-  <p:cSld>
-    <p:spTree>
-      <p:nvGrpSpPr>
-        <p:cNvPr id="1" name=""/>
-        <p:cNvGrpSpPr/>
-        <p:nvPr/>
-      </p:nvGrpSpPr>
-      <p:grpSpPr>
-        <a:xfrm>
-          <a:off x="0" y="0"/>
-          <a:ext cx="0" cy="0"/>
-          <a:chOff x="0" y="0"/>
-          <a:chExt cx="0" cy="0"/>
-        </a:xfrm>
-      </p:grpSpPr>
-      <p:sp>
-        <p:nvSpPr>
-          <p:cNvPr id="2" name="Title 1"/>
-          <p:cNvSpPr>
-            <a:spLocks noGrp="1"/>
-          </p:cNvSpPr>
-          <p:nvPr>
-            <p:ph type="title"/>
-          </p:nvPr>
-        </p:nvSpPr>
-        <p:spPr/>
-        <p:txBody>
-          <a:bodyPr/>
-          <a:lstStyle/>
-          <a:p>
-            <a:r>
-              <a:rPr lang="en-US" dirty="0" smtClean="0"/>
-              <a:t>T4.5 – Public Repositories</a:t>
-            </a:r>
-            <a:endParaRPr lang="en-US" dirty="0"/>
-          </a:p>
-        </p:txBody>
-      </p:sp>
-      <p:sp>
-        <p:nvSpPr>
-          <p:cNvPr id="3" name="Text Placeholder 2"/>
-          <p:cNvSpPr>
-            <a:spLocks noGrp="1"/>
-          </p:cNvSpPr>
-          <p:nvPr>
-            <p:ph type="body" sz="quarter" idx="13"/>
-          </p:nvPr>
-        </p:nvSpPr>
-        <p:spPr/>
-        <p:txBody>
-          <a:bodyPr>
-            <a:normAutofit lnSpcReduction="10000"/>
-          </a:bodyPr>
-          <a:lstStyle/>
-          <a:p>
-            <a:r>
-              <a:rPr lang="en-US" dirty="0" smtClean="0"/>
-              <a:t>MAMI </a:t>
-            </a:r>
-            <a:r>
-              <a:rPr lang="en-US" dirty="0"/>
-              <a:t>organization hosted on </a:t>
-            </a:r>
-            <a:r>
-              <a:rPr lang="en-US" dirty="0" err="1" smtClean="0"/>
-              <a:t>github.com</a:t>
-            </a:r>
-            <a:endParaRPr lang="en-US" dirty="0" smtClean="0"/>
-          </a:p>
-          <a:p>
-            <a:pPr lvl="1"/>
-            <a:r>
-              <a:rPr lang="en-US" dirty="0" smtClean="0">
-                <a:hlinkClick r:id="rId2"/>
-              </a:rPr>
-              <a:t>https</a:t>
-            </a:r>
-            <a:r>
-              <a:rPr lang="en-US" dirty="0">
-                <a:hlinkClick r:id="rId2"/>
-              </a:rPr>
-              <a:t>://</a:t>
-            </a:r>
-            <a:r>
-              <a:rPr lang="en-US" dirty="0" smtClean="0">
-                <a:hlinkClick r:id="rId2"/>
-              </a:rPr>
-              <a:t>github.com/mamiproject</a:t>
-            </a:r>
-            <a:endParaRPr lang="en-US" dirty="0"/>
-          </a:p>
-          <a:p>
-            <a:pPr lvl="1"/>
-            <a:r>
-              <a:rPr lang="en-US" dirty="0" smtClean="0"/>
-              <a:t>Contains </a:t>
-            </a:r>
-            <a:r>
-              <a:rPr lang="en-US" dirty="0"/>
-              <a:t>several repositories for open-source software and public information created by the </a:t>
-            </a:r>
-            <a:r>
-              <a:rPr lang="en-US" dirty="0" smtClean="0"/>
-              <a:t>project</a:t>
-            </a:r>
-          </a:p>
-          <a:p>
-            <a:pPr lvl="1"/>
-            <a:r>
-              <a:rPr lang="en-US" dirty="0" smtClean="0"/>
-              <a:t>Up to 12 by June 2016</a:t>
-            </a:r>
-          </a:p>
-          <a:p>
-            <a:pPr lvl="1"/>
-            <a:r>
-              <a:rPr lang="en-US" dirty="0" smtClean="0"/>
-              <a:t>MAMI </a:t>
-            </a:r>
-            <a:r>
-              <a:rPr lang="en-US" dirty="0"/>
-              <a:t>intends to publish several open source releases </a:t>
-            </a:r>
-            <a:endParaRPr lang="en-US" dirty="0" smtClean="0"/>
-          </a:p>
-          <a:p>
-            <a:r>
-              <a:rPr lang="en-US" dirty="0" smtClean="0"/>
-              <a:t>Plans </a:t>
-            </a:r>
-            <a:r>
-              <a:rPr lang="en-US" dirty="0"/>
-              <a:t>to distribute </a:t>
-            </a:r>
-            <a:r>
-              <a:rPr lang="en-US" dirty="0" smtClean="0"/>
-              <a:t>software via software </a:t>
-            </a:r>
-            <a:r>
-              <a:rPr lang="en-US" dirty="0"/>
-              <a:t>distribution </a:t>
-            </a:r>
-            <a:r>
-              <a:rPr lang="en-US" dirty="0" smtClean="0"/>
-              <a:t>systems</a:t>
-            </a:r>
-          </a:p>
-          <a:p>
-            <a:pPr lvl="1"/>
-            <a:r>
-              <a:rPr lang="en-US" dirty="0" err="1" smtClean="0"/>
-              <a:t>Debian</a:t>
-            </a:r>
-            <a:r>
-              <a:rPr lang="en-US" dirty="0" smtClean="0"/>
-              <a:t> </a:t>
-            </a:r>
-            <a:r>
-              <a:rPr lang="en-US" dirty="0"/>
-              <a:t>Operating </a:t>
-            </a:r>
-            <a:r>
-              <a:rPr lang="en-US" dirty="0" smtClean="0"/>
-              <a:t>System - </a:t>
-            </a:r>
-            <a:r>
-              <a:rPr lang="en-US" dirty="0">
-                <a:hlinkClick r:id="rId3"/>
-              </a:rPr>
-              <a:t>https://</a:t>
-            </a:r>
-            <a:r>
-              <a:rPr lang="en-US" dirty="0" smtClean="0">
-                <a:hlinkClick r:id="rId3"/>
-              </a:rPr>
-              <a:t>www.debian.org</a:t>
-            </a:r>
-            <a:r>
-              <a:rPr lang="en-US" dirty="0" smtClean="0"/>
-              <a:t>/ </a:t>
-            </a:r>
-          </a:p>
-          <a:p>
-            <a:pPr lvl="1"/>
-            <a:r>
-              <a:rPr lang="en-US" dirty="0" smtClean="0"/>
-              <a:t>Python </a:t>
-            </a:r>
-            <a:r>
-              <a:rPr lang="en-US" dirty="0"/>
-              <a:t>Package </a:t>
-            </a:r>
-            <a:r>
-              <a:rPr lang="en-US" dirty="0" smtClean="0"/>
-              <a:t>Index2 - </a:t>
-            </a:r>
-            <a:r>
-              <a:rPr lang="en-US" dirty="0">
-                <a:hlinkClick r:id="rId4"/>
-              </a:rPr>
-              <a:t>https://pypi.python.org</a:t>
-            </a:r>
-            <a:r>
-              <a:rPr lang="en-US" dirty="0" smtClean="0">
-                <a:hlinkClick r:id="rId4"/>
-              </a:rPr>
-              <a:t>/</a:t>
-            </a:r>
-            <a:r>
-              <a:rPr lang="en-US" dirty="0"/>
-              <a:t> </a:t>
-            </a:r>
-          </a:p>
-          <a:p>
-            <a:pPr lvl="1"/>
-            <a:r>
-              <a:rPr lang="en-US" dirty="0" smtClean="0"/>
-              <a:t>The project will keep contributing packages to these and other systems</a:t>
-            </a:r>
-          </a:p>
-        </p:txBody>
-      </p:sp>
-      <p:sp>
-        <p:nvSpPr>
-          <p:cNvPr id="4" name="Slide Number Placeholder 3"/>
-          <p:cNvSpPr>
-            <a:spLocks noGrp="1"/>
-          </p:cNvSpPr>
-          <p:nvPr>
-            <p:ph type="sldNum" sz="quarter" idx="16"/>
-          </p:nvPr>
-        </p:nvSpPr>
-        <p:spPr/>
-        <p:txBody>
-          <a:bodyPr/>
-          <a:lstStyle/>
-          <a:p>
-            <a:fld id="{CA36C8A0-BAEB-42C3-A2D9-B1F0D6FD294D}" type="slidenum">
-              <a:rPr lang="de-CH" smtClean="0"/>
-              <a:pPr/>
-              <a:t>17</a:t>
-            </a:fld>
-            <a:endParaRPr lang="de-CH" dirty="0" smtClean="0"/>
-          </a:p>
-        </p:txBody>
-      </p:sp>
-    </p:spTree>
-    <p:extLst>
-      <p:ext uri="{BB962C8B-B14F-4D97-AF65-F5344CB8AC3E}">
-        <p14:creationId xmlns:p14="http://schemas.microsoft.com/office/powerpoint/2010/main" val="606444577"/>
-      </p:ext>
-    </p:extLst>
-  </p:cSld>
-  <p:clrMapOvr>
-    <a:masterClrMapping/>
-  </p:clrMapOvr>
-  <p:transition spd="med"/>
+  <p:timing>
+    <p:tnLst>
+      <p:par>
+        <p:cTn id="1" dur="indefinite" restart="never" nodeType="tmRoot"/>
+      </p:par>
+    </p:tnLst>
+  </p:timing>
 </p:sld>
 </file>
 
@@ -8238,6 +8209,275 @@
           <a:p>
             <a:r>
               <a:rPr lang="en-US" dirty="0" smtClean="0"/>
+              <a:t>T4.5 – Public Repositories</a:t>
+            </a:r>
+            <a:endParaRPr lang="en-US" dirty="0"/>
+          </a:p>
+        </p:txBody>
+      </p:sp>
+      <p:sp>
+        <p:nvSpPr>
+          <p:cNvPr id="3" name="Text Placeholder 2"/>
+          <p:cNvSpPr>
+            <a:spLocks noGrp="1"/>
+          </p:cNvSpPr>
+          <p:nvPr>
+            <p:ph type="body" sz="quarter" idx="13"/>
+          </p:nvPr>
+        </p:nvSpPr>
+        <p:spPr/>
+        <p:txBody>
+          <a:bodyPr>
+            <a:normAutofit lnSpcReduction="10000"/>
+          </a:bodyPr>
+          <a:lstStyle/>
+          <a:p>
+            <a:r>
+              <a:rPr lang="en-US" dirty="0" smtClean="0"/>
+              <a:t>MAMI </a:t>
+            </a:r>
+            <a:r>
+              <a:rPr lang="en-US" dirty="0"/>
+              <a:t>organization hosted on </a:t>
+            </a:r>
+            <a:r>
+              <a:rPr lang="en-US" dirty="0" err="1" smtClean="0"/>
+              <a:t>github.com</a:t>
+            </a:r>
+            <a:endParaRPr lang="en-US" dirty="0" smtClean="0"/>
+          </a:p>
+          <a:p>
+            <a:pPr lvl="1"/>
+            <a:r>
+              <a:rPr lang="en-US" dirty="0" smtClean="0">
+                <a:hlinkClick r:id="rId2"/>
+              </a:rPr>
+              <a:t>https</a:t>
+            </a:r>
+            <a:r>
+              <a:rPr lang="en-US" dirty="0">
+                <a:hlinkClick r:id="rId2"/>
+              </a:rPr>
+              <a:t>://</a:t>
+            </a:r>
+            <a:r>
+              <a:rPr lang="en-US" dirty="0" smtClean="0">
+                <a:hlinkClick r:id="rId2"/>
+              </a:rPr>
+              <a:t>github.com/mamiproject</a:t>
+            </a:r>
+            <a:endParaRPr lang="en-US" dirty="0"/>
+          </a:p>
+          <a:p>
+            <a:pPr lvl="1"/>
+            <a:r>
+              <a:rPr lang="en-US" dirty="0" smtClean="0"/>
+              <a:t>Contains </a:t>
+            </a:r>
+            <a:r>
+              <a:rPr lang="en-US" dirty="0"/>
+              <a:t>several repositories for open-source software and public information created by the </a:t>
+            </a:r>
+            <a:r>
+              <a:rPr lang="en-US" dirty="0" smtClean="0"/>
+              <a:t>project</a:t>
+            </a:r>
+          </a:p>
+          <a:p>
+            <a:pPr lvl="1"/>
+            <a:r>
+              <a:rPr lang="en-US" dirty="0" smtClean="0"/>
+              <a:t>Up to 12 by June 2016</a:t>
+            </a:r>
+          </a:p>
+          <a:p>
+            <a:pPr lvl="1"/>
+            <a:r>
+              <a:rPr lang="en-US" dirty="0" smtClean="0"/>
+              <a:t>MAMI </a:t>
+            </a:r>
+            <a:r>
+              <a:rPr lang="en-US" dirty="0"/>
+              <a:t>intends to publish several open source releases </a:t>
+            </a:r>
+            <a:endParaRPr lang="en-US" dirty="0" smtClean="0"/>
+          </a:p>
+          <a:p>
+            <a:r>
+              <a:rPr lang="en-US" dirty="0" smtClean="0"/>
+              <a:t>Plans </a:t>
+            </a:r>
+            <a:r>
+              <a:rPr lang="en-US" dirty="0"/>
+              <a:t>to distribute </a:t>
+            </a:r>
+            <a:r>
+              <a:rPr lang="en-US" dirty="0" smtClean="0"/>
+              <a:t>software via software </a:t>
+            </a:r>
+            <a:r>
+              <a:rPr lang="en-US" dirty="0"/>
+              <a:t>distribution </a:t>
+            </a:r>
+            <a:r>
+              <a:rPr lang="en-US" dirty="0" smtClean="0"/>
+              <a:t>systems</a:t>
+            </a:r>
+          </a:p>
+          <a:p>
+            <a:pPr lvl="1"/>
+            <a:r>
+              <a:rPr lang="en-US" dirty="0" err="1" smtClean="0"/>
+              <a:t>Debian</a:t>
+            </a:r>
+            <a:r>
+              <a:rPr lang="en-US" dirty="0" smtClean="0"/>
+              <a:t> </a:t>
+            </a:r>
+            <a:r>
+              <a:rPr lang="en-US" dirty="0"/>
+              <a:t>Operating </a:t>
+            </a:r>
+            <a:r>
+              <a:rPr lang="en-US" dirty="0" smtClean="0"/>
+              <a:t>System - </a:t>
+            </a:r>
+            <a:r>
+              <a:rPr lang="en-US" dirty="0">
+                <a:hlinkClick r:id="rId3"/>
+              </a:rPr>
+              <a:t>https://</a:t>
+            </a:r>
+            <a:r>
+              <a:rPr lang="en-US" dirty="0" smtClean="0">
+                <a:hlinkClick r:id="rId3"/>
+              </a:rPr>
+              <a:t>www.debian.org</a:t>
+            </a:r>
+            <a:r>
+              <a:rPr lang="en-US" dirty="0" smtClean="0"/>
+              <a:t>/ </a:t>
+            </a:r>
+          </a:p>
+          <a:p>
+            <a:pPr lvl="1"/>
+            <a:r>
+              <a:rPr lang="en-US" dirty="0" smtClean="0"/>
+              <a:t>Python </a:t>
+            </a:r>
+            <a:r>
+              <a:rPr lang="en-US" dirty="0"/>
+              <a:t>Package </a:t>
+            </a:r>
+            <a:r>
+              <a:rPr lang="en-US" dirty="0" smtClean="0"/>
+              <a:t>Index2 - </a:t>
+            </a:r>
+            <a:r>
+              <a:rPr lang="en-US" dirty="0">
+                <a:hlinkClick r:id="rId4"/>
+              </a:rPr>
+              <a:t>https://pypi.python.org</a:t>
+            </a:r>
+            <a:r>
+              <a:rPr lang="en-US" dirty="0" smtClean="0">
+                <a:hlinkClick r:id="rId4"/>
+              </a:rPr>
+              <a:t>/</a:t>
+            </a:r>
+            <a:r>
+              <a:rPr lang="en-US" dirty="0"/>
+              <a:t> </a:t>
+            </a:r>
+          </a:p>
+          <a:p>
+            <a:pPr lvl="1"/>
+            <a:r>
+              <a:rPr lang="en-US" dirty="0" smtClean="0"/>
+              <a:t>The project will keep contributing packages to these and other systems</a:t>
+            </a:r>
+          </a:p>
+        </p:txBody>
+      </p:sp>
+      <p:sp>
+        <p:nvSpPr>
+          <p:cNvPr id="4" name="Slide Number Placeholder 3"/>
+          <p:cNvSpPr>
+            <a:spLocks noGrp="1"/>
+          </p:cNvSpPr>
+          <p:nvPr>
+            <p:ph type="sldNum" sz="quarter" idx="16"/>
+          </p:nvPr>
+        </p:nvSpPr>
+        <p:spPr/>
+        <p:txBody>
+          <a:bodyPr/>
+          <a:lstStyle/>
+          <a:p>
+            <a:fld id="{CA36C8A0-BAEB-42C3-A2D9-B1F0D6FD294D}" type="slidenum">
+              <a:rPr lang="de-CH" smtClean="0"/>
+              <a:pPr/>
+              <a:t>18</a:t>
+            </a:fld>
+            <a:endParaRPr lang="de-CH" dirty="0" smtClean="0"/>
+          </a:p>
+        </p:txBody>
+      </p:sp>
+    </p:spTree>
+    <p:extLst>
+      <p:ext uri="{BB962C8B-B14F-4D97-AF65-F5344CB8AC3E}">
+        <p14:creationId xmlns:p14="http://schemas.microsoft.com/office/powerpoint/2010/main" val="606444577"/>
+      </p:ext>
+    </p:extLst>
+  </p:cSld>
+  <p:clrMapOvr>
+    <a:masterClrMapping/>
+  </p:clrMapOvr>
+  <p:transition spd="med"/>
+  <p:timing>
+    <p:tnLst>
+      <p:par>
+        <p:cTn id="1" dur="indefinite" restart="never" nodeType="tmRoot"/>
+      </p:par>
+    </p:tnLst>
+  </p:timing>
+</p:sld>
+</file>
+
+<file path=ppt/slides/slide19.xml><?xml version="1.0" encoding="utf-8"?>
+<p:sld xmlns:a="http://schemas.openxmlformats.org/drawingml/2006/main" xmlns:r="http://schemas.openxmlformats.org/officeDocument/2006/relationships" xmlns:p="http://schemas.openxmlformats.org/presentationml/2006/main" show="0">
+  <p:cSld>
+    <p:spTree>
+      <p:nvGrpSpPr>
+        <p:cNvPr id="1" name=""/>
+        <p:cNvGrpSpPr/>
+        <p:nvPr/>
+      </p:nvGrpSpPr>
+      <p:grpSpPr>
+        <a:xfrm>
+          <a:off x="0" y="0"/>
+          <a:ext cx="0" cy="0"/>
+          <a:chOff x="0" y="0"/>
+          <a:chExt cx="0" cy="0"/>
+        </a:xfrm>
+      </p:grpSpPr>
+      <p:sp>
+        <p:nvSpPr>
+          <p:cNvPr id="2" name="Title 1"/>
+          <p:cNvSpPr>
+            <a:spLocks noGrp="1"/>
+          </p:cNvSpPr>
+          <p:nvPr>
+            <p:ph type="title"/>
+          </p:nvPr>
+        </p:nvSpPr>
+        <p:spPr/>
+        <p:txBody>
+          <a:bodyPr/>
+          <a:lstStyle/>
+          <a:p>
+            <a:r>
+              <a:rPr lang="en-US" dirty="0" smtClean="0"/>
               <a:t>T4.6 – The Goals of Data Management</a:t>
             </a:r>
             <a:endParaRPr lang="en-US" dirty="0"/>
@@ -8414,7 +8654,7 @@
             <a:fld id="{CA36C8A0-BAEB-42C3-A2D9-B1F0D6FD294D}" type="slidenum">
               <a:rPr lang="de-CH" smtClean="0"/>
               <a:pPr/>
-              <a:t>18</a:t>
+              <a:t>19</a:t>
             </a:fld>
             <a:endParaRPr lang="de-CH" dirty="0" smtClean="0"/>
           </a:p>
@@ -8431,10 +8671,17 @@
     <a:masterClrMapping/>
   </p:clrMapOvr>
   <p:transition spd="med"/>
+  <p:timing>
+    <p:tnLst>
+      <p:par>
+        <p:cTn id="1" dur="indefinite" restart="never" nodeType="tmRoot"/>
+      </p:par>
+    </p:tnLst>
+  </p:timing>
 </p:sld>
 </file>
 
-<file path=ppt/slides/slide19.xml><?xml version="1.0" encoding="utf-8"?>
+<file path=ppt/slides/slide2.xml><?xml version="1.0" encoding="utf-8"?>
 <p:sld xmlns:a="http://schemas.openxmlformats.org/drawingml/2006/main" xmlns:r="http://schemas.openxmlformats.org/officeDocument/2006/relationships" xmlns:p="http://schemas.openxmlformats.org/presentationml/2006/main">
   <p:cSld>
     <p:spTree>
@@ -8468,7 +8715,7 @@
           <a:p>
             <a:r>
               <a:rPr lang="en-US" dirty="0" smtClean="0"/>
-              <a:t>T4.6 – Data Management Plan</a:t>
+              <a:t>A Few Remarks on the WP4 Tasks</a:t>
             </a:r>
             <a:endParaRPr lang="en-US" dirty="0"/>
           </a:p>
@@ -8487,138 +8734,104 @@
         <p:spPr/>
         <p:txBody>
           <a:bodyPr>
-            <a:normAutofit fontScale="92500" lnSpcReduction="10000"/>
+            <a:normAutofit fontScale="77500" lnSpcReduction="20000"/>
           </a:bodyPr>
           <a:lstStyle/>
           <a:p>
             <a:r>
-              <a:rPr lang="en-US" dirty="0" smtClean="0"/>
-              <a:t>Initial discussion of the Observatory architecture and software</a:t>
-            </a:r>
-          </a:p>
-          <a:p>
-            <a:r>
-              <a:rPr lang="en-US" dirty="0" smtClean="0"/>
-              <a:t>Description of the Observatory datasets</a:t>
+              <a:rPr lang="en-GB" dirty="0" smtClean="0"/>
+              <a:t>Standardisation</a:t>
             </a:r>
           </a:p>
           <a:p>
             <a:pPr lvl="1"/>
             <a:r>
-              <a:rPr lang="en-US" dirty="0" smtClean="0"/>
-              <a:t>Structured around raw data and </a:t>
-            </a:r>
-            <a:r>
-              <a:rPr lang="en-US" i="1" dirty="0" smtClean="0"/>
-              <a:t>observations </a:t>
-            </a:r>
-            <a:r>
-              <a:rPr lang="en-US" dirty="0" smtClean="0"/>
-              <a:t>derived from them</a:t>
+              <a:rPr lang="en-GB" dirty="0" smtClean="0"/>
+              <a:t>Key aspect, taking into account project technical goals</a:t>
             </a:r>
           </a:p>
           <a:p>
             <a:pPr lvl="1"/>
             <a:r>
-              <a:rPr lang="en-US" dirty="0" smtClean="0"/>
-              <a:t>Access open to observations, not to raw data</a:t>
+              <a:rPr lang="en-GB" dirty="0" smtClean="0"/>
+              <a:t>Significant results from all the other WPs</a:t>
+            </a:r>
+          </a:p>
+          <a:p>
+            <a:r>
+              <a:rPr lang="en-GB" dirty="0" smtClean="0"/>
+              <a:t>Publications, Workshop and Conference Activities</a:t>
             </a:r>
           </a:p>
           <a:p>
             <a:pPr lvl="1"/>
             <a:r>
-              <a:rPr lang="en-US" dirty="0" smtClean="0"/>
-              <a:t>Commitments on archiving and preservation</a:t>
-            </a:r>
-          </a:p>
-          <a:p>
-            <a:r>
-              <a:rPr lang="en-US" dirty="0" smtClean="0"/>
-              <a:t>Description of data produced by the different sources considered to date</a:t>
+              <a:rPr lang="en-GB" dirty="0" smtClean="0"/>
+              <a:t>Supported by previous encouraging results</a:t>
+            </a:r>
+          </a:p>
+          <a:p>
+            <a:r>
+              <a:rPr lang="en-GB" dirty="0" smtClean="0"/>
+              <a:t>Exploitation and Innovation Management</a:t>
             </a:r>
           </a:p>
           <a:p>
             <a:pPr lvl="1"/>
             <a:r>
-              <a:rPr lang="en-US" dirty="0" err="1" smtClean="0"/>
-              <a:t>PathSpider</a:t>
-            </a:r>
-            <a:r>
-              <a:rPr lang="en-US" dirty="0" smtClean="0"/>
-              <a:t>, </a:t>
-            </a:r>
-            <a:r>
-              <a:rPr lang="en-US" dirty="0"/>
-              <a:t>a generalized tool for </a:t>
-            </a:r>
-            <a:r>
-              <a:rPr lang="en-US" dirty="0" smtClean="0"/>
-              <a:t>A/B </a:t>
-            </a:r>
-            <a:r>
-              <a:rPr lang="en-US" dirty="0"/>
-              <a:t>functionality tests </a:t>
-            </a:r>
-            <a:endParaRPr lang="en-US" dirty="0" smtClean="0"/>
+              <a:rPr lang="en-GB" dirty="0" smtClean="0"/>
+              <a:t>Connected with ongoing initiatives of the industrial partners</a:t>
+            </a:r>
+          </a:p>
+          <a:p>
+            <a:r>
+              <a:rPr lang="en-GB" dirty="0" smtClean="0"/>
+              <a:t>Academic Exploitation</a:t>
+            </a:r>
           </a:p>
           <a:p>
             <a:pPr lvl="1"/>
             <a:r>
-              <a:rPr lang="en-US" dirty="0" err="1" smtClean="0"/>
-              <a:t>Tracebox</a:t>
-            </a:r>
-            <a:r>
-              <a:rPr lang="en-US" dirty="0" smtClean="0"/>
-              <a:t>, based on accessing remote servers from </a:t>
-            </a:r>
-            <a:r>
-              <a:rPr lang="en-US" dirty="0"/>
-              <a:t>vantage </a:t>
-            </a:r>
-            <a:r>
-              <a:rPr lang="en-US" dirty="0" smtClean="0"/>
-              <a:t>points</a:t>
+              <a:rPr lang="en-GB" dirty="0" smtClean="0"/>
+              <a:t>Activity follow-up through the project collaboration mechanisms</a:t>
+            </a:r>
+          </a:p>
+          <a:p>
+            <a:r>
+              <a:rPr lang="en-GB" dirty="0" smtClean="0"/>
+              <a:t>Public Communication Activities</a:t>
             </a:r>
           </a:p>
           <a:p>
             <a:pPr lvl="1"/>
             <a:r>
-              <a:rPr lang="en-US" dirty="0" smtClean="0"/>
-              <a:t>Copycat, to detect </a:t>
-            </a:r>
-            <a:r>
-              <a:rPr lang="en-US" dirty="0"/>
-              <a:t>differential treatment of UDP and TCP traffic </a:t>
+              <a:rPr lang="en-GB" dirty="0" smtClean="0"/>
+              <a:t>Steps taken even before the official start of the project</a:t>
+            </a:r>
+          </a:p>
+          <a:p>
+            <a:r>
+              <a:rPr lang="en-GB" dirty="0" err="1" smtClean="0"/>
+              <a:t>Middlebox</a:t>
+            </a:r>
+            <a:r>
+              <a:rPr lang="en-GB" dirty="0" smtClean="0"/>
+              <a:t> Observatory Web Site Development and Maintenance</a:t>
             </a:r>
           </a:p>
           <a:p>
             <a:pPr lvl="1"/>
             <a:r>
-              <a:rPr lang="en-US" dirty="0" err="1" smtClean="0"/>
-              <a:t>Revelio</a:t>
-            </a:r>
-            <a:r>
-              <a:rPr lang="en-US" dirty="0" smtClean="0"/>
-              <a:t>, detecting </a:t>
-            </a:r>
-            <a:r>
-              <a:rPr lang="en-US" dirty="0"/>
-              <a:t>IPv4 network address translation on access networks </a:t>
-            </a:r>
-          </a:p>
-          <a:p>
-            <a:pPr lvl="1"/>
-            <a:endParaRPr lang="en-US" dirty="0" smtClean="0"/>
-          </a:p>
-          <a:p>
-            <a:pPr lvl="1"/>
-            <a:endParaRPr lang="en-US" dirty="0"/>
+              <a:rPr lang="en-GB" dirty="0" smtClean="0"/>
+              <a:t>Data management and accessibility</a:t>
+            </a:r>
+            <a:endParaRPr lang="en-GB" dirty="0"/>
           </a:p>
         </p:txBody>
       </p:sp>
       <p:sp>
         <p:nvSpPr>
-          <p:cNvPr id="4" name="Slide Number Placeholder 3"/>
+          <p:cNvPr id="5" name="Slide Number Placeholder 4"/>
           <p:cNvSpPr>
             <a:spLocks noGrp="1"/>
           </p:cNvSpPr>
@@ -8634,7 +8847,7 @@
             <a:fld id="{CA36C8A0-BAEB-42C3-A2D9-B1F0D6FD294D}" type="slidenum">
               <a:rPr lang="de-CH" smtClean="0"/>
               <a:pPr/>
-              <a:t>19</a:t>
+              <a:t>2</a:t>
             </a:fld>
             <a:endParaRPr lang="de-CH" dirty="0" smtClean="0"/>
           </a:p>
@@ -8643,7 +8856,7 @@
     </p:spTree>
     <p:extLst>
       <p:ext uri="{BB962C8B-B14F-4D97-AF65-F5344CB8AC3E}">
-        <p14:creationId xmlns:p14="http://schemas.microsoft.com/office/powerpoint/2010/main" val="1637809477"/>
+        <p14:creationId xmlns:p14="http://schemas.microsoft.com/office/powerpoint/2010/main" val="2130517516"/>
       </p:ext>
     </p:extLst>
   </p:cSld>
@@ -8651,155 +8864,13 @@
     <a:masterClrMapping/>
   </p:clrMapOvr>
   <p:transition spd="med"/>
-</p:sld>
-</file>
-
-<file path=ppt/slides/slide2.xml><?xml version="1.0" encoding="utf-8"?>
-<p:sld xmlns:a="http://schemas.openxmlformats.org/drawingml/2006/main" xmlns:r="http://schemas.openxmlformats.org/officeDocument/2006/relationships" xmlns:p="http://schemas.openxmlformats.org/presentationml/2006/main">
-  <p:cSld>
-    <p:spTree>
-      <p:nvGrpSpPr>
-        <p:cNvPr id="1" name=""/>
-        <p:cNvGrpSpPr/>
-        <p:nvPr/>
-      </p:nvGrpSpPr>
-      <p:grpSpPr>
-        <a:xfrm>
-          <a:off x="0" y="0"/>
-          <a:ext cx="0" cy="0"/>
-          <a:chOff x="0" y="0"/>
-          <a:chExt cx="0" cy="0"/>
-        </a:xfrm>
-      </p:grpSpPr>
-      <p:sp>
-        <p:nvSpPr>
-          <p:cNvPr id="4" name="Title 3"/>
-          <p:cNvSpPr>
-            <a:spLocks noGrp="1"/>
-          </p:cNvSpPr>
-          <p:nvPr>
-            <p:ph type="title"/>
-          </p:nvPr>
-        </p:nvSpPr>
-        <p:spPr/>
-        <p:txBody>
-          <a:bodyPr/>
-          <a:lstStyle/>
-          <a:p>
-            <a:r>
-              <a:rPr lang="en-US" dirty="0" smtClean="0"/>
-              <a:t>WP4 Goals</a:t>
-            </a:r>
-            <a:endParaRPr lang="en-US" dirty="0"/>
-          </a:p>
-        </p:txBody>
-      </p:sp>
-      <p:sp>
-        <p:nvSpPr>
-          <p:cNvPr id="5" name="Text Placeholder 4"/>
-          <p:cNvSpPr>
-            <a:spLocks noGrp="1"/>
-          </p:cNvSpPr>
-          <p:nvPr>
-            <p:ph type="body" sz="quarter" idx="13"/>
-          </p:nvPr>
-        </p:nvSpPr>
-        <p:spPr/>
-        <p:txBody>
-          <a:bodyPr>
-            <a:normAutofit fontScale="92500"/>
-          </a:bodyPr>
-          <a:lstStyle/>
-          <a:p>
-            <a:r>
-              <a:rPr lang="en-GB" sz="2400" dirty="0" smtClean="0"/>
-              <a:t>Monitor standards and other relevant activities that can contribute to the project objectives</a:t>
-            </a:r>
-          </a:p>
-          <a:p>
-            <a:r>
-              <a:rPr lang="en-GB" sz="2400" dirty="0" smtClean="0"/>
-              <a:t>Identify opportunities for new work to provide contributions and publish/influence new standards</a:t>
-            </a:r>
-          </a:p>
-          <a:p>
-            <a:r>
-              <a:rPr lang="en-GB" sz="2400" dirty="0" smtClean="0"/>
-              <a:t>Support the standardisation of the MCP as a basis for large-scale deployment</a:t>
-            </a:r>
-          </a:p>
-          <a:p>
-            <a:r>
-              <a:rPr lang="en-GB" sz="2400" dirty="0" smtClean="0"/>
-              <a:t>Produce guidelines for vendors and operators on observed limitations to enhance future development and deployment processes</a:t>
-            </a:r>
-          </a:p>
-          <a:p>
-            <a:r>
-              <a:rPr lang="en-GB" sz="2400" dirty="0" smtClean="0"/>
-              <a:t>Contribute to open-source projects the produced results on measurement techniques, transport stack flexibility, as well as NFV-based implementation of the MCP</a:t>
-            </a:r>
-          </a:p>
-          <a:p>
-            <a:r>
-              <a:rPr lang="en-GB" sz="2400" dirty="0" smtClean="0"/>
-              <a:t>Build visibility of the project and its results among the research and scientific community</a:t>
-            </a:r>
-          </a:p>
-          <a:p>
-            <a:r>
-              <a:rPr lang="en-GB" sz="2400" dirty="0" smtClean="0"/>
-              <a:t>Maximise exploitation of the project outcomes, ensuring a successful market orientation of them</a:t>
-            </a:r>
-          </a:p>
-          <a:p>
-            <a:r>
-              <a:rPr lang="en-GB" sz="2400" dirty="0" smtClean="0"/>
-              <a:t>Ensure application of project results by industry</a:t>
-            </a:r>
-            <a:endParaRPr lang="en-GB" sz="2400" dirty="0"/>
-          </a:p>
-        </p:txBody>
-      </p:sp>
-      <p:sp>
-        <p:nvSpPr>
-          <p:cNvPr id="7" name="Slide Number Placeholder 3"/>
-          <p:cNvSpPr>
-            <a:spLocks noGrp="1"/>
-          </p:cNvSpPr>
-          <p:nvPr>
-            <p:ph type="sldNum" sz="quarter" idx="16"/>
-          </p:nvPr>
-        </p:nvSpPr>
-        <p:spPr>
-          <a:xfrm>
-            <a:off x="11774329" y="9125206"/>
-            <a:ext cx="720000" cy="360000"/>
-          </a:xfrm>
-        </p:spPr>
-        <p:txBody>
-          <a:bodyPr/>
-          <a:lstStyle/>
-          <a:p>
-            <a:r>
-              <a:rPr lang="de-CH" dirty="0"/>
-              <a:t>2</a:t>
-            </a:r>
-            <a:endParaRPr lang="de-CH" dirty="0" smtClean="0"/>
-          </a:p>
-        </p:txBody>
-      </p:sp>
-    </p:spTree>
-    <p:extLst>
-      <p:ext uri="{BB962C8B-B14F-4D97-AF65-F5344CB8AC3E}">
-        <p14:creationId xmlns:p14="http://schemas.microsoft.com/office/powerpoint/2010/main" val="54347811"/>
-      </p:ext>
-    </p:extLst>
-  </p:cSld>
-  <p:clrMapOvr>
-    <a:masterClrMapping/>
-  </p:clrMapOvr>
-  <p:transition spd="med"/>
+  <p:timing>
+    <p:tnLst>
+      <p:par>
+        <p:cTn id="1" dur="indefinite" restart="never" nodeType="tmRoot"/>
+      </p:par>
+    </p:tnLst>
+  </p:timing>
 </p:sld>
 </file>
 
@@ -8822,7 +8893,7 @@
       </p:grpSpPr>
       <p:sp>
         <p:nvSpPr>
-          <p:cNvPr id="7" name="Titel 6"/>
+          <p:cNvPr id="2" name="Title 1"/>
           <p:cNvSpPr>
             <a:spLocks noGrp="1"/>
           </p:cNvSpPr>
@@ -8837,7 +8908,7 @@
           <a:p>
             <a:r>
               <a:rPr lang="en-US" dirty="0" smtClean="0"/>
-              <a:t>T4.6 - Data Access Policy</a:t>
+              <a:t>T4.6 – Data Management Plan</a:t>
             </a:r>
             <a:endParaRPr lang="en-US" dirty="0"/>
           </a:p>
@@ -8845,7 +8916,7 @@
       </p:sp>
       <p:sp>
         <p:nvSpPr>
-          <p:cNvPr id="8" name="Textplatzhalter 7"/>
+          <p:cNvPr id="3" name="Text Placeholder 2"/>
           <p:cNvSpPr>
             <a:spLocks noGrp="1"/>
           </p:cNvSpPr>
@@ -8856,186 +8927,138 @@
         <p:spPr/>
         <p:txBody>
           <a:bodyPr>
-            <a:normAutofit fontScale="77500" lnSpcReduction="20000"/>
+            <a:normAutofit fontScale="92500" lnSpcReduction="10000"/>
           </a:bodyPr>
           <a:lstStyle/>
           <a:p>
             <a:r>
-              <a:rPr lang="en-GB" dirty="0" smtClean="0"/>
-              <a:t>Anyone can query data in the MAMI observatory </a:t>
+              <a:rPr lang="en-US" dirty="0" smtClean="0"/>
+              <a:t>Initial discussion of the Observatory architecture and software</a:t>
+            </a:r>
+          </a:p>
+          <a:p>
+            <a:r>
+              <a:rPr lang="en-US" dirty="0" smtClean="0"/>
+              <a:t>Description of the Observatory datasets</a:t>
             </a:r>
           </a:p>
           <a:p>
             <a:pPr lvl="1"/>
             <a:r>
-              <a:rPr lang="en-GB" dirty="0"/>
-              <a:t>MAMI-created </a:t>
-            </a:r>
-            <a:r>
-              <a:rPr lang="en-GB" dirty="0" smtClean="0"/>
-              <a:t>raw data </a:t>
-            </a:r>
-            <a:r>
-              <a:rPr lang="en-GB" dirty="0"/>
-              <a:t>in the </a:t>
-            </a:r>
-            <a:r>
-              <a:rPr lang="en-GB" dirty="0" smtClean="0"/>
-              <a:t>observatory are "</a:t>
-            </a:r>
-            <a:r>
-              <a:rPr lang="en-GB" dirty="0"/>
-              <a:t>all rights </a:t>
-            </a:r>
-            <a:r>
-              <a:rPr lang="en-GB" dirty="0" smtClean="0"/>
-              <a:t>reserved</a:t>
-            </a:r>
-            <a:r>
-              <a:rPr lang="en-GB" dirty="0"/>
-              <a:t>” and will </a:t>
-            </a:r>
-            <a:r>
-              <a:rPr lang="en-GB" dirty="0" smtClean="0"/>
-              <a:t>be given </a:t>
-            </a:r>
-            <a:r>
-              <a:rPr lang="en-GB" dirty="0"/>
-              <a:t>out to researchers o</a:t>
-            </a:r>
-            <a:r>
-              <a:rPr lang="en-GB" dirty="0" smtClean="0"/>
-              <a:t>n </a:t>
-            </a:r>
-            <a:r>
-              <a:rPr lang="en-GB" dirty="0"/>
-              <a:t>a contractual basis</a:t>
-            </a:r>
-            <a:endParaRPr lang="en-GB" dirty="0" smtClean="0"/>
+              <a:rPr lang="en-US" dirty="0" smtClean="0"/>
+              <a:t>Structured around raw data and </a:t>
+            </a:r>
+            <a:r>
+              <a:rPr lang="en-US" i="1" dirty="0" smtClean="0"/>
+              <a:t>observations </a:t>
+            </a:r>
+            <a:r>
+              <a:rPr lang="en-US" dirty="0" smtClean="0"/>
+              <a:t>derived from them</a:t>
+            </a:r>
           </a:p>
           <a:p>
             <a:pPr lvl="1"/>
             <a:r>
-              <a:rPr lang="en-GB" dirty="0" smtClean="0"/>
-              <a:t>Query results are CC BY</a:t>
+              <a:rPr lang="en-US" dirty="0" smtClean="0"/>
+              <a:t>Access open to observations, not to raw data</a:t>
             </a:r>
           </a:p>
           <a:p>
             <a:pPr lvl="1"/>
             <a:r>
-              <a:rPr lang="en-GB" dirty="0" smtClean="0"/>
-              <a:t>ND and NC are not essential </a:t>
-            </a:r>
-            <a:r>
-              <a:rPr lang="en-GB" dirty="0" smtClean="0">
-                <a:solidFill>
-                  <a:schemeClr val="tx1"/>
-                </a:solidFill>
-              </a:rPr>
-              <a:t>– Even could hamper further exploitation, especially NC</a:t>
-            </a:r>
-          </a:p>
-          <a:p>
-            <a:r>
-              <a:rPr lang="en-GB" dirty="0" smtClean="0">
-                <a:solidFill>
-                  <a:schemeClr val="tx1"/>
-                </a:solidFill>
-              </a:rPr>
-              <a:t>Anyone can (try to) combine data sets obtained through MAMI queries with other data</a:t>
-            </a:r>
-          </a:p>
-          <a:p>
-            <a:r>
-              <a:rPr lang="en-GB" dirty="0">
-                <a:solidFill>
-                  <a:schemeClr val="tx1"/>
-                </a:solidFill>
-              </a:rPr>
-              <a:t>H</a:t>
-            </a:r>
-            <a:r>
-              <a:rPr lang="en-GB" dirty="0" smtClean="0">
-                <a:solidFill>
-                  <a:schemeClr val="tx1"/>
-                </a:solidFill>
-              </a:rPr>
-              <a:t>ost data not originating in MAMI on a best-effort basis</a:t>
+              <a:rPr lang="en-US" dirty="0" smtClean="0"/>
+              <a:t>Commitments on archiving and preservation</a:t>
+            </a:r>
+          </a:p>
+          <a:p>
+            <a:r>
+              <a:rPr lang="en-US" dirty="0" smtClean="0"/>
+              <a:t>Description of data produced by the different sources considered to date</a:t>
             </a:r>
           </a:p>
           <a:p>
             <a:pPr lvl="1"/>
             <a:r>
-              <a:rPr lang="en-GB" dirty="0" smtClean="0">
-                <a:solidFill>
-                  <a:schemeClr val="tx1"/>
-                </a:solidFill>
-              </a:rPr>
-              <a:t>Data not available online elsewhere</a:t>
-            </a:r>
+              <a:rPr lang="en-US" dirty="0" err="1" smtClean="0"/>
+              <a:t>PathSpider</a:t>
+            </a:r>
+            <a:r>
+              <a:rPr lang="en-US" dirty="0" smtClean="0"/>
+              <a:t>, </a:t>
+            </a:r>
+            <a:r>
+              <a:rPr lang="en-US" dirty="0"/>
+              <a:t>a generalized tool for </a:t>
+            </a:r>
+            <a:r>
+              <a:rPr lang="en-US" dirty="0" smtClean="0"/>
+              <a:t>A/B </a:t>
+            </a:r>
+            <a:r>
+              <a:rPr lang="en-US" dirty="0"/>
+              <a:t>functionality tests </a:t>
+            </a:r>
+            <a:endParaRPr lang="en-US" dirty="0" smtClean="0"/>
           </a:p>
           <a:p>
             <a:pPr lvl="1"/>
             <a:r>
-              <a:rPr lang="en-GB" dirty="0" smtClean="0">
-                <a:solidFill>
-                  <a:schemeClr val="tx1"/>
-                </a:solidFill>
-              </a:rPr>
-              <a:t>Data available but nice to have close to MAMI</a:t>
+              <a:rPr lang="en-US" dirty="0" err="1" smtClean="0"/>
+              <a:t>Tracebox</a:t>
+            </a:r>
+            <a:r>
+              <a:rPr lang="en-US" dirty="0" smtClean="0"/>
+              <a:t>, based on accessing remote servers from </a:t>
+            </a:r>
+            <a:r>
+              <a:rPr lang="en-US" dirty="0"/>
+              <a:t>vantage </a:t>
+            </a:r>
+            <a:r>
+              <a:rPr lang="en-US" dirty="0" smtClean="0"/>
+              <a:t>points</a:t>
             </a:r>
           </a:p>
           <a:p>
             <a:pPr lvl="1"/>
             <a:r>
-              <a:rPr lang="en-GB" dirty="0" smtClean="0">
-                <a:solidFill>
-                  <a:schemeClr val="tx1"/>
-                </a:solidFill>
-              </a:rPr>
-              <a:t>Do not host if foreign data is not compatible with MAMI’s data access policy</a:t>
+              <a:rPr lang="en-US" dirty="0" smtClean="0"/>
+              <a:t>Copycat, to detect </a:t>
+            </a:r>
+            <a:r>
+              <a:rPr lang="en-US" dirty="0"/>
+              <a:t>differential treatment of UDP and TCP traffic </a:t>
             </a:r>
           </a:p>
           <a:p>
             <a:pPr lvl="1"/>
             <a:r>
-              <a:rPr lang="en-GB" dirty="0" smtClean="0">
-                <a:solidFill>
-                  <a:schemeClr val="tx1"/>
-                </a:solidFill>
-              </a:rPr>
-              <a:t>But </a:t>
-            </a:r>
-            <a:r>
-              <a:rPr lang="en-GB" dirty="0">
-                <a:solidFill>
-                  <a:schemeClr val="tx1"/>
-                </a:solidFill>
-              </a:rPr>
-              <a:t>o</a:t>
-            </a:r>
-            <a:r>
-              <a:rPr lang="en-GB" dirty="0" smtClean="0">
-                <a:solidFill>
-                  <a:schemeClr val="tx1"/>
-                </a:solidFill>
-              </a:rPr>
-              <a:t>pen to specific agreements with third parties</a:t>
+              <a:rPr lang="en-US" dirty="0" err="1" smtClean="0"/>
+              <a:t>Revelio</a:t>
+            </a:r>
+            <a:r>
+              <a:rPr lang="en-US" dirty="0" smtClean="0"/>
+              <a:t>, detecting </a:t>
+            </a:r>
+            <a:r>
+              <a:rPr lang="en-US" dirty="0"/>
+              <a:t>IPv4 network address translation on access networks </a:t>
             </a:r>
           </a:p>
           <a:p>
             <a:pPr lvl="1"/>
-            <a:r>
-              <a:rPr lang="en-GB" dirty="0" smtClean="0"/>
-              <a:t>MAMI data has priority</a:t>
-            </a:r>
-            <a:endParaRPr lang="en-GB" dirty="0"/>
+            <a:endParaRPr lang="en-US" dirty="0" smtClean="0"/>
+          </a:p>
+          <a:p>
+            <a:pPr lvl="1"/>
+            <a:endParaRPr lang="en-US" dirty="0"/>
           </a:p>
         </p:txBody>
       </p:sp>
       <p:sp>
         <p:nvSpPr>
-          <p:cNvPr id="5" name="Foliennummernplatzhalter 4"/>
+          <p:cNvPr id="4" name="Slide Number Placeholder 3"/>
           <p:cNvSpPr>
             <a:spLocks noGrp="1"/>
           </p:cNvSpPr>
@@ -9060,7 +9083,7 @@
     </p:spTree>
     <p:extLst>
       <p:ext uri="{BB962C8B-B14F-4D97-AF65-F5344CB8AC3E}">
-        <p14:creationId xmlns:p14="http://schemas.microsoft.com/office/powerpoint/2010/main" val="1672072595"/>
+        <p14:creationId xmlns:p14="http://schemas.microsoft.com/office/powerpoint/2010/main" val="1637809477"/>
       </p:ext>
     </p:extLst>
   </p:cSld>
@@ -9097,6 +9120,281 @@
       </p:grpSpPr>
       <p:sp>
         <p:nvSpPr>
+          <p:cNvPr id="7" name="Titel 6"/>
+          <p:cNvSpPr>
+            <a:spLocks noGrp="1"/>
+          </p:cNvSpPr>
+          <p:nvPr>
+            <p:ph type="title"/>
+          </p:nvPr>
+        </p:nvSpPr>
+        <p:spPr/>
+        <p:txBody>
+          <a:bodyPr/>
+          <a:lstStyle/>
+          <a:p>
+            <a:r>
+              <a:rPr lang="en-US" dirty="0" smtClean="0"/>
+              <a:t>T4.6 - Data Access Policy</a:t>
+            </a:r>
+            <a:endParaRPr lang="en-US" dirty="0"/>
+          </a:p>
+        </p:txBody>
+      </p:sp>
+      <p:sp>
+        <p:nvSpPr>
+          <p:cNvPr id="8" name="Textplatzhalter 7"/>
+          <p:cNvSpPr>
+            <a:spLocks noGrp="1"/>
+          </p:cNvSpPr>
+          <p:nvPr>
+            <p:ph type="body" sz="quarter" idx="13"/>
+          </p:nvPr>
+        </p:nvSpPr>
+        <p:spPr/>
+        <p:txBody>
+          <a:bodyPr>
+            <a:normAutofit fontScale="77500" lnSpcReduction="20000"/>
+          </a:bodyPr>
+          <a:lstStyle/>
+          <a:p>
+            <a:r>
+              <a:rPr lang="en-GB" dirty="0" smtClean="0"/>
+              <a:t>Anyone can query data in the MAMI observatory </a:t>
+            </a:r>
+          </a:p>
+          <a:p>
+            <a:pPr lvl="1"/>
+            <a:r>
+              <a:rPr lang="en-GB" dirty="0"/>
+              <a:t>MAMI-created </a:t>
+            </a:r>
+            <a:r>
+              <a:rPr lang="en-GB" dirty="0" smtClean="0"/>
+              <a:t>raw data </a:t>
+            </a:r>
+            <a:r>
+              <a:rPr lang="en-GB" dirty="0"/>
+              <a:t>in the </a:t>
+            </a:r>
+            <a:r>
+              <a:rPr lang="en-GB" dirty="0" smtClean="0"/>
+              <a:t>observatory are "</a:t>
+            </a:r>
+            <a:r>
+              <a:rPr lang="en-GB" dirty="0"/>
+              <a:t>all rights </a:t>
+            </a:r>
+            <a:r>
+              <a:rPr lang="en-GB" dirty="0" smtClean="0"/>
+              <a:t>reserved</a:t>
+            </a:r>
+            <a:r>
+              <a:rPr lang="en-GB" dirty="0"/>
+              <a:t>” and will </a:t>
+            </a:r>
+            <a:r>
+              <a:rPr lang="en-GB" dirty="0" smtClean="0"/>
+              <a:t>be given </a:t>
+            </a:r>
+            <a:r>
+              <a:rPr lang="en-GB" dirty="0"/>
+              <a:t>out to researchers o</a:t>
+            </a:r>
+            <a:r>
+              <a:rPr lang="en-GB" dirty="0" smtClean="0"/>
+              <a:t>n </a:t>
+            </a:r>
+            <a:r>
+              <a:rPr lang="en-GB" dirty="0"/>
+              <a:t>a contractual basis</a:t>
+            </a:r>
+            <a:endParaRPr lang="en-GB" dirty="0" smtClean="0"/>
+          </a:p>
+          <a:p>
+            <a:pPr lvl="1"/>
+            <a:r>
+              <a:rPr lang="en-GB" dirty="0" smtClean="0"/>
+              <a:t>Query results are CC BY</a:t>
+            </a:r>
+          </a:p>
+          <a:p>
+            <a:pPr lvl="1"/>
+            <a:r>
+              <a:rPr lang="en-GB" dirty="0" smtClean="0"/>
+              <a:t>ND and NC are not essential </a:t>
+            </a:r>
+            <a:r>
+              <a:rPr lang="en-GB" dirty="0" smtClean="0">
+                <a:solidFill>
+                  <a:schemeClr val="tx1"/>
+                </a:solidFill>
+              </a:rPr>
+              <a:t>– Even could hamper further exploitation, especially NC</a:t>
+            </a:r>
+          </a:p>
+          <a:p>
+            <a:r>
+              <a:rPr lang="en-GB" dirty="0" smtClean="0">
+                <a:solidFill>
+                  <a:schemeClr val="tx1"/>
+                </a:solidFill>
+              </a:rPr>
+              <a:t>Anyone can (try to) combine data sets obtained through MAMI queries with other data</a:t>
+            </a:r>
+          </a:p>
+          <a:p>
+            <a:r>
+              <a:rPr lang="en-GB" dirty="0">
+                <a:solidFill>
+                  <a:schemeClr val="tx1"/>
+                </a:solidFill>
+              </a:rPr>
+              <a:t>H</a:t>
+            </a:r>
+            <a:r>
+              <a:rPr lang="en-GB" dirty="0" smtClean="0">
+                <a:solidFill>
+                  <a:schemeClr val="tx1"/>
+                </a:solidFill>
+              </a:rPr>
+              <a:t>ost data not originating in MAMI on a best-effort basis</a:t>
+            </a:r>
+          </a:p>
+          <a:p>
+            <a:pPr lvl="1"/>
+            <a:r>
+              <a:rPr lang="en-GB" dirty="0" smtClean="0">
+                <a:solidFill>
+                  <a:schemeClr val="tx1"/>
+                </a:solidFill>
+              </a:rPr>
+              <a:t>Data not available online elsewhere</a:t>
+            </a:r>
+          </a:p>
+          <a:p>
+            <a:pPr lvl="1"/>
+            <a:r>
+              <a:rPr lang="en-GB" dirty="0" smtClean="0">
+                <a:solidFill>
+                  <a:schemeClr val="tx1"/>
+                </a:solidFill>
+              </a:rPr>
+              <a:t>Data available but nice to have close to MAMI</a:t>
+            </a:r>
+          </a:p>
+          <a:p>
+            <a:pPr lvl="1"/>
+            <a:r>
+              <a:rPr lang="en-GB" dirty="0" smtClean="0">
+                <a:solidFill>
+                  <a:schemeClr val="tx1"/>
+                </a:solidFill>
+              </a:rPr>
+              <a:t>Do not host if foreign data is not compatible with MAMI’s data access policy</a:t>
+            </a:r>
+          </a:p>
+          <a:p>
+            <a:pPr lvl="1"/>
+            <a:r>
+              <a:rPr lang="en-GB" dirty="0" smtClean="0">
+                <a:solidFill>
+                  <a:schemeClr val="tx1"/>
+                </a:solidFill>
+              </a:rPr>
+              <a:t>But </a:t>
+            </a:r>
+            <a:r>
+              <a:rPr lang="en-GB" dirty="0">
+                <a:solidFill>
+                  <a:schemeClr val="tx1"/>
+                </a:solidFill>
+              </a:rPr>
+              <a:t>o</a:t>
+            </a:r>
+            <a:r>
+              <a:rPr lang="en-GB" dirty="0" smtClean="0">
+                <a:solidFill>
+                  <a:schemeClr val="tx1"/>
+                </a:solidFill>
+              </a:rPr>
+              <a:t>pen to specific agreements with third parties</a:t>
+            </a:r>
+          </a:p>
+          <a:p>
+            <a:pPr lvl="1"/>
+            <a:r>
+              <a:rPr lang="en-GB" dirty="0" smtClean="0"/>
+              <a:t>MAMI data has priority</a:t>
+            </a:r>
+            <a:endParaRPr lang="en-GB" dirty="0"/>
+          </a:p>
+        </p:txBody>
+      </p:sp>
+      <p:sp>
+        <p:nvSpPr>
+          <p:cNvPr id="5" name="Foliennummernplatzhalter 4"/>
+          <p:cNvSpPr>
+            <a:spLocks noGrp="1"/>
+          </p:cNvSpPr>
+          <p:nvPr>
+            <p:ph type="sldNum" sz="quarter" idx="16"/>
+          </p:nvPr>
+        </p:nvSpPr>
+        <p:spPr/>
+        <p:txBody>
+          <a:bodyPr/>
+          <a:lstStyle/>
+          <a:p>
+            <a:fld id="{CA36C8A0-BAEB-42C3-A2D9-B1F0D6FD294D}" type="slidenum">
+              <a:rPr lang="de-CH" smtClean="0"/>
+              <a:pPr/>
+              <a:t>21</a:t>
+            </a:fld>
+            <a:endParaRPr lang="de-CH" dirty="0" smtClean="0"/>
+          </a:p>
+        </p:txBody>
+      </p:sp>
+    </p:spTree>
+    <p:extLst>
+      <p:ext uri="{BB962C8B-B14F-4D97-AF65-F5344CB8AC3E}">
+        <p14:creationId xmlns:p14="http://schemas.microsoft.com/office/powerpoint/2010/main" val="1672072595"/>
+      </p:ext>
+    </p:extLst>
+  </p:cSld>
+  <p:clrMapOvr>
+    <a:masterClrMapping/>
+  </p:clrMapOvr>
+  <p:transition spd="med"/>
+  <p:timing>
+    <p:tnLst>
+      <p:par>
+        <p:cTn id="1" dur="indefinite" restart="never" nodeType="tmRoot"/>
+      </p:par>
+    </p:tnLst>
+  </p:timing>
+</p:sld>
+</file>
+
+<file path=ppt/slides/slide22.xml><?xml version="1.0" encoding="utf-8"?>
+<p:sld xmlns:a="http://schemas.openxmlformats.org/drawingml/2006/main" xmlns:r="http://schemas.openxmlformats.org/officeDocument/2006/relationships" xmlns:p="http://schemas.openxmlformats.org/presentationml/2006/main">
+  <p:cSld>
+    <p:spTree>
+      <p:nvGrpSpPr>
+        <p:cNvPr id="1" name=""/>
+        <p:cNvGrpSpPr/>
+        <p:nvPr/>
+      </p:nvGrpSpPr>
+      <p:grpSpPr>
+        <a:xfrm>
+          <a:off x="0" y="0"/>
+          <a:ext cx="0" cy="0"/>
+          <a:chOff x="0" y="0"/>
+          <a:chExt cx="0" cy="0"/>
+        </a:xfrm>
+      </p:grpSpPr>
+      <p:sp>
+        <p:nvSpPr>
           <p:cNvPr id="2" name="Title 1"/>
           <p:cNvSpPr>
             <a:spLocks noGrp="1"/>
@@ -9259,7 +9557,7 @@
             <a:fld id="{CA36C8A0-BAEB-42C3-A2D9-B1F0D6FD294D}" type="slidenum">
               <a:rPr lang="de-CH" smtClean="0"/>
               <a:pPr/>
-              <a:t>21</a:t>
+              <a:t>22</a:t>
             </a:fld>
             <a:endParaRPr lang="de-CH" dirty="0" smtClean="0"/>
           </a:p>
@@ -9645,7 +9943,7 @@
 </file>
 
 <file path=ppt/slides/slide3.xml><?xml version="1.0" encoding="utf-8"?>
-<p:sld xmlns:a="http://schemas.openxmlformats.org/drawingml/2006/main" xmlns:r="http://schemas.openxmlformats.org/officeDocument/2006/relationships" xmlns:p="http://schemas.openxmlformats.org/presentationml/2006/main">
+<p:sld xmlns:a="http://schemas.openxmlformats.org/drawingml/2006/main" xmlns:r="http://schemas.openxmlformats.org/officeDocument/2006/relationships" xmlns:p="http://schemas.openxmlformats.org/presentationml/2006/main" show="0">
   <p:cSld>
     <p:spTree>
       <p:nvGrpSpPr>
@@ -9663,7 +9961,7 @@
       </p:grpSpPr>
       <p:sp>
         <p:nvSpPr>
-          <p:cNvPr id="2" name="Title 1"/>
+          <p:cNvPr id="4" name="Title 3"/>
           <p:cNvSpPr>
             <a:spLocks noGrp="1"/>
           </p:cNvSpPr>
@@ -9678,7 +9976,7 @@
           <a:p>
             <a:r>
               <a:rPr lang="en-US" dirty="0" smtClean="0"/>
-              <a:t>WP4 Deliverables</a:t>
+              <a:t>WP4 Goals</a:t>
             </a:r>
             <a:endParaRPr lang="en-US" dirty="0"/>
           </a:p>
@@ -9686,7 +9984,7 @@
       </p:sp>
       <p:sp>
         <p:nvSpPr>
-          <p:cNvPr id="3" name="Text Placeholder 2"/>
+          <p:cNvPr id="5" name="Text Placeholder 4"/>
           <p:cNvSpPr>
             <a:spLocks noGrp="1"/>
           </p:cNvSpPr>
@@ -9697,135 +9995,63 @@
         <p:spPr/>
         <p:txBody>
           <a:bodyPr>
-            <a:normAutofit fontScale="92500" lnSpcReduction="20000"/>
+            <a:normAutofit fontScale="92500"/>
           </a:bodyPr>
           <a:lstStyle/>
           <a:p>
-            <a:pPr>
-              <a:buFont typeface="Wingdings" charset="2"/>
-              <a:buChar char="ü"/>
-            </a:pPr>
-            <a:r>
-              <a:rPr lang="en-GB" dirty="0" smtClean="0"/>
-              <a:t>D4.1 - </a:t>
-            </a:r>
-            <a:r>
-              <a:rPr lang="en-GB" i="1" dirty="0" smtClean="0"/>
-              <a:t>Data Management Plan</a:t>
-            </a:r>
-            <a:r>
-              <a:rPr lang="en-GB" dirty="0" smtClean="0"/>
-              <a:t>. M4</a:t>
-            </a:r>
-          </a:p>
-          <a:p>
-            <a:pPr lvl="1"/>
-            <a:r>
-              <a:rPr lang="en-GB" dirty="0"/>
-              <a:t>P</a:t>
-            </a:r>
-            <a:r>
-              <a:rPr lang="en-GB" dirty="0" smtClean="0"/>
-              <a:t>lan </a:t>
-            </a:r>
-            <a:r>
-              <a:rPr lang="en-GB" dirty="0"/>
-              <a:t>for managing the data generated by measurements and open access to that data </a:t>
-            </a:r>
-            <a:endParaRPr lang="en-GB" dirty="0" smtClean="0"/>
-          </a:p>
-          <a:p>
-            <a:pPr>
-              <a:buFont typeface="Wingdings" charset="2"/>
-              <a:buChar char="ü"/>
-            </a:pPr>
-            <a:r>
-              <a:rPr lang="en-GB" dirty="0" smtClean="0"/>
-              <a:t>D4.2 - </a:t>
-            </a:r>
-            <a:r>
-              <a:rPr lang="en-GB" i="1" dirty="0" smtClean="0"/>
-              <a:t>Initial Standardisation, Dissemination, and Exploitation Report</a:t>
-            </a:r>
-            <a:r>
-              <a:rPr lang="en-GB" dirty="0" smtClean="0"/>
-              <a:t>. M6</a:t>
-            </a:r>
-          </a:p>
-          <a:p>
-            <a:r>
-              <a:rPr lang="en-GB" dirty="0" smtClean="0"/>
-              <a:t>D4.3 - </a:t>
-            </a:r>
-            <a:r>
-              <a:rPr lang="en-GB" i="1" dirty="0"/>
-              <a:t>Intermediate Standardisation, Dissemination, and Exploitation </a:t>
-            </a:r>
-            <a:r>
-              <a:rPr lang="en-GB" i="1" dirty="0" smtClean="0"/>
-              <a:t>Report</a:t>
-            </a:r>
-            <a:r>
-              <a:rPr lang="en-GB" dirty="0" smtClean="0"/>
-              <a:t>. M18</a:t>
-            </a:r>
-            <a:endParaRPr lang="en-GB" dirty="0"/>
-          </a:p>
-          <a:p>
-            <a:r>
-              <a:rPr lang="en-GB" dirty="0" smtClean="0"/>
-              <a:t>D4.4 - </a:t>
-            </a:r>
-            <a:r>
-              <a:rPr lang="en-GB" i="1" dirty="0"/>
-              <a:t>Final Standardisation, Dissemination, and Exploitation </a:t>
-            </a:r>
-            <a:r>
-              <a:rPr lang="en-GB" i="1" dirty="0" smtClean="0"/>
-              <a:t>Report</a:t>
-            </a:r>
-            <a:r>
-              <a:rPr lang="en-GB" dirty="0" smtClean="0"/>
-              <a:t>. M30</a:t>
-            </a:r>
-          </a:p>
-          <a:p>
-            <a:pPr lvl="1"/>
-            <a:r>
-              <a:rPr lang="en-GB" dirty="0" smtClean="0"/>
-              <a:t>Summarise </a:t>
-            </a:r>
-            <a:r>
-              <a:rPr lang="en-GB" dirty="0"/>
-              <a:t>the </a:t>
-            </a:r>
-            <a:r>
-              <a:rPr lang="en-GB" dirty="0" smtClean="0"/>
-              <a:t>achievements </a:t>
-            </a:r>
-            <a:r>
-              <a:rPr lang="en-GB" dirty="0"/>
-              <a:t>about standardisation, dissemination, and exploitation of MAMI </a:t>
-            </a:r>
-            <a:r>
-              <a:rPr lang="en-GB" dirty="0" smtClean="0"/>
-              <a:t>results, including </a:t>
-            </a:r>
-            <a:r>
-              <a:rPr lang="en-GB" dirty="0"/>
-              <a:t>a report of the communication </a:t>
-            </a:r>
-            <a:r>
-              <a:rPr lang="en-GB" dirty="0" smtClean="0"/>
-              <a:t>activities</a:t>
-            </a:r>
-            <a:endParaRPr lang="en-GB" dirty="0"/>
+            <a:r>
+              <a:rPr lang="en-GB" sz="2400" dirty="0" smtClean="0"/>
+              <a:t>Monitor standards and other relevant activities that can contribute to the project objectives</a:t>
+            </a:r>
+          </a:p>
+          <a:p>
+            <a:r>
+              <a:rPr lang="en-GB" sz="2400" dirty="0" smtClean="0"/>
+              <a:t>Identify opportunities for new work to provide contributions and publish/influence new standards</a:t>
+            </a:r>
+          </a:p>
+          <a:p>
+            <a:r>
+              <a:rPr lang="en-GB" sz="2400" dirty="0" smtClean="0"/>
+              <a:t>Support the standardisation of the MCP as a basis for large-scale deployment</a:t>
+            </a:r>
+          </a:p>
+          <a:p>
+            <a:r>
+              <a:rPr lang="en-GB" sz="2400" dirty="0" smtClean="0"/>
+              <a:t>Produce guidelines for vendors and operators on observed limitations to enhance future development and deployment processes</a:t>
+            </a:r>
+          </a:p>
+          <a:p>
+            <a:r>
+              <a:rPr lang="en-GB" sz="2400" dirty="0" smtClean="0"/>
+              <a:t>Contribute to open-source projects the produced results on measurement techniques, transport stack flexibility, as well as NFV-based implementation of the MCP</a:t>
+            </a:r>
+          </a:p>
+          <a:p>
+            <a:r>
+              <a:rPr lang="en-GB" sz="2400" dirty="0" smtClean="0"/>
+              <a:t>Build visibility of the project and its results among the research and scientific community</a:t>
+            </a:r>
+          </a:p>
+          <a:p>
+            <a:r>
+              <a:rPr lang="en-GB" sz="2400" dirty="0" smtClean="0"/>
+              <a:t>Maximise exploitation of the project outcomes, ensuring a successful market orientation of them</a:t>
+            </a:r>
+          </a:p>
+          <a:p>
+            <a:r>
+              <a:rPr lang="en-GB" sz="2400" dirty="0" smtClean="0"/>
+              <a:t>Ensure application of project results by industry</a:t>
+            </a:r>
+            <a:endParaRPr lang="en-GB" sz="2400" dirty="0"/>
           </a:p>
         </p:txBody>
       </p:sp>
       <p:sp>
         <p:nvSpPr>
-          <p:cNvPr id="4" name="Slide Number Placeholder 3"/>
+          <p:cNvPr id="7" name="Slide Number Placeholder 3"/>
           <p:cNvSpPr>
             <a:spLocks noGrp="1"/>
           </p:cNvSpPr>
@@ -9833,16 +10059,20 @@
             <p:ph type="sldNum" sz="quarter" idx="16"/>
           </p:nvPr>
         </p:nvSpPr>
-        <p:spPr/>
+        <p:spPr>
+          <a:xfrm>
+            <a:off x="11774329" y="9125206"/>
+            <a:ext cx="720000" cy="360000"/>
+          </a:xfrm>
+        </p:spPr>
         <p:txBody>
           <a:bodyPr/>
           <a:lstStyle/>
           <a:p>
-            <a:fld id="{CA36C8A0-BAEB-42C3-A2D9-B1F0D6FD294D}" type="slidenum">
-              <a:rPr lang="de-CH" smtClean="0"/>
-              <a:pPr/>
-              <a:t>3</a:t>
-            </a:fld>
+            <a:r>
+              <a:rPr lang="de-CH" dirty="0"/>
+              <a:t>2</a:t>
+            </a:r>
             <a:endParaRPr lang="de-CH" dirty="0" smtClean="0"/>
           </a:p>
         </p:txBody>
@@ -9850,7 +10080,7 @@
     </p:spTree>
     <p:extLst>
       <p:ext uri="{BB962C8B-B14F-4D97-AF65-F5344CB8AC3E}">
-        <p14:creationId xmlns:p14="http://schemas.microsoft.com/office/powerpoint/2010/main" val="79686996"/>
+        <p14:creationId xmlns:p14="http://schemas.microsoft.com/office/powerpoint/2010/main" val="54347811"/>
       </p:ext>
     </p:extLst>
   </p:cSld>
@@ -9858,6 +10088,13 @@
     <a:masterClrMapping/>
   </p:clrMapOvr>
   <p:transition spd="med"/>
+  <p:timing>
+    <p:tnLst>
+      <p:par>
+        <p:cTn id="1" dur="indefinite" restart="never" nodeType="tmRoot"/>
+      </p:par>
+    </p:tnLst>
+  </p:timing>
 </p:sld>
 </file>
 
@@ -9895,7 +10132,235 @@
           <a:p>
             <a:r>
               <a:rPr lang="en-US" dirty="0" smtClean="0"/>
-              <a:t>WP4 Tasks and Partners</a:t>
+              <a:t>WP4 Deliverables</a:t>
+            </a:r>
+            <a:endParaRPr lang="en-US" dirty="0"/>
+          </a:p>
+        </p:txBody>
+      </p:sp>
+      <p:sp>
+        <p:nvSpPr>
+          <p:cNvPr id="3" name="Text Placeholder 2"/>
+          <p:cNvSpPr>
+            <a:spLocks noGrp="1"/>
+          </p:cNvSpPr>
+          <p:nvPr>
+            <p:ph type="body" sz="quarter" idx="13"/>
+          </p:nvPr>
+        </p:nvSpPr>
+        <p:spPr/>
+        <p:txBody>
+          <a:bodyPr>
+            <a:normAutofit fontScale="92500" lnSpcReduction="20000"/>
+          </a:bodyPr>
+          <a:lstStyle/>
+          <a:p>
+            <a:pPr>
+              <a:buFont typeface="Wingdings" charset="2"/>
+              <a:buChar char="ü"/>
+            </a:pPr>
+            <a:r>
+              <a:rPr lang="en-GB" dirty="0" smtClean="0"/>
+              <a:t>D4.1 - </a:t>
+            </a:r>
+            <a:r>
+              <a:rPr lang="en-GB" i="1" dirty="0" smtClean="0"/>
+              <a:t>Data Management Plan</a:t>
+            </a:r>
+            <a:r>
+              <a:rPr lang="en-GB" dirty="0" smtClean="0"/>
+              <a:t>. M4</a:t>
+            </a:r>
+          </a:p>
+          <a:p>
+            <a:pPr lvl="1"/>
+            <a:r>
+              <a:rPr lang="en-GB" dirty="0"/>
+              <a:t>P</a:t>
+            </a:r>
+            <a:r>
+              <a:rPr lang="en-GB" dirty="0" smtClean="0"/>
+              <a:t>lan </a:t>
+            </a:r>
+            <a:r>
+              <a:rPr lang="en-GB" dirty="0"/>
+              <a:t>for managing the data generated by measurements and open access to that data </a:t>
+            </a:r>
+            <a:endParaRPr lang="en-GB" dirty="0" smtClean="0"/>
+          </a:p>
+          <a:p>
+            <a:pPr>
+              <a:buFont typeface="Wingdings" charset="2"/>
+              <a:buChar char="ü"/>
+            </a:pPr>
+            <a:r>
+              <a:rPr lang="en-GB" dirty="0" smtClean="0"/>
+              <a:t>D4.2 - </a:t>
+            </a:r>
+            <a:r>
+              <a:rPr lang="en-GB" i="1" dirty="0" smtClean="0"/>
+              <a:t>Initial Standardisation, Dissemination, and Exploitation Report</a:t>
+            </a:r>
+            <a:r>
+              <a:rPr lang="en-GB" dirty="0" smtClean="0"/>
+              <a:t>. M6</a:t>
+            </a:r>
+          </a:p>
+          <a:p>
+            <a:r>
+              <a:rPr lang="en-GB" dirty="0" smtClean="0"/>
+              <a:t>D4.3 - </a:t>
+            </a:r>
+            <a:r>
+              <a:rPr lang="en-GB" i="1" dirty="0"/>
+              <a:t>Intermediate Standardisation, Dissemination, and Exploitation </a:t>
+            </a:r>
+            <a:r>
+              <a:rPr lang="en-GB" i="1" dirty="0" smtClean="0"/>
+              <a:t>Report</a:t>
+            </a:r>
+            <a:r>
+              <a:rPr lang="en-GB" dirty="0" smtClean="0"/>
+              <a:t>. M18</a:t>
+            </a:r>
+            <a:endParaRPr lang="en-GB" dirty="0"/>
+          </a:p>
+          <a:p>
+            <a:r>
+              <a:rPr lang="en-GB" dirty="0" smtClean="0"/>
+              <a:t>D4.4 - </a:t>
+            </a:r>
+            <a:r>
+              <a:rPr lang="en-GB" i="1" dirty="0"/>
+              <a:t>Final Standardisation, Dissemination, and Exploitation </a:t>
+            </a:r>
+            <a:r>
+              <a:rPr lang="en-GB" i="1" dirty="0" smtClean="0"/>
+              <a:t>Report</a:t>
+            </a:r>
+            <a:r>
+              <a:rPr lang="en-GB" dirty="0" smtClean="0"/>
+              <a:t>. M30</a:t>
+            </a:r>
+          </a:p>
+          <a:p>
+            <a:pPr lvl="1"/>
+            <a:r>
+              <a:rPr lang="en-GB" dirty="0" smtClean="0"/>
+              <a:t>Summarise </a:t>
+            </a:r>
+            <a:r>
+              <a:rPr lang="en-GB" dirty="0"/>
+              <a:t>the </a:t>
+            </a:r>
+            <a:r>
+              <a:rPr lang="en-GB" dirty="0" smtClean="0"/>
+              <a:t>achievements </a:t>
+            </a:r>
+            <a:r>
+              <a:rPr lang="en-GB" dirty="0"/>
+              <a:t>about standardisation, dissemination, and exploitation of MAMI </a:t>
+            </a:r>
+            <a:r>
+              <a:rPr lang="en-GB" dirty="0" smtClean="0"/>
+              <a:t>results, including </a:t>
+            </a:r>
+            <a:r>
+              <a:rPr lang="en-GB" dirty="0"/>
+              <a:t>a report of the communication </a:t>
+            </a:r>
+            <a:r>
+              <a:rPr lang="en-GB" dirty="0" smtClean="0"/>
+              <a:t>activities</a:t>
+            </a:r>
+            <a:endParaRPr lang="en-GB" dirty="0"/>
+          </a:p>
+        </p:txBody>
+      </p:sp>
+      <p:sp>
+        <p:nvSpPr>
+          <p:cNvPr id="4" name="Slide Number Placeholder 3"/>
+          <p:cNvSpPr>
+            <a:spLocks noGrp="1"/>
+          </p:cNvSpPr>
+          <p:nvPr>
+            <p:ph type="sldNum" sz="quarter" idx="16"/>
+          </p:nvPr>
+        </p:nvSpPr>
+        <p:spPr/>
+        <p:txBody>
+          <a:bodyPr/>
+          <a:lstStyle/>
+          <a:p>
+            <a:fld id="{CA36C8A0-BAEB-42C3-A2D9-B1F0D6FD294D}" type="slidenum">
+              <a:rPr lang="de-CH" smtClean="0"/>
+              <a:pPr/>
+              <a:t>4</a:t>
+            </a:fld>
+            <a:endParaRPr lang="de-CH" dirty="0" smtClean="0"/>
+          </a:p>
+        </p:txBody>
+      </p:sp>
+    </p:spTree>
+    <p:extLst>
+      <p:ext uri="{BB962C8B-B14F-4D97-AF65-F5344CB8AC3E}">
+        <p14:creationId xmlns:p14="http://schemas.microsoft.com/office/powerpoint/2010/main" val="79686996"/>
+      </p:ext>
+    </p:extLst>
+  </p:cSld>
+  <p:clrMapOvr>
+    <a:masterClrMapping/>
+  </p:clrMapOvr>
+  <p:transition spd="med"/>
+  <p:timing>
+    <p:tnLst>
+      <p:par>
+        <p:cTn id="1" dur="indefinite" restart="never" nodeType="tmRoot"/>
+      </p:par>
+    </p:tnLst>
+  </p:timing>
+</p:sld>
+</file>
+
+<file path=ppt/slides/slide5.xml><?xml version="1.0" encoding="utf-8"?>
+<p:sld xmlns:a="http://schemas.openxmlformats.org/drawingml/2006/main" xmlns:r="http://schemas.openxmlformats.org/officeDocument/2006/relationships" xmlns:p="http://schemas.openxmlformats.org/presentationml/2006/main" show="0">
+  <p:cSld>
+    <p:spTree>
+      <p:nvGrpSpPr>
+        <p:cNvPr id="1" name=""/>
+        <p:cNvGrpSpPr/>
+        <p:nvPr/>
+      </p:nvGrpSpPr>
+      <p:grpSpPr>
+        <a:xfrm>
+          <a:off x="0" y="0"/>
+          <a:ext cx="0" cy="0"/>
+          <a:chOff x="0" y="0"/>
+          <a:chExt cx="0" cy="0"/>
+        </a:xfrm>
+      </p:grpSpPr>
+      <p:sp>
+        <p:nvSpPr>
+          <p:cNvPr id="2" name="Title 1"/>
+          <p:cNvSpPr>
+            <a:spLocks noGrp="1"/>
+          </p:cNvSpPr>
+          <p:nvPr>
+            <p:ph type="title"/>
+          </p:nvPr>
+        </p:nvSpPr>
+        <p:spPr/>
+        <p:txBody>
+          <a:bodyPr/>
+          <a:lstStyle/>
+          <a:p>
+            <a:r>
+              <a:rPr lang="en-US" dirty="0" smtClean="0"/>
+              <a:t>WP4 </a:t>
+            </a:r>
+            <a:r>
+              <a:rPr lang="en-US" dirty="0" smtClean="0"/>
+              <a:t>Tasks</a:t>
             </a:r>
             <a:endParaRPr lang="en-US" dirty="0"/>
           </a:p>
@@ -9920,16 +10385,13 @@
           <a:p>
             <a:r>
               <a:rPr lang="en-GB" dirty="0" smtClean="0"/>
-              <a:t>T4.1 Standardization (ETH, TID, </a:t>
-            </a:r>
-            <a:r>
-              <a:rPr lang="en-GB" dirty="0" err="1" smtClean="0"/>
-              <a:t>UoA</a:t>
-            </a:r>
-            <a:r>
-              <a:rPr lang="en-GB" dirty="0" smtClean="0"/>
-              <a:t>, ALU)</a:t>
-            </a:r>
+              <a:t>T4.1 </a:t>
+            </a:r>
+            <a:r>
+              <a:rPr lang="en-GB" dirty="0" smtClean="0"/>
+              <a:t>Standardization</a:t>
+            </a:r>
+            <a:endParaRPr lang="en-GB" dirty="0" smtClean="0"/>
           </a:p>
           <a:p>
             <a:pPr lvl="1"/>
@@ -9948,21 +10410,34 @@
           <a:p>
             <a:r>
               <a:rPr lang="en-GB" dirty="0" smtClean="0"/>
-              <a:t>T4.2 Publications, Workshop and Conference Activities (all)</a:t>
+              <a:t>T4.2 Publications, Workshop and Conference </a:t>
+            </a:r>
+            <a:r>
+              <a:rPr lang="en-GB" dirty="0" smtClean="0"/>
+              <a:t>Activities</a:t>
             </a:r>
           </a:p>
           <a:p>
             <a:pPr lvl="1"/>
             <a:r>
               <a:rPr lang="en-GB" dirty="0" smtClean="0"/>
-              <a:t>Journals, magazines, conferences, and workshops as well as operator conferences</a:t>
-            </a:r>
-          </a:p>
-          <a:p>
-            <a:r>
-              <a:rPr lang="en-GB" dirty="0" smtClean="0"/>
-              <a:t>T4.3 Exploitation and Innovation Management (TID, ALU)</a:t>
-            </a:r>
+              <a:t>Journals</a:t>
+            </a:r>
+            <a:r>
+              <a:rPr lang="en-GB" dirty="0" smtClean="0"/>
+              <a:t>, magazines, conferences, and workshops as well as operator conferences</a:t>
+            </a:r>
+          </a:p>
+          <a:p>
+            <a:r>
+              <a:rPr lang="en-GB" dirty="0" smtClean="0"/>
+              <a:t>T4.3 Exploitation and Innovation </a:t>
+            </a:r>
+            <a:r>
+              <a:rPr lang="en-GB" dirty="0" smtClean="0"/>
+              <a:t>Management</a:t>
+            </a:r>
+            <a:endParaRPr lang="en-GB" dirty="0" smtClean="0"/>
           </a:p>
           <a:p>
             <a:pPr lvl="1"/>
@@ -9981,24 +10456,13 @@
           <a:p>
             <a:r>
               <a:rPr lang="en-GB" dirty="0" smtClean="0"/>
-              <a:t>T4.4 Academic Exploitation (ETH, </a:t>
-            </a:r>
-            <a:r>
-              <a:rPr lang="en-GB" dirty="0" err="1" smtClean="0"/>
-              <a:t>ULg</a:t>
-            </a:r>
-            <a:r>
-              <a:rPr lang="en-GB" dirty="0" smtClean="0"/>
-              <a:t>, </a:t>
-            </a:r>
-            <a:r>
-              <a:rPr lang="en-GB" dirty="0" err="1" smtClean="0"/>
-              <a:t>UoA</a:t>
-            </a:r>
-            <a:r>
-              <a:rPr lang="en-GB" dirty="0" smtClean="0"/>
-              <a:t>, ZHAW, SRL)</a:t>
-            </a:r>
+              <a:t>T4.4 Academic </a:t>
+            </a:r>
+            <a:r>
+              <a:rPr lang="en-GB" dirty="0" smtClean="0"/>
+              <a:t>Exploitation</a:t>
+            </a:r>
+            <a:endParaRPr lang="en-GB" dirty="0" smtClean="0"/>
           </a:p>
           <a:p>
             <a:pPr lvl="1"/>
@@ -10017,8 +10481,13 @@
           <a:p>
             <a:r>
               <a:rPr lang="en-GB" dirty="0" smtClean="0"/>
-              <a:t>T4.5 Public Communication Activities (ETH, TID, ZHAW)</a:t>
-            </a:r>
+              <a:t>T4.5 Public Communication </a:t>
+            </a:r>
+            <a:r>
+              <a:rPr lang="en-GB" dirty="0" smtClean="0"/>
+              <a:t>Activities</a:t>
+            </a:r>
+            <a:endParaRPr lang="en-GB" dirty="0" smtClean="0"/>
           </a:p>
           <a:p>
             <a:pPr lvl="1"/>
@@ -10030,8 +10499,13 @@
           <a:p>
             <a:r>
               <a:rPr lang="en-GB" dirty="0" smtClean="0"/>
-              <a:t>T4.6 Middlebox Observatory Web Site Development and Maintenance (ETH, ZAW)</a:t>
-            </a:r>
+              <a:t>T4.6 Middlebox Observatory Web Site Development and </a:t>
+            </a:r>
+            <a:r>
+              <a:rPr lang="en-GB" dirty="0" smtClean="0"/>
+              <a:t>Maintenance</a:t>
+            </a:r>
+            <a:endParaRPr lang="en-GB" dirty="0" smtClean="0"/>
           </a:p>
           <a:p>
             <a:pPr lvl="1"/>
@@ -10067,7 +10541,7 @@
             <a:fld id="{CA36C8A0-BAEB-42C3-A2D9-B1F0D6FD294D}" type="slidenum">
               <a:rPr lang="de-CH" smtClean="0"/>
               <a:pPr/>
-              <a:t>4</a:t>
+              <a:t>5</a:t>
             </a:fld>
             <a:endParaRPr lang="de-CH" dirty="0" smtClean="0"/>
           </a:p>
@@ -10084,10 +10558,17 @@
     <a:masterClrMapping/>
   </p:clrMapOvr>
   <p:transition spd="med"/>
+  <p:timing>
+    <p:tnLst>
+      <p:par>
+        <p:cTn id="1" dur="indefinite" restart="never" nodeType="tmRoot"/>
+      </p:par>
+    </p:tnLst>
+  </p:timing>
 </p:sld>
 </file>
 
-<file path=ppt/slides/slide5.xml><?xml version="1.0" encoding="utf-8"?>
+<file path=ppt/slides/slide6.xml><?xml version="1.0" encoding="utf-8"?>
 <p:sld xmlns:a="http://schemas.openxmlformats.org/drawingml/2006/main" xmlns:r="http://schemas.openxmlformats.org/officeDocument/2006/relationships" xmlns:p="http://schemas.openxmlformats.org/presentationml/2006/main">
   <p:cSld>
     <p:spTree>
@@ -10121,7 +10602,7 @@
           <a:p>
             <a:r>
               <a:rPr lang="en-US" dirty="0" smtClean="0"/>
-              <a:t>A Few Remarks on the WP4 Tasks</a:t>
+              <a:t>WP4 Tasks and Partners</a:t>
             </a:r>
             <a:endParaRPr lang="en-US" dirty="0"/>
           </a:p>
@@ -10129,115 +10610,7 @@
       </p:sp>
       <p:sp>
         <p:nvSpPr>
-          <p:cNvPr id="3" name="Text Placeholder 2"/>
-          <p:cNvSpPr>
-            <a:spLocks noGrp="1"/>
-          </p:cNvSpPr>
-          <p:nvPr>
-            <p:ph type="body" sz="quarter" idx="13"/>
-          </p:nvPr>
-        </p:nvSpPr>
-        <p:spPr/>
-        <p:txBody>
-          <a:bodyPr>
-            <a:normAutofit fontScale="77500" lnSpcReduction="20000"/>
-          </a:bodyPr>
-          <a:lstStyle/>
-          <a:p>
-            <a:r>
-              <a:rPr lang="en-GB" dirty="0" smtClean="0"/>
-              <a:t>Standardisation</a:t>
-            </a:r>
-          </a:p>
-          <a:p>
-            <a:pPr lvl="1"/>
-            <a:r>
-              <a:rPr lang="en-GB" dirty="0" smtClean="0"/>
-              <a:t>Key aspect, taking into account project technical goals</a:t>
-            </a:r>
-          </a:p>
-          <a:p>
-            <a:pPr lvl="1"/>
-            <a:r>
-              <a:rPr lang="en-GB" dirty="0" smtClean="0"/>
-              <a:t>Significant results from all the other WPs</a:t>
-            </a:r>
-          </a:p>
-          <a:p>
-            <a:r>
-              <a:rPr lang="en-GB" dirty="0" smtClean="0"/>
-              <a:t>Publications, Workshop and Conference Activities</a:t>
-            </a:r>
-          </a:p>
-          <a:p>
-            <a:pPr lvl="1"/>
-            <a:r>
-              <a:rPr lang="en-GB" dirty="0" smtClean="0"/>
-              <a:t>Supported by previous encouraging results</a:t>
-            </a:r>
-          </a:p>
-          <a:p>
-            <a:r>
-              <a:rPr lang="en-GB" dirty="0" smtClean="0"/>
-              <a:t>Exploitation and Innovation Management</a:t>
-            </a:r>
-          </a:p>
-          <a:p>
-            <a:pPr lvl="1"/>
-            <a:r>
-              <a:rPr lang="en-GB" dirty="0" smtClean="0"/>
-              <a:t>Connected with ongoing initiatives of the industrial partners</a:t>
-            </a:r>
-          </a:p>
-          <a:p>
-            <a:r>
-              <a:rPr lang="en-GB" dirty="0" smtClean="0"/>
-              <a:t>Academic Exploitation</a:t>
-            </a:r>
-          </a:p>
-          <a:p>
-            <a:pPr lvl="1"/>
-            <a:r>
-              <a:rPr lang="en-GB" dirty="0" smtClean="0"/>
-              <a:t>Activity follow-up through the project collaboration mechanisms</a:t>
-            </a:r>
-          </a:p>
-          <a:p>
-            <a:r>
-              <a:rPr lang="en-GB" dirty="0" smtClean="0"/>
-              <a:t>Public Communication Activities</a:t>
-            </a:r>
-          </a:p>
-          <a:p>
-            <a:pPr lvl="1"/>
-            <a:r>
-              <a:rPr lang="en-GB" dirty="0" smtClean="0"/>
-              <a:t>Steps taken even before the official start of the project</a:t>
-            </a:r>
-          </a:p>
-          <a:p>
-            <a:r>
-              <a:rPr lang="en-GB" dirty="0" err="1" smtClean="0"/>
-              <a:t>Middlebox</a:t>
-            </a:r>
-            <a:r>
-              <a:rPr lang="en-GB" dirty="0" smtClean="0"/>
-              <a:t> Observatory Web Site Development and Maintenance</a:t>
-            </a:r>
-          </a:p>
-          <a:p>
-            <a:pPr lvl="1"/>
-            <a:r>
-              <a:rPr lang="en-GB" dirty="0" smtClean="0"/>
-              <a:t>Data management and accessibility</a:t>
-            </a:r>
-            <a:endParaRPr lang="en-GB" dirty="0"/>
-          </a:p>
-        </p:txBody>
-      </p:sp>
-      <p:sp>
-        <p:nvSpPr>
-          <p:cNvPr id="5" name="Slide Number Placeholder 4"/>
+          <p:cNvPr id="4" name="Slide Number Placeholder 3"/>
           <p:cNvSpPr>
             <a:spLocks noGrp="1"/>
           </p:cNvSpPr>
@@ -10253,16 +10626,1217 @@
             <a:fld id="{CA36C8A0-BAEB-42C3-A2D9-B1F0D6FD294D}" type="slidenum">
               <a:rPr lang="de-CH" smtClean="0"/>
               <a:pPr/>
-              <a:t>5</a:t>
+              <a:t>6</a:t>
             </a:fld>
             <a:endParaRPr lang="de-CH" dirty="0" smtClean="0"/>
           </a:p>
         </p:txBody>
       </p:sp>
+      <p:sp>
+        <p:nvSpPr>
+          <p:cNvPr id="5" name="Date Placeholder 4"/>
+          <p:cNvSpPr>
+            <a:spLocks noGrp="1"/>
+          </p:cNvSpPr>
+          <p:nvPr>
+            <p:ph type="dt" sz="half" idx="14"/>
+          </p:nvPr>
+        </p:nvSpPr>
+        <p:spPr/>
+        <p:txBody>
+          <a:bodyPr/>
+          <a:lstStyle/>
+          <a:p>
+            <a:r>
+              <a:rPr lang="de-DE" smtClean="0"/>
+              <a:t>29.01.2016</a:t>
+            </a:r>
+            <a:endParaRPr lang="en-US" dirty="0"/>
+          </a:p>
+        </p:txBody>
+      </p:sp>
+      <p:graphicFrame>
+        <p:nvGraphicFramePr>
+          <p:cNvPr id="6" name="Table 5"/>
+          <p:cNvGraphicFramePr>
+            <a:graphicFrameLocks noGrp="1"/>
+          </p:cNvGraphicFramePr>
+          <p:nvPr>
+            <p:extLst>
+              <p:ext uri="{D42A27DB-BD31-4B8C-83A1-F6EECF244321}">
+                <p14:modId xmlns:p14="http://schemas.microsoft.com/office/powerpoint/2010/main" val="713789347"/>
+              </p:ext>
+            </p:extLst>
+          </p:nvPr>
+        </p:nvGraphicFramePr>
+        <p:xfrm>
+          <a:off x="460584" y="2788568"/>
+          <a:ext cx="12033744" cy="5393064"/>
+        </p:xfrm>
+        <a:graphic>
+          <a:graphicData uri="http://schemas.openxmlformats.org/drawingml/2006/table">
+            <a:tbl>
+              <a:tblPr firstRow="1" firstCol="1">
+                <a:tableStyleId>{073A0DAA-6AF3-43AB-8588-CEC1D06C72B9}</a:tableStyleId>
+              </a:tblPr>
+              <a:tblGrid>
+                <a:gridCol w="1865352"/>
+                <a:gridCol w="1143084"/>
+                <a:gridCol w="1504218"/>
+                <a:gridCol w="1504218"/>
+                <a:gridCol w="1504218"/>
+                <a:gridCol w="1504218"/>
+                <a:gridCol w="1504218"/>
+                <a:gridCol w="1504218"/>
+              </a:tblGrid>
+              <a:tr h="792088">
+                <a:tc>
+                  <a:txBody>
+                    <a:bodyPr/>
+                    <a:lstStyle/>
+                    <a:p>
+                      <a:pPr algn="ctr"/>
+                      <a:r>
+                        <a:rPr lang="en-US" sz="2800" dirty="0" smtClean="0"/>
+                        <a:t>Partner</a:t>
+                      </a:r>
+                      <a:r>
+                        <a:rPr lang="en-US" sz="2800" baseline="0" dirty="0" smtClean="0"/>
+                        <a:t> </a:t>
+                      </a:r>
+                      <a:endParaRPr lang="en-US" sz="2800" dirty="0">
+                        <a:latin typeface="+mn-lt"/>
+                      </a:endParaRPr>
+                    </a:p>
+                  </a:txBody>
+                  <a:tcPr anchor="ctr">
+                    <a:solidFill>
+                      <a:schemeClr val="bg2">
+                        <a:lumMod val="50000"/>
+                      </a:schemeClr>
+                    </a:solidFill>
+                  </a:tcPr>
+                </a:tc>
+                <a:tc>
+                  <a:txBody>
+                    <a:bodyPr/>
+                    <a:lstStyle/>
+                    <a:p>
+                      <a:pPr algn="ctr"/>
+                      <a:r>
+                        <a:rPr lang="en-US" sz="2800" dirty="0" smtClean="0"/>
+                        <a:t>PM</a:t>
+                      </a:r>
+                      <a:endParaRPr lang="en-US" sz="2800" dirty="0">
+                        <a:latin typeface="+mn-lt"/>
+                      </a:endParaRPr>
+                    </a:p>
+                  </a:txBody>
+                  <a:tcPr anchor="ctr">
+                    <a:solidFill>
+                      <a:schemeClr val="bg2">
+                        <a:lumMod val="50000"/>
+                      </a:schemeClr>
+                    </a:solidFill>
+                  </a:tcPr>
+                </a:tc>
+                <a:tc>
+                  <a:txBody>
+                    <a:bodyPr/>
+                    <a:lstStyle/>
+                    <a:p>
+                      <a:pPr marL="0" marR="0" indent="0" algn="ctr" defTabSz="1295400" eaLnBrk="1" fontAlgn="auto" latinLnBrk="0" hangingPunct="1">
+                        <a:lnSpc>
+                          <a:spcPct val="100000"/>
+                        </a:lnSpc>
+                        <a:spcBef>
+                          <a:spcPts val="0"/>
+                        </a:spcBef>
+                        <a:spcAft>
+                          <a:spcPts val="0"/>
+                        </a:spcAft>
+                        <a:buClrTx/>
+                        <a:buSzTx/>
+                        <a:buFontTx/>
+                        <a:buNone/>
+                        <a:tabLst/>
+                        <a:defRPr/>
+                      </a:pPr>
+                      <a:r>
+                        <a:rPr lang="en-US" sz="1200" dirty="0" smtClean="0"/>
+                        <a:t>T4.1 Standardization </a:t>
+                      </a:r>
+                      <a:endParaRPr lang="en-US" sz="1200" dirty="0">
+                        <a:latin typeface="+mn-lt"/>
+                      </a:endParaRPr>
+                    </a:p>
+                  </a:txBody>
+                  <a:tcPr anchor="ctr">
+                    <a:solidFill>
+                      <a:schemeClr val="bg2">
+                        <a:lumMod val="50000"/>
+                      </a:schemeClr>
+                    </a:solidFill>
+                  </a:tcPr>
+                </a:tc>
+                <a:tc>
+                  <a:txBody>
+                    <a:bodyPr/>
+                    <a:lstStyle/>
+                    <a:p>
+                      <a:pPr marL="0" marR="0" indent="0" algn="ctr" defTabSz="1295400" eaLnBrk="1" fontAlgn="auto" latinLnBrk="0" hangingPunct="1">
+                        <a:lnSpc>
+                          <a:spcPct val="100000"/>
+                        </a:lnSpc>
+                        <a:spcBef>
+                          <a:spcPts val="0"/>
+                        </a:spcBef>
+                        <a:spcAft>
+                          <a:spcPts val="0"/>
+                        </a:spcAft>
+                        <a:buClrTx/>
+                        <a:buSzTx/>
+                        <a:buFontTx/>
+                        <a:buNone/>
+                        <a:tabLst/>
+                        <a:defRPr/>
+                      </a:pPr>
+                      <a:r>
+                        <a:rPr lang="en-US" sz="1200" dirty="0" smtClean="0"/>
+                        <a:t>T4.2 Publications, Workshop and Conference Activities </a:t>
+                      </a:r>
+                      <a:endParaRPr lang="en-US" sz="1200" dirty="0">
+                        <a:latin typeface="+mn-lt"/>
+                      </a:endParaRPr>
+                    </a:p>
+                  </a:txBody>
+                  <a:tcPr anchor="ctr">
+                    <a:solidFill>
+                      <a:schemeClr val="bg2">
+                        <a:lumMod val="50000"/>
+                      </a:schemeClr>
+                    </a:solidFill>
+                  </a:tcPr>
+                </a:tc>
+                <a:tc>
+                  <a:txBody>
+                    <a:bodyPr/>
+                    <a:lstStyle/>
+                    <a:p>
+                      <a:pPr marL="0" marR="0" indent="0" algn="ctr" defTabSz="1295400" eaLnBrk="1" fontAlgn="auto" latinLnBrk="0" hangingPunct="1">
+                        <a:lnSpc>
+                          <a:spcPct val="100000"/>
+                        </a:lnSpc>
+                        <a:spcBef>
+                          <a:spcPts val="0"/>
+                        </a:spcBef>
+                        <a:spcAft>
+                          <a:spcPts val="0"/>
+                        </a:spcAft>
+                        <a:buClrTx/>
+                        <a:buSzTx/>
+                        <a:buFontTx/>
+                        <a:buNone/>
+                        <a:tabLst/>
+                        <a:defRPr/>
+                      </a:pPr>
+                      <a:r>
+                        <a:rPr lang="en-US" sz="1200" dirty="0" smtClean="0"/>
+                        <a:t>T4.3 Exploitation and Innovation Management</a:t>
+                      </a:r>
+                      <a:endParaRPr lang="en-US" sz="1200" dirty="0">
+                        <a:latin typeface="+mn-lt"/>
+                      </a:endParaRPr>
+                    </a:p>
+                  </a:txBody>
+                  <a:tcPr anchor="ctr">
+                    <a:solidFill>
+                      <a:schemeClr val="bg2">
+                        <a:lumMod val="50000"/>
+                      </a:schemeClr>
+                    </a:solidFill>
+                  </a:tcPr>
+                </a:tc>
+                <a:tc>
+                  <a:txBody>
+                    <a:bodyPr/>
+                    <a:lstStyle/>
+                    <a:p>
+                      <a:pPr algn="ctr"/>
+                      <a:r>
+                        <a:rPr lang="en-GB" sz="1200" dirty="0" smtClean="0"/>
+                        <a:t>T4.4 Academic Exploitation</a:t>
+                      </a:r>
+                      <a:endParaRPr lang="en-US" sz="1200" dirty="0">
+                        <a:latin typeface="+mn-lt"/>
+                      </a:endParaRPr>
+                    </a:p>
+                  </a:txBody>
+                  <a:tcPr anchor="ctr">
+                    <a:solidFill>
+                      <a:schemeClr val="bg2">
+                        <a:lumMod val="50000"/>
+                      </a:schemeClr>
+                    </a:solidFill>
+                  </a:tcPr>
+                </a:tc>
+                <a:tc>
+                  <a:txBody>
+                    <a:bodyPr/>
+                    <a:lstStyle/>
+                    <a:p>
+                      <a:pPr algn="ctr"/>
+                      <a:r>
+                        <a:rPr lang="en-GB" sz="1200" dirty="0" smtClean="0"/>
+                        <a:t>T4.5 Public Communication Activities </a:t>
+                      </a:r>
+                      <a:endParaRPr lang="en-US" sz="1200" dirty="0">
+                        <a:latin typeface="+mn-lt"/>
+                      </a:endParaRPr>
+                    </a:p>
+                  </a:txBody>
+                  <a:tcPr anchor="ctr">
+                    <a:solidFill>
+                      <a:schemeClr val="bg2">
+                        <a:lumMod val="50000"/>
+                      </a:schemeClr>
+                    </a:solidFill>
+                  </a:tcPr>
+                </a:tc>
+                <a:tc>
+                  <a:txBody>
+                    <a:bodyPr/>
+                    <a:lstStyle/>
+                    <a:p>
+                      <a:pPr algn="ctr"/>
+                      <a:r>
+                        <a:rPr lang="en-GB" sz="1200" dirty="0" smtClean="0"/>
+                        <a:t>T4.6 Middlebox Observatory Web Site Development and Maintenance</a:t>
+                      </a:r>
+                      <a:endParaRPr lang="en-US" sz="1200" dirty="0">
+                        <a:latin typeface="+mn-lt"/>
+                      </a:endParaRPr>
+                    </a:p>
+                  </a:txBody>
+                  <a:tcPr anchor="ctr">
+                    <a:solidFill>
+                      <a:schemeClr val="bg2">
+                        <a:lumMod val="50000"/>
+                      </a:schemeClr>
+                    </a:solidFill>
+                  </a:tcPr>
+                </a:tc>
+              </a:tr>
+              <a:tr h="652872">
+                <a:tc>
+                  <a:txBody>
+                    <a:bodyPr/>
+                    <a:lstStyle/>
+                    <a:p>
+                      <a:pPr algn="l"/>
+                      <a:r>
+                        <a:rPr lang="en-US" sz="2800" dirty="0" smtClean="0"/>
+                        <a:t>1. ETH</a:t>
+                      </a:r>
+                      <a:endParaRPr lang="en-US" sz="2800" dirty="0">
+                        <a:latin typeface="+mn-lt"/>
+                      </a:endParaRPr>
+                    </a:p>
+                  </a:txBody>
+                  <a:tcPr anchor="ctr">
+                    <a:solidFill>
+                      <a:schemeClr val="bg2">
+                        <a:lumMod val="50000"/>
+                      </a:schemeClr>
+                    </a:solidFill>
+                  </a:tcPr>
+                </a:tc>
+                <a:tc>
+                  <a:txBody>
+                    <a:bodyPr/>
+                    <a:lstStyle/>
+                    <a:p>
+                      <a:pPr algn="ctr"/>
+                      <a:r>
+                        <a:rPr lang="en-US" sz="2400" dirty="0" smtClean="0"/>
+                        <a:t>10</a:t>
+                      </a:r>
+                      <a:endParaRPr lang="en-US" sz="2400" dirty="0"/>
+                    </a:p>
+                  </a:txBody>
+                  <a:tcPr anchor="ctr"/>
+                </a:tc>
+                <a:tc>
+                  <a:txBody>
+                    <a:bodyPr/>
+                    <a:lstStyle/>
+                    <a:p>
+                      <a:pPr algn="ctr"/>
+                      <a:r>
+                        <a:rPr lang="en-US" sz="2400" dirty="0" smtClean="0"/>
+                        <a:t>✓</a:t>
+                      </a:r>
+                      <a:endParaRPr lang="en-US" sz="2400" dirty="0"/>
+                    </a:p>
+                  </a:txBody>
+                  <a:tcPr anchor="ctr"/>
+                </a:tc>
+                <a:tc>
+                  <a:txBody>
+                    <a:bodyPr/>
+                    <a:lstStyle/>
+                    <a:p>
+                      <a:pPr marL="0" marR="0" indent="0" algn="ctr" defTabSz="1295400" eaLnBrk="1" fontAlgn="auto" latinLnBrk="0" hangingPunct="1">
+                        <a:lnSpc>
+                          <a:spcPct val="100000"/>
+                        </a:lnSpc>
+                        <a:spcBef>
+                          <a:spcPts val="0"/>
+                        </a:spcBef>
+                        <a:spcAft>
+                          <a:spcPts val="0"/>
+                        </a:spcAft>
+                        <a:buClrTx/>
+                        <a:buSzTx/>
+                        <a:buFontTx/>
+                        <a:buNone/>
+                        <a:tabLst/>
+                        <a:defRPr/>
+                      </a:pPr>
+                      <a:r>
+                        <a:rPr lang="en-US" sz="2400" dirty="0" smtClean="0"/>
+                        <a:t>✓</a:t>
+                      </a:r>
+                    </a:p>
+                  </a:txBody>
+                  <a:tcPr anchor="ctr"/>
+                </a:tc>
+                <a:tc>
+                  <a:txBody>
+                    <a:bodyPr/>
+                    <a:lstStyle/>
+                    <a:p>
+                      <a:pPr algn="ctr"/>
+                      <a:endParaRPr lang="en-US" sz="2400" dirty="0"/>
+                    </a:p>
+                  </a:txBody>
+                  <a:tcPr anchor="ctr"/>
+                </a:tc>
+                <a:tc>
+                  <a:txBody>
+                    <a:bodyPr/>
+                    <a:lstStyle/>
+                    <a:p>
+                      <a:pPr algn="ctr"/>
+                      <a:r>
+                        <a:rPr lang="en-US" sz="2400" dirty="0" smtClean="0"/>
+                        <a:t>✓</a:t>
+                      </a:r>
+                      <a:endParaRPr lang="en-US" sz="2400" dirty="0"/>
+                    </a:p>
+                  </a:txBody>
+                  <a:tcPr anchor="ctr"/>
+                </a:tc>
+                <a:tc>
+                  <a:txBody>
+                    <a:bodyPr/>
+                    <a:lstStyle/>
+                    <a:p>
+                      <a:pPr algn="ctr"/>
+                      <a:r>
+                        <a:rPr lang="en-US" sz="2400" dirty="0" smtClean="0"/>
+                        <a:t>✓</a:t>
+                      </a:r>
+                      <a:endParaRPr lang="en-US" sz="2400" dirty="0"/>
+                    </a:p>
+                  </a:txBody>
+                  <a:tcPr anchor="ctr"/>
+                </a:tc>
+                <a:tc>
+                  <a:txBody>
+                    <a:bodyPr/>
+                    <a:lstStyle/>
+                    <a:p>
+                      <a:pPr algn="ctr"/>
+                      <a:r>
+                        <a:rPr lang="en-US" sz="2400" dirty="0" smtClean="0"/>
+                        <a:t>✓</a:t>
+                      </a:r>
+                      <a:endParaRPr lang="en-US" sz="2400" dirty="0"/>
+                    </a:p>
+                  </a:txBody>
+                  <a:tcPr anchor="ctr"/>
+                </a:tc>
+              </a:tr>
+              <a:tr h="652872">
+                <a:tc>
+                  <a:txBody>
+                    <a:bodyPr/>
+                    <a:lstStyle/>
+                    <a:p>
+                      <a:pPr algn="l"/>
+                      <a:r>
+                        <a:rPr lang="en-US" sz="2800" dirty="0" smtClean="0"/>
+                        <a:t>2. TID</a:t>
+                      </a:r>
+                      <a:endParaRPr lang="en-US" sz="2800" dirty="0">
+                        <a:latin typeface="+mn-lt"/>
+                      </a:endParaRPr>
+                    </a:p>
+                  </a:txBody>
+                  <a:tcPr anchor="ctr">
+                    <a:solidFill>
+                      <a:schemeClr val="bg2">
+                        <a:lumMod val="50000"/>
+                      </a:schemeClr>
+                    </a:solidFill>
+                  </a:tcPr>
+                </a:tc>
+                <a:tc>
+                  <a:txBody>
+                    <a:bodyPr/>
+                    <a:lstStyle/>
+                    <a:p>
+                      <a:pPr algn="ctr"/>
+                      <a:r>
+                        <a:rPr lang="en-US" sz="2400" dirty="0" smtClean="0"/>
+                        <a:t>8</a:t>
+                      </a:r>
+                      <a:endParaRPr lang="en-US" sz="2400" dirty="0"/>
+                    </a:p>
+                  </a:txBody>
+                  <a:tcPr anchor="ctr"/>
+                </a:tc>
+                <a:tc>
+                  <a:txBody>
+                    <a:bodyPr/>
+                    <a:lstStyle/>
+                    <a:p>
+                      <a:pPr marL="0" marR="0" indent="0" algn="ctr" defTabSz="1295400" eaLnBrk="1" fontAlgn="auto" latinLnBrk="0" hangingPunct="1">
+                        <a:lnSpc>
+                          <a:spcPct val="100000"/>
+                        </a:lnSpc>
+                        <a:spcBef>
+                          <a:spcPts val="0"/>
+                        </a:spcBef>
+                        <a:spcAft>
+                          <a:spcPts val="0"/>
+                        </a:spcAft>
+                        <a:buClrTx/>
+                        <a:buSzTx/>
+                        <a:buFontTx/>
+                        <a:buNone/>
+                        <a:tabLst/>
+                        <a:defRPr/>
+                      </a:pPr>
+                      <a:r>
+                        <a:rPr lang="en-US" sz="2400" dirty="0" smtClean="0"/>
+                        <a:t>✓</a:t>
+                      </a:r>
+                    </a:p>
+                  </a:txBody>
+                  <a:tcPr anchor="ctr"/>
+                </a:tc>
+                <a:tc>
+                  <a:txBody>
+                    <a:bodyPr/>
+                    <a:lstStyle/>
+                    <a:p>
+                      <a:pPr algn="ctr"/>
+                      <a:r>
+                        <a:rPr lang="en-US" sz="2400" dirty="0" smtClean="0"/>
+                        <a:t>✓</a:t>
+                      </a:r>
+                      <a:endParaRPr lang="en-US" sz="2400" dirty="0"/>
+                    </a:p>
+                  </a:txBody>
+                  <a:tcPr anchor="ctr"/>
+                </a:tc>
+                <a:tc>
+                  <a:txBody>
+                    <a:bodyPr/>
+                    <a:lstStyle/>
+                    <a:p>
+                      <a:pPr algn="ctr"/>
+                      <a:r>
+                        <a:rPr lang="en-US" sz="2400" dirty="0" smtClean="0"/>
+                        <a:t>✓</a:t>
+                      </a:r>
+                      <a:endParaRPr lang="en-US" sz="2400" dirty="0"/>
+                    </a:p>
+                  </a:txBody>
+                  <a:tcPr anchor="ctr"/>
+                </a:tc>
+                <a:tc>
+                  <a:txBody>
+                    <a:bodyPr/>
+                    <a:lstStyle/>
+                    <a:p>
+                      <a:pPr algn="ctr"/>
+                      <a:endParaRPr lang="en-US" sz="2400" dirty="0"/>
+                    </a:p>
+                  </a:txBody>
+                  <a:tcPr anchor="ctr"/>
+                </a:tc>
+                <a:tc>
+                  <a:txBody>
+                    <a:bodyPr/>
+                    <a:lstStyle/>
+                    <a:p>
+                      <a:pPr algn="ctr"/>
+                      <a:r>
+                        <a:rPr lang="en-US" sz="2400" dirty="0" smtClean="0"/>
+                        <a:t>✓</a:t>
+                      </a:r>
+                      <a:endParaRPr lang="en-US" sz="2400" dirty="0"/>
+                    </a:p>
+                  </a:txBody>
+                  <a:tcPr anchor="ctr"/>
+                </a:tc>
+                <a:tc>
+                  <a:txBody>
+                    <a:bodyPr/>
+                    <a:lstStyle/>
+                    <a:p>
+                      <a:pPr algn="ctr"/>
+                      <a:endParaRPr lang="en-US" sz="2400" dirty="0"/>
+                    </a:p>
+                  </a:txBody>
+                  <a:tcPr anchor="ctr"/>
+                </a:tc>
+              </a:tr>
+              <a:tr h="652872">
+                <a:tc>
+                  <a:txBody>
+                    <a:bodyPr/>
+                    <a:lstStyle/>
+                    <a:p>
+                      <a:pPr algn="l"/>
+                      <a:r>
+                        <a:rPr lang="en-US" sz="2800" dirty="0" smtClean="0"/>
+                        <a:t>3. </a:t>
+                      </a:r>
+                      <a:r>
+                        <a:rPr lang="en-US" sz="2800" dirty="0" err="1" smtClean="0"/>
+                        <a:t>ULg</a:t>
+                      </a:r>
+                      <a:endParaRPr lang="en-US" sz="2800" dirty="0">
+                        <a:latin typeface="+mn-lt"/>
+                      </a:endParaRPr>
+                    </a:p>
+                  </a:txBody>
+                  <a:tcPr anchor="ctr">
+                    <a:solidFill>
+                      <a:schemeClr val="bg2">
+                        <a:lumMod val="50000"/>
+                      </a:schemeClr>
+                    </a:solidFill>
+                  </a:tcPr>
+                </a:tc>
+                <a:tc>
+                  <a:txBody>
+                    <a:bodyPr/>
+                    <a:lstStyle/>
+                    <a:p>
+                      <a:pPr algn="ctr"/>
+                      <a:r>
+                        <a:rPr lang="en-US" sz="2400" dirty="0" smtClean="0"/>
+                        <a:t>2</a:t>
+                      </a:r>
+                      <a:endParaRPr lang="en-US" sz="2400" dirty="0"/>
+                    </a:p>
+                  </a:txBody>
+                  <a:tcPr anchor="ctr"/>
+                </a:tc>
+                <a:tc>
+                  <a:txBody>
+                    <a:bodyPr/>
+                    <a:lstStyle/>
+                    <a:p>
+                      <a:pPr algn="ctr"/>
+                      <a:endParaRPr lang="en-US" sz="2400" dirty="0"/>
+                    </a:p>
+                  </a:txBody>
+                  <a:tcPr anchor="ctr"/>
+                </a:tc>
+                <a:tc>
+                  <a:txBody>
+                    <a:bodyPr/>
+                    <a:lstStyle/>
+                    <a:p>
+                      <a:pPr algn="ctr"/>
+                      <a:r>
+                        <a:rPr lang="en-US" sz="2400" dirty="0" smtClean="0"/>
+                        <a:t>✓</a:t>
+                      </a:r>
+                      <a:endParaRPr lang="en-US" sz="2400" dirty="0"/>
+                    </a:p>
+                  </a:txBody>
+                  <a:tcPr anchor="ctr"/>
+                </a:tc>
+                <a:tc>
+                  <a:txBody>
+                    <a:bodyPr/>
+                    <a:lstStyle/>
+                    <a:p>
+                      <a:pPr algn="ctr"/>
+                      <a:endParaRPr lang="en-US" sz="2400" dirty="0"/>
+                    </a:p>
+                  </a:txBody>
+                  <a:tcPr anchor="ctr"/>
+                </a:tc>
+                <a:tc>
+                  <a:txBody>
+                    <a:bodyPr/>
+                    <a:lstStyle/>
+                    <a:p>
+                      <a:pPr algn="ctr"/>
+                      <a:r>
+                        <a:rPr lang="en-US" sz="2400" dirty="0" smtClean="0"/>
+                        <a:t>✓</a:t>
+                      </a:r>
+                      <a:endParaRPr lang="en-US" sz="2400" dirty="0"/>
+                    </a:p>
+                  </a:txBody>
+                  <a:tcPr anchor="ctr"/>
+                </a:tc>
+                <a:tc>
+                  <a:txBody>
+                    <a:bodyPr/>
+                    <a:lstStyle/>
+                    <a:p>
+                      <a:pPr algn="ctr"/>
+                      <a:endParaRPr lang="en-US" sz="2400"/>
+                    </a:p>
+                  </a:txBody>
+                  <a:tcPr anchor="ctr"/>
+                </a:tc>
+                <a:tc>
+                  <a:txBody>
+                    <a:bodyPr/>
+                    <a:lstStyle/>
+                    <a:p>
+                      <a:pPr algn="ctr"/>
+                      <a:endParaRPr lang="en-US" sz="2400"/>
+                    </a:p>
+                  </a:txBody>
+                  <a:tcPr anchor="ctr"/>
+                </a:tc>
+              </a:tr>
+              <a:tr h="652872">
+                <a:tc>
+                  <a:txBody>
+                    <a:bodyPr/>
+                    <a:lstStyle/>
+                    <a:p>
+                      <a:pPr algn="l"/>
+                      <a:r>
+                        <a:rPr lang="en-US" sz="2800" dirty="0" smtClean="0"/>
+                        <a:t>4. </a:t>
+                      </a:r>
+                      <a:r>
+                        <a:rPr lang="en-US" sz="2800" dirty="0" err="1" smtClean="0"/>
+                        <a:t>UoA</a:t>
+                      </a:r>
+                      <a:endParaRPr lang="en-US" sz="2800" dirty="0">
+                        <a:latin typeface="+mn-lt"/>
+                      </a:endParaRPr>
+                    </a:p>
+                  </a:txBody>
+                  <a:tcPr anchor="ctr">
+                    <a:solidFill>
+                      <a:schemeClr val="bg2">
+                        <a:lumMod val="50000"/>
+                      </a:schemeClr>
+                    </a:solidFill>
+                  </a:tcPr>
+                </a:tc>
+                <a:tc>
+                  <a:txBody>
+                    <a:bodyPr/>
+                    <a:lstStyle/>
+                    <a:p>
+                      <a:pPr algn="ctr"/>
+                      <a:r>
+                        <a:rPr lang="en-US" sz="2400" dirty="0" smtClean="0"/>
+                        <a:t>8</a:t>
+                      </a:r>
+                      <a:endParaRPr lang="en-US" sz="2400" dirty="0"/>
+                    </a:p>
+                  </a:txBody>
+                  <a:tcPr anchor="ctr"/>
+                </a:tc>
+                <a:tc>
+                  <a:txBody>
+                    <a:bodyPr/>
+                    <a:lstStyle/>
+                    <a:p>
+                      <a:pPr marL="0" marR="0" indent="0" algn="ctr" defTabSz="1295400" eaLnBrk="1" fontAlgn="auto" latinLnBrk="0" hangingPunct="1">
+                        <a:lnSpc>
+                          <a:spcPct val="100000"/>
+                        </a:lnSpc>
+                        <a:spcBef>
+                          <a:spcPts val="0"/>
+                        </a:spcBef>
+                        <a:spcAft>
+                          <a:spcPts val="0"/>
+                        </a:spcAft>
+                        <a:buClrTx/>
+                        <a:buSzTx/>
+                        <a:buFontTx/>
+                        <a:buNone/>
+                        <a:tabLst/>
+                        <a:defRPr/>
+                      </a:pPr>
+                      <a:r>
+                        <a:rPr lang="en-US" sz="2400" dirty="0" smtClean="0"/>
+                        <a:t>✓</a:t>
+                      </a:r>
+                    </a:p>
+                  </a:txBody>
+                  <a:tcPr anchor="ctr"/>
+                </a:tc>
+                <a:tc>
+                  <a:txBody>
+                    <a:bodyPr/>
+                    <a:lstStyle/>
+                    <a:p>
+                      <a:pPr algn="ctr"/>
+                      <a:r>
+                        <a:rPr lang="en-US" sz="2400" dirty="0" smtClean="0"/>
+                        <a:t>✓</a:t>
+                      </a:r>
+                      <a:endParaRPr lang="en-US" sz="2400" dirty="0"/>
+                    </a:p>
+                  </a:txBody>
+                  <a:tcPr anchor="ctr"/>
+                </a:tc>
+                <a:tc>
+                  <a:txBody>
+                    <a:bodyPr/>
+                    <a:lstStyle/>
+                    <a:p>
+                      <a:pPr algn="ctr"/>
+                      <a:endParaRPr lang="en-US" sz="2400" dirty="0"/>
+                    </a:p>
+                  </a:txBody>
+                  <a:tcPr anchor="ctr"/>
+                </a:tc>
+                <a:tc>
+                  <a:txBody>
+                    <a:bodyPr/>
+                    <a:lstStyle/>
+                    <a:p>
+                      <a:pPr algn="ctr"/>
+                      <a:r>
+                        <a:rPr lang="en-US" sz="2400" dirty="0" smtClean="0"/>
+                        <a:t>✓</a:t>
+                      </a:r>
+                      <a:endParaRPr lang="en-US" sz="2400" dirty="0"/>
+                    </a:p>
+                  </a:txBody>
+                  <a:tcPr anchor="ctr"/>
+                </a:tc>
+                <a:tc>
+                  <a:txBody>
+                    <a:bodyPr/>
+                    <a:lstStyle/>
+                    <a:p>
+                      <a:pPr algn="ctr"/>
+                      <a:endParaRPr lang="en-US" sz="2400"/>
+                    </a:p>
+                  </a:txBody>
+                  <a:tcPr anchor="ctr"/>
+                </a:tc>
+                <a:tc>
+                  <a:txBody>
+                    <a:bodyPr/>
+                    <a:lstStyle/>
+                    <a:p>
+                      <a:pPr algn="ctr"/>
+                      <a:endParaRPr lang="en-US" sz="2400"/>
+                    </a:p>
+                  </a:txBody>
+                  <a:tcPr anchor="ctr"/>
+                </a:tc>
+              </a:tr>
+              <a:tr h="652872">
+                <a:tc>
+                  <a:txBody>
+                    <a:bodyPr/>
+                    <a:lstStyle/>
+                    <a:p>
+                      <a:pPr algn="l"/>
+                      <a:r>
+                        <a:rPr lang="en-US" sz="2800" dirty="0" smtClean="0"/>
+                        <a:t>5. ZHAW</a:t>
+                      </a:r>
+                      <a:endParaRPr lang="en-US" sz="2800" dirty="0">
+                        <a:latin typeface="+mn-lt"/>
+                      </a:endParaRPr>
+                    </a:p>
+                  </a:txBody>
+                  <a:tcPr anchor="ctr">
+                    <a:solidFill>
+                      <a:schemeClr val="bg2">
+                        <a:lumMod val="50000"/>
+                      </a:schemeClr>
+                    </a:solidFill>
+                  </a:tcPr>
+                </a:tc>
+                <a:tc>
+                  <a:txBody>
+                    <a:bodyPr/>
+                    <a:lstStyle/>
+                    <a:p>
+                      <a:pPr algn="ctr"/>
+                      <a:r>
+                        <a:rPr lang="en-US" sz="2400" dirty="0" smtClean="0"/>
+                        <a:t>4</a:t>
+                      </a:r>
+                      <a:endParaRPr lang="en-US" sz="2400" dirty="0"/>
+                    </a:p>
+                  </a:txBody>
+                  <a:tcPr anchor="ctr"/>
+                </a:tc>
+                <a:tc>
+                  <a:txBody>
+                    <a:bodyPr/>
+                    <a:lstStyle/>
+                    <a:p>
+                      <a:pPr algn="ctr"/>
+                      <a:endParaRPr lang="en-US" sz="2400"/>
+                    </a:p>
+                  </a:txBody>
+                  <a:tcPr anchor="ctr"/>
+                </a:tc>
+                <a:tc>
+                  <a:txBody>
+                    <a:bodyPr/>
+                    <a:lstStyle/>
+                    <a:p>
+                      <a:pPr algn="ctr"/>
+                      <a:r>
+                        <a:rPr lang="en-US" sz="2400" dirty="0" smtClean="0"/>
+                        <a:t>✓</a:t>
+                      </a:r>
+                      <a:endParaRPr lang="en-US" sz="2400" dirty="0"/>
+                    </a:p>
+                  </a:txBody>
+                  <a:tcPr anchor="ctr"/>
+                </a:tc>
+                <a:tc>
+                  <a:txBody>
+                    <a:bodyPr/>
+                    <a:lstStyle/>
+                    <a:p>
+                      <a:pPr algn="ctr"/>
+                      <a:endParaRPr lang="en-US" sz="2400"/>
+                    </a:p>
+                  </a:txBody>
+                  <a:tcPr anchor="ctr"/>
+                </a:tc>
+                <a:tc>
+                  <a:txBody>
+                    <a:bodyPr/>
+                    <a:lstStyle/>
+                    <a:p>
+                      <a:pPr algn="ctr"/>
+                      <a:r>
+                        <a:rPr lang="en-US" sz="2400" dirty="0" smtClean="0"/>
+                        <a:t>✓</a:t>
+                      </a:r>
+                      <a:endParaRPr lang="en-US" sz="2400" dirty="0"/>
+                    </a:p>
+                  </a:txBody>
+                  <a:tcPr anchor="ctr"/>
+                </a:tc>
+                <a:tc>
+                  <a:txBody>
+                    <a:bodyPr/>
+                    <a:lstStyle/>
+                    <a:p>
+                      <a:pPr algn="ctr"/>
+                      <a:r>
+                        <a:rPr lang="en-US" sz="2400" dirty="0" smtClean="0"/>
+                        <a:t>✓</a:t>
+                      </a:r>
+                      <a:endParaRPr lang="en-US" sz="2400" dirty="0"/>
+                    </a:p>
+                  </a:txBody>
+                  <a:tcPr anchor="ctr"/>
+                </a:tc>
+                <a:tc>
+                  <a:txBody>
+                    <a:bodyPr/>
+                    <a:lstStyle/>
+                    <a:p>
+                      <a:pPr algn="ctr"/>
+                      <a:r>
+                        <a:rPr lang="en-US" sz="2400" dirty="0" smtClean="0"/>
+                        <a:t>✓</a:t>
+                      </a:r>
+                      <a:endParaRPr lang="en-US" sz="2400" dirty="0"/>
+                    </a:p>
+                  </a:txBody>
+                  <a:tcPr anchor="ctr"/>
+                </a:tc>
+              </a:tr>
+              <a:tr h="652872">
+                <a:tc>
+                  <a:txBody>
+                    <a:bodyPr/>
+                    <a:lstStyle/>
+                    <a:p>
+                      <a:pPr algn="l"/>
+                      <a:r>
+                        <a:rPr lang="en-US" sz="2800" dirty="0" smtClean="0"/>
+                        <a:t>6. SRL</a:t>
+                      </a:r>
+                      <a:endParaRPr lang="en-US" sz="2800" dirty="0">
+                        <a:latin typeface="+mn-lt"/>
+                      </a:endParaRPr>
+                    </a:p>
+                  </a:txBody>
+                  <a:tcPr anchor="ctr">
+                    <a:solidFill>
+                      <a:schemeClr val="bg2">
+                        <a:lumMod val="50000"/>
+                      </a:schemeClr>
+                    </a:solidFill>
+                  </a:tcPr>
+                </a:tc>
+                <a:tc>
+                  <a:txBody>
+                    <a:bodyPr/>
+                    <a:lstStyle/>
+                    <a:p>
+                      <a:pPr algn="ctr"/>
+                      <a:r>
+                        <a:rPr lang="en-US" sz="2400" dirty="0" smtClean="0"/>
+                        <a:t>2</a:t>
+                      </a:r>
+                      <a:endParaRPr lang="en-US" sz="2400" dirty="0"/>
+                    </a:p>
+                  </a:txBody>
+                  <a:tcPr anchor="ctr"/>
+                </a:tc>
+                <a:tc>
+                  <a:txBody>
+                    <a:bodyPr/>
+                    <a:lstStyle/>
+                    <a:p>
+                      <a:pPr algn="ctr"/>
+                      <a:endParaRPr lang="en-US" sz="2400"/>
+                    </a:p>
+                  </a:txBody>
+                  <a:tcPr anchor="ctr"/>
+                </a:tc>
+                <a:tc>
+                  <a:txBody>
+                    <a:bodyPr/>
+                    <a:lstStyle/>
+                    <a:p>
+                      <a:pPr algn="ctr"/>
+                      <a:r>
+                        <a:rPr lang="en-US" sz="2400" dirty="0" smtClean="0"/>
+                        <a:t>✓</a:t>
+                      </a:r>
+                      <a:endParaRPr lang="en-US" sz="2400" dirty="0"/>
+                    </a:p>
+                  </a:txBody>
+                  <a:tcPr anchor="ctr"/>
+                </a:tc>
+                <a:tc>
+                  <a:txBody>
+                    <a:bodyPr/>
+                    <a:lstStyle/>
+                    <a:p>
+                      <a:pPr algn="ctr"/>
+                      <a:endParaRPr lang="en-US" sz="2400"/>
+                    </a:p>
+                  </a:txBody>
+                  <a:tcPr anchor="ctr"/>
+                </a:tc>
+                <a:tc>
+                  <a:txBody>
+                    <a:bodyPr/>
+                    <a:lstStyle/>
+                    <a:p>
+                      <a:pPr algn="ctr"/>
+                      <a:r>
+                        <a:rPr lang="en-US" sz="2400" dirty="0" smtClean="0"/>
+                        <a:t>✓</a:t>
+                      </a:r>
+                      <a:endParaRPr lang="en-US" sz="2400" dirty="0"/>
+                    </a:p>
+                  </a:txBody>
+                  <a:tcPr anchor="ctr"/>
+                </a:tc>
+                <a:tc>
+                  <a:txBody>
+                    <a:bodyPr/>
+                    <a:lstStyle/>
+                    <a:p>
+                      <a:pPr algn="ctr"/>
+                      <a:endParaRPr lang="en-US" sz="2400" dirty="0"/>
+                    </a:p>
+                  </a:txBody>
+                  <a:tcPr anchor="ctr"/>
+                </a:tc>
+                <a:tc>
+                  <a:txBody>
+                    <a:bodyPr/>
+                    <a:lstStyle/>
+                    <a:p>
+                      <a:pPr algn="ctr"/>
+                      <a:endParaRPr lang="en-US" sz="2400" dirty="0"/>
+                    </a:p>
+                  </a:txBody>
+                  <a:tcPr anchor="ctr"/>
+                </a:tc>
+              </a:tr>
+              <a:tr h="652872">
+                <a:tc>
+                  <a:txBody>
+                    <a:bodyPr/>
+                    <a:lstStyle/>
+                    <a:p>
+                      <a:pPr algn="l"/>
+                      <a:r>
+                        <a:rPr lang="en-US" sz="2800" dirty="0" smtClean="0"/>
+                        <a:t>7. Nokia</a:t>
+                      </a:r>
+                      <a:endParaRPr lang="en-US" sz="2800" dirty="0">
+                        <a:latin typeface="+mn-lt"/>
+                      </a:endParaRPr>
+                    </a:p>
+                  </a:txBody>
+                  <a:tcPr anchor="ctr">
+                    <a:solidFill>
+                      <a:schemeClr val="bg2">
+                        <a:lumMod val="50000"/>
+                      </a:schemeClr>
+                    </a:solidFill>
+                  </a:tcPr>
+                </a:tc>
+                <a:tc>
+                  <a:txBody>
+                    <a:bodyPr/>
+                    <a:lstStyle/>
+                    <a:p>
+                      <a:pPr algn="ctr"/>
+                      <a:r>
+                        <a:rPr lang="en-US" sz="2400" dirty="0" smtClean="0"/>
+                        <a:t>8</a:t>
+                      </a:r>
+                      <a:endParaRPr lang="en-US" sz="2400" dirty="0"/>
+                    </a:p>
+                  </a:txBody>
+                  <a:tcPr anchor="ctr"/>
+                </a:tc>
+                <a:tc>
+                  <a:txBody>
+                    <a:bodyPr/>
+                    <a:lstStyle/>
+                    <a:p>
+                      <a:pPr marL="0" marR="0" indent="0" algn="ctr" defTabSz="1295400" eaLnBrk="1" fontAlgn="auto" latinLnBrk="0" hangingPunct="1">
+                        <a:lnSpc>
+                          <a:spcPct val="100000"/>
+                        </a:lnSpc>
+                        <a:spcBef>
+                          <a:spcPts val="0"/>
+                        </a:spcBef>
+                        <a:spcAft>
+                          <a:spcPts val="0"/>
+                        </a:spcAft>
+                        <a:buClrTx/>
+                        <a:buSzTx/>
+                        <a:buFontTx/>
+                        <a:buNone/>
+                        <a:tabLst/>
+                        <a:defRPr/>
+                      </a:pPr>
+                      <a:r>
+                        <a:rPr lang="en-US" sz="2400" dirty="0" smtClean="0"/>
+                        <a:t>✓</a:t>
+                      </a:r>
+                    </a:p>
+                  </a:txBody>
+                  <a:tcPr anchor="ctr"/>
+                </a:tc>
+                <a:tc>
+                  <a:txBody>
+                    <a:bodyPr/>
+                    <a:lstStyle/>
+                    <a:p>
+                      <a:pPr algn="ctr"/>
+                      <a:r>
+                        <a:rPr lang="en-US" sz="2400" dirty="0" smtClean="0"/>
+                        <a:t>✓</a:t>
+                      </a:r>
+                      <a:endParaRPr lang="en-US" sz="2400" dirty="0"/>
+                    </a:p>
+                  </a:txBody>
+                  <a:tcPr anchor="ctr"/>
+                </a:tc>
+                <a:tc>
+                  <a:txBody>
+                    <a:bodyPr/>
+                    <a:lstStyle/>
+                    <a:p>
+                      <a:pPr algn="ctr"/>
+                      <a:r>
+                        <a:rPr lang="en-US" sz="2400" dirty="0" smtClean="0"/>
+                        <a:t>✓</a:t>
+                      </a:r>
+                      <a:endParaRPr lang="en-US" sz="2400" dirty="0"/>
+                    </a:p>
+                  </a:txBody>
+                  <a:tcPr anchor="ctr"/>
+                </a:tc>
+                <a:tc>
+                  <a:txBody>
+                    <a:bodyPr/>
+                    <a:lstStyle/>
+                    <a:p>
+                      <a:pPr algn="ctr"/>
+                      <a:endParaRPr lang="en-US" sz="2400" dirty="0"/>
+                    </a:p>
+                  </a:txBody>
+                  <a:tcPr anchor="ctr"/>
+                </a:tc>
+                <a:tc>
+                  <a:txBody>
+                    <a:bodyPr/>
+                    <a:lstStyle/>
+                    <a:p>
+                      <a:pPr algn="ctr"/>
+                      <a:endParaRPr lang="en-US" sz="2400" dirty="0"/>
+                    </a:p>
+                  </a:txBody>
+                  <a:tcPr anchor="ctr"/>
+                </a:tc>
+                <a:tc>
+                  <a:txBody>
+                    <a:bodyPr/>
+                    <a:lstStyle/>
+                    <a:p>
+                      <a:pPr algn="ctr"/>
+                      <a:endParaRPr lang="en-US" sz="2400" dirty="0"/>
+                    </a:p>
+                  </a:txBody>
+                  <a:tcPr anchor="ctr"/>
+                </a:tc>
+              </a:tr>
+            </a:tbl>
+          </a:graphicData>
+        </a:graphic>
+      </p:graphicFrame>
     </p:spTree>
     <p:extLst>
       <p:ext uri="{BB962C8B-B14F-4D97-AF65-F5344CB8AC3E}">
-        <p14:creationId xmlns:p14="http://schemas.microsoft.com/office/powerpoint/2010/main" val="2130517516"/>
+        <p14:creationId xmlns:p14="http://schemas.microsoft.com/office/powerpoint/2010/main" val="1376792925"/>
       </p:ext>
     </p:extLst>
   </p:cSld>
@@ -10270,257 +11844,6 @@
     <a:masterClrMapping/>
   </p:clrMapOvr>
   <p:transition spd="med"/>
-</p:sld>
-</file>
-
-<file path=ppt/slides/slide6.xml><?xml version="1.0" encoding="utf-8"?>
-<p:sld xmlns:a="http://schemas.openxmlformats.org/drawingml/2006/main" xmlns:r="http://schemas.openxmlformats.org/officeDocument/2006/relationships" xmlns:p="http://schemas.openxmlformats.org/presentationml/2006/main">
-  <p:cSld>
-    <p:spTree>
-      <p:nvGrpSpPr>
-        <p:cNvPr id="1" name=""/>
-        <p:cNvGrpSpPr/>
-        <p:nvPr/>
-      </p:nvGrpSpPr>
-      <p:grpSpPr>
-        <a:xfrm>
-          <a:off x="0" y="0"/>
-          <a:ext cx="0" cy="0"/>
-          <a:chOff x="0" y="0"/>
-          <a:chExt cx="0" cy="0"/>
-        </a:xfrm>
-      </p:grpSpPr>
-      <p:sp>
-        <p:nvSpPr>
-          <p:cNvPr id="7" name="Titel 6"/>
-          <p:cNvSpPr>
-            <a:spLocks noGrp="1"/>
-          </p:cNvSpPr>
-          <p:nvPr>
-            <p:ph type="title"/>
-          </p:nvPr>
-        </p:nvSpPr>
-        <p:spPr/>
-        <p:txBody>
-          <a:bodyPr/>
-          <a:lstStyle/>
-          <a:p>
-            <a:r>
-              <a:rPr lang="en-GB" dirty="0" smtClean="0"/>
-              <a:t>T4.1 - Standardisation Targets</a:t>
-            </a:r>
-            <a:endParaRPr lang="en-GB" dirty="0"/>
-          </a:p>
-        </p:txBody>
-      </p:sp>
-      <p:sp>
-        <p:nvSpPr>
-          <p:cNvPr id="8" name="Textplatzhalter 7"/>
-          <p:cNvSpPr>
-            <a:spLocks noGrp="1"/>
-          </p:cNvSpPr>
-          <p:nvPr>
-            <p:ph type="body" sz="quarter" idx="13"/>
-          </p:nvPr>
-        </p:nvSpPr>
-        <p:spPr/>
-        <p:txBody>
-          <a:bodyPr>
-            <a:normAutofit fontScale="70000" lnSpcReduction="20000"/>
-          </a:bodyPr>
-          <a:lstStyle/>
-          <a:p>
-            <a:r>
-              <a:rPr lang="en-GB" b="1" dirty="0" smtClean="0"/>
-              <a:t>IETF</a:t>
-            </a:r>
-            <a:r>
-              <a:rPr lang="en-GB" dirty="0" smtClean="0"/>
-              <a:t> transport-related groups</a:t>
-            </a:r>
-          </a:p>
-          <a:p>
-            <a:pPr lvl="1"/>
-            <a:r>
-              <a:rPr lang="en-GB" dirty="0" smtClean="0"/>
-              <a:t>TAPS, QUIC, </a:t>
-            </a:r>
-            <a:r>
-              <a:rPr lang="en-GB" dirty="0" err="1" smtClean="0"/>
-              <a:t>tcpm</a:t>
-            </a:r>
-            <a:r>
-              <a:rPr lang="en-GB" dirty="0" smtClean="0"/>
-              <a:t>, </a:t>
-            </a:r>
-            <a:r>
-              <a:rPr lang="en-GB" dirty="0" err="1" smtClean="0"/>
-              <a:t>tsvwg</a:t>
-            </a:r>
-            <a:r>
-              <a:rPr lang="en-GB" dirty="0" smtClean="0"/>
-              <a:t> as well as PLUS activity and IAB </a:t>
-            </a:r>
-            <a:r>
-              <a:rPr lang="en-GB" dirty="0" err="1" smtClean="0"/>
-              <a:t>StackEvo</a:t>
-            </a:r>
-            <a:r>
-              <a:rPr lang="en-GB" dirty="0" smtClean="0"/>
-              <a:t> Program</a:t>
-            </a:r>
-          </a:p>
-          <a:p>
-            <a:r>
-              <a:rPr lang="en-GB" dirty="0" smtClean="0"/>
-              <a:t>Other </a:t>
-            </a:r>
-            <a:r>
-              <a:rPr lang="en-GB" b="1" dirty="0" smtClean="0"/>
-              <a:t>IETF</a:t>
-            </a:r>
-            <a:r>
-              <a:rPr lang="en-GB" dirty="0" smtClean="0"/>
-              <a:t> groups</a:t>
-            </a:r>
-          </a:p>
-          <a:p>
-            <a:pPr lvl="1"/>
-            <a:r>
-              <a:rPr lang="en-GB" dirty="0" smtClean="0"/>
-              <a:t>I2NSF: Interface for security function management</a:t>
-            </a:r>
-          </a:p>
-          <a:p>
-            <a:pPr lvl="1"/>
-            <a:r>
-              <a:rPr lang="en-GB" dirty="0" smtClean="0"/>
-              <a:t>Multi-context trust and security: LURK and ACME</a:t>
-            </a:r>
-          </a:p>
-          <a:p>
-            <a:r>
-              <a:rPr lang="en-GB" b="1" dirty="0" smtClean="0"/>
-              <a:t>IRTF</a:t>
-            </a:r>
-            <a:r>
-              <a:rPr lang="en-GB" dirty="0" smtClean="0"/>
-              <a:t> groups</a:t>
-            </a:r>
-          </a:p>
-          <a:p>
-            <a:pPr lvl="1"/>
-            <a:r>
-              <a:rPr lang="en-GB" dirty="0" smtClean="0"/>
-              <a:t>MAPRG: Measurement collection, processing and access</a:t>
-            </a:r>
-            <a:endParaRPr lang="en-GB" dirty="0"/>
-          </a:p>
-          <a:p>
-            <a:pPr lvl="1"/>
-            <a:r>
-              <a:rPr lang="en-GB" dirty="0" smtClean="0"/>
-              <a:t>NFVRG: VNF deployment. Trust models and network-application communication</a:t>
-            </a:r>
-          </a:p>
-          <a:p>
-            <a:r>
-              <a:rPr lang="en-GB" b="1" dirty="0" smtClean="0"/>
-              <a:t>ETSI </a:t>
-            </a:r>
-          </a:p>
-          <a:p>
-            <a:pPr lvl="1"/>
-            <a:r>
-              <a:rPr lang="en-GB" dirty="0" smtClean="0"/>
-              <a:t>NFV IFA and EVE: Management and orchestration for MAMI-enhanced VNFs</a:t>
-            </a:r>
-          </a:p>
-          <a:p>
-            <a:pPr lvl="1"/>
-            <a:r>
-              <a:rPr lang="en-GB" dirty="0" smtClean="0"/>
-              <a:t>NFV SEC: Multi-context trust and security mechanisms</a:t>
-            </a:r>
-          </a:p>
-          <a:p>
-            <a:pPr lvl="1"/>
-            <a:r>
-              <a:rPr lang="en-GB" dirty="0" smtClean="0"/>
-              <a:t>MEC: MAMI-enhanced VNFs as part of mobile edge (fog computing) deployments </a:t>
-            </a:r>
-          </a:p>
-          <a:p>
-            <a:pPr lvl="1"/>
-            <a:r>
-              <a:rPr lang="en-GB" dirty="0" smtClean="0"/>
-              <a:t>NGP: Middlebox-friendly transport, transport-friendly middleboxes</a:t>
-            </a:r>
-          </a:p>
-          <a:p>
-            <a:r>
-              <a:rPr lang="en-GB" b="1" dirty="0" smtClean="0"/>
-              <a:t>ONF</a:t>
-            </a:r>
-            <a:r>
-              <a:rPr lang="en-GB" dirty="0" smtClean="0"/>
-              <a:t>: App-network interfaces as part of the intent NBI initiative</a:t>
-            </a:r>
-          </a:p>
-          <a:p>
-            <a:r>
-              <a:rPr lang="en-GB" b="1" dirty="0" smtClean="0"/>
-              <a:t>5G</a:t>
-            </a:r>
-            <a:r>
-              <a:rPr lang="en-GB" dirty="0" smtClean="0"/>
-              <a:t> activities: As part of the network support for new applications</a:t>
-            </a:r>
-          </a:p>
-        </p:txBody>
-      </p:sp>
-      <p:sp>
-        <p:nvSpPr>
-          <p:cNvPr id="5" name="Foliennummernplatzhalter 4"/>
-          <p:cNvSpPr>
-            <a:spLocks noGrp="1"/>
-          </p:cNvSpPr>
-          <p:nvPr>
-            <p:ph type="sldNum" sz="quarter" idx="16"/>
-          </p:nvPr>
-        </p:nvSpPr>
-        <p:spPr/>
-        <p:txBody>
-          <a:bodyPr/>
-          <a:lstStyle/>
-          <a:p>
-            <a:fld id="{CA36C8A0-BAEB-42C3-A2D9-B1F0D6FD294D}" type="slidenum">
-              <a:rPr lang="en-GB" smtClean="0"/>
-              <a:pPr/>
-              <a:t>6</a:t>
-            </a:fld>
-            <a:endParaRPr lang="en-GB" dirty="0" smtClean="0"/>
-          </a:p>
-        </p:txBody>
-      </p:sp>
-    </p:spTree>
-    <p:extLst>
-      <p:ext uri="{BB962C8B-B14F-4D97-AF65-F5344CB8AC3E}">
-        <p14:creationId xmlns:p14="http://schemas.microsoft.com/office/powerpoint/2010/main" val="1406414517"/>
-      </p:ext>
-    </p:extLst>
-  </p:cSld>
-  <p:clrMapOvr>
-    <a:masterClrMapping/>
-  </p:clrMapOvr>
-  <p:transition spd="med"/>
-  <p:timing>
-    <p:tnLst>
-      <p:par>
-        <p:cTn id="1" dur="indefinite" restart="never" nodeType="tmRoot"/>
-      </p:par>
-    </p:tnLst>
-  </p:timing>
 </p:sld>
 </file>
 
@@ -10558,7 +11881,7 @@
           <a:p>
             <a:r>
               <a:rPr lang="en-GB" dirty="0" smtClean="0"/>
-              <a:t>T4.1 - Standardisation Activities on MCP</a:t>
+              <a:t>T4.1 - Standardisation Targets</a:t>
             </a:r>
             <a:endParaRPr lang="en-GB" dirty="0"/>
           </a:p>
@@ -10577,145 +11900,156 @@
         <p:spPr/>
         <p:txBody>
           <a:bodyPr>
-            <a:normAutofit fontScale="85000" lnSpcReduction="20000"/>
+            <a:normAutofit fontScale="70000" lnSpcReduction="20000"/>
           </a:bodyPr>
           <a:lstStyle/>
           <a:p>
             <a:r>
-              <a:rPr lang="en-GB" dirty="0" smtClean="0"/>
-              <a:t>Follow up of the ACCORD workshop at IETF 95 (April 2016)</a:t>
+              <a:rPr lang="en-GB" b="1" dirty="0" smtClean="0"/>
+              <a:t>IETF</a:t>
+            </a:r>
+            <a:r>
+              <a:rPr lang="en-GB" dirty="0" smtClean="0"/>
+              <a:t> transport-related groups</a:t>
             </a:r>
           </a:p>
           <a:p>
             <a:pPr lvl="1"/>
             <a:r>
               <a:rPr lang="en-GB" dirty="0" smtClean="0"/>
-              <a:t>Alternatives </a:t>
-            </a:r>
-            <a:r>
-              <a:rPr lang="en-GB" dirty="0"/>
-              <a:t>to Content Classification for Operator Resource Deployment </a:t>
-            </a:r>
-            <a:endParaRPr lang="en-GB" dirty="0" smtClean="0"/>
-          </a:p>
-          <a:p>
-            <a:r>
-              <a:rPr lang="en-GB" dirty="0" smtClean="0"/>
-              <a:t>Preparation of the PLUS </a:t>
+              <a:t>TAPS, QUIC, </a:t>
             </a:r>
             <a:r>
               <a:rPr lang="en-GB" dirty="0" err="1" smtClean="0"/>
-              <a:t>BoF</a:t>
-            </a:r>
-            <a:r>
-              <a:rPr lang="en-GB" dirty="0" smtClean="0"/>
-              <a:t> for IETF 96 (July 2016)</a:t>
+              <a:t>tcpm</a:t>
+            </a:r>
+            <a:r>
+              <a:rPr lang="en-GB" dirty="0" smtClean="0"/>
+              <a:t>, </a:t>
+            </a:r>
+            <a:r>
+              <a:rPr lang="en-GB" dirty="0" err="1" smtClean="0"/>
+              <a:t>tsvwg</a:t>
+            </a:r>
+            <a:r>
+              <a:rPr lang="en-GB" dirty="0" smtClean="0"/>
+              <a:t> as well as PLUS activity and IAB </a:t>
+            </a:r>
+            <a:r>
+              <a:rPr lang="en-GB" dirty="0" err="1" smtClean="0"/>
+              <a:t>StackEvo</a:t>
+            </a:r>
+            <a:r>
+              <a:rPr lang="en-GB" dirty="0" smtClean="0"/>
+              <a:t> Program</a:t>
+            </a:r>
+          </a:p>
+          <a:p>
+            <a:r>
+              <a:rPr lang="en-GB" dirty="0" smtClean="0"/>
+              <a:t>Other </a:t>
+            </a:r>
+            <a:r>
+              <a:rPr lang="en-GB" b="1" dirty="0" smtClean="0"/>
+              <a:t>IETF</a:t>
+            </a:r>
+            <a:r>
+              <a:rPr lang="en-GB" dirty="0" smtClean="0"/>
+              <a:t> groups</a:t>
             </a:r>
           </a:p>
           <a:p>
             <a:pPr lvl="1"/>
             <a:r>
-              <a:rPr lang="en-GB" dirty="0"/>
-              <a:t>Path Layer UDP </a:t>
-            </a:r>
-            <a:r>
-              <a:rPr lang="en-GB" dirty="0" smtClean="0"/>
-              <a:t>Substrate</a:t>
+              <a:rPr lang="en-GB" dirty="0" smtClean="0"/>
+              <a:t>I2NSF: Interface for security function management</a:t>
             </a:r>
           </a:p>
           <a:p>
             <a:pPr lvl="1"/>
             <a:r>
               <a:rPr lang="en-GB" dirty="0" smtClean="0"/>
-              <a:t>Collecting support from key players in the IETF transport arena</a:t>
-            </a:r>
-          </a:p>
-          <a:p>
-            <a:r>
-              <a:rPr lang="en-GB" dirty="0" smtClean="0"/>
-              <a:t>Coordination with the proponents of QUIC</a:t>
+              <a:t>Multi-context trust and security: LURK and ACME</a:t>
+            </a:r>
+          </a:p>
+          <a:p>
+            <a:r>
+              <a:rPr lang="en-GB" b="1" dirty="0" smtClean="0"/>
+              <a:t>IRTF</a:t>
+            </a:r>
+            <a:r>
+              <a:rPr lang="en-GB" dirty="0" smtClean="0"/>
+              <a:t> groups</a:t>
             </a:r>
           </a:p>
           <a:p>
             <a:pPr lvl="1"/>
             <a:r>
               <a:rPr lang="en-GB" dirty="0" smtClean="0"/>
-              <a:t>Alignment with MCP goals</a:t>
-            </a:r>
+              <a:t>MAPRG: Measurement collection, processing and access</a:t>
+            </a:r>
+            <a:endParaRPr lang="en-GB" dirty="0"/>
           </a:p>
           <a:p>
             <a:pPr lvl="1"/>
             <a:r>
               <a:rPr lang="en-GB" dirty="0" smtClean="0"/>
-              <a:t>Co-chairing of the planned QUIC </a:t>
-            </a:r>
-            <a:r>
-              <a:rPr lang="en-GB" dirty="0" err="1" smtClean="0"/>
-              <a:t>BoF</a:t>
-            </a:r>
-            <a:r>
-              <a:rPr lang="en-GB" dirty="0" smtClean="0"/>
-              <a:t> at IETF 96</a:t>
-            </a:r>
-          </a:p>
-          <a:p>
-            <a:r>
-              <a:rPr lang="en-GB" dirty="0" smtClean="0"/>
-              <a:t>IETF related documents</a:t>
+              <a:t>NFVRG: VNF deployment. Trust models and network-application communication</a:t>
+            </a:r>
+          </a:p>
+          <a:p>
+            <a:r>
+              <a:rPr lang="en-GB" b="1" dirty="0" smtClean="0"/>
+              <a:t>ETSI </a:t>
             </a:r>
           </a:p>
           <a:p>
             <a:pPr lvl="1"/>
             <a:r>
               <a:rPr lang="en-GB" dirty="0" smtClean="0"/>
-              <a:t>draft-</a:t>
-            </a:r>
-            <a:r>
-              <a:rPr lang="en-GB" dirty="0" err="1" smtClean="0"/>
-              <a:t>trammell</a:t>
-            </a:r>
-            <a:r>
-              <a:rPr lang="en-GB" dirty="0" smtClean="0"/>
-              <a:t>-spud-</a:t>
-            </a:r>
-            <a:r>
-              <a:rPr lang="en-GB" dirty="0" err="1" smtClean="0"/>
-              <a:t>req</a:t>
-            </a:r>
-            <a:endParaRPr lang="en-GB" dirty="0"/>
+              <a:t>NFV IFA and EVE: Management and orchestration for MAMI-enhanced VNFs</a:t>
+            </a:r>
           </a:p>
           <a:p>
             <a:pPr lvl="1"/>
             <a:r>
               <a:rPr lang="en-GB" dirty="0" smtClean="0"/>
-              <a:t>draft-</a:t>
-            </a:r>
-            <a:r>
-              <a:rPr lang="en-GB" dirty="0" err="1" smtClean="0"/>
-              <a:t>kuehlewind</a:t>
-            </a:r>
-            <a:r>
-              <a:rPr lang="en-GB" dirty="0" smtClean="0"/>
-              <a:t>-spud-use-cases </a:t>
-            </a:r>
-          </a:p>
-          <a:p>
-            <a:r>
-              <a:rPr lang="en-GB" dirty="0" smtClean="0"/>
-              <a:t>Building awareness in ETSI NFV</a:t>
+              <a:t>NFV SEC: Multi-context trust and security mechanisms</a:t>
             </a:r>
           </a:p>
           <a:p>
             <a:pPr lvl="1"/>
             <a:r>
               <a:rPr lang="en-GB" dirty="0" smtClean="0"/>
-              <a:t>Report on MCP goals at NFV#14 (May 2016)</a:t>
-            </a:r>
-            <a:endParaRPr lang="en-GB" dirty="0"/>
+              <a:t>MEC: MAMI-enhanced VNFs as part of mobile edge (fog computing) deployments </a:t>
+            </a:r>
           </a:p>
           <a:p>
             <a:pPr lvl="1"/>
-            <a:endParaRPr lang="en-GB" dirty="0"/>
+            <a:r>
+              <a:rPr lang="en-GB" dirty="0" smtClean="0"/>
+              <a:t>NGP: Middlebox-friendly transport, transport-friendly middleboxes</a:t>
+            </a:r>
+          </a:p>
+          <a:p>
+            <a:r>
+              <a:rPr lang="en-GB" b="1" dirty="0" smtClean="0"/>
+              <a:t>ONF</a:t>
+            </a:r>
+            <a:r>
+              <a:rPr lang="en-GB" dirty="0" smtClean="0"/>
+              <a:t>: App-network interfaces as part of the intent NBI initiative</a:t>
+            </a:r>
+          </a:p>
+          <a:p>
+            <a:r>
+              <a:rPr lang="en-GB" b="1" dirty="0" smtClean="0"/>
+              <a:t>5G</a:t>
+            </a:r>
+            <a:r>
+              <a:rPr lang="en-GB" dirty="0" smtClean="0"/>
+              <a:t> activities: As part of the network support for new applications</a:t>
+            </a:r>
           </a:p>
         </p:txBody>
       </p:sp>
@@ -10746,7 +12080,7 @@
     </p:spTree>
     <p:extLst>
       <p:ext uri="{BB962C8B-B14F-4D97-AF65-F5344CB8AC3E}">
-        <p14:creationId xmlns:p14="http://schemas.microsoft.com/office/powerpoint/2010/main" val="1681214759"/>
+        <p14:creationId xmlns:p14="http://schemas.microsoft.com/office/powerpoint/2010/main" val="1406414517"/>
       </p:ext>
     </p:extLst>
   </p:cSld>
@@ -10798,9 +12132,20 @@
           <a:p>
             <a:r>
               <a:rPr lang="en-GB" dirty="0" smtClean="0"/>
-              <a:t>T4.1 - Standardisation Activities on Measurement</a:t>
-            </a:r>
-            <a:endParaRPr lang="en-GB" dirty="0"/>
+              <a:t>T4.1 - Standardisation Activities on </a:t>
+            </a:r>
+            <a:r>
+              <a:rPr lang="en-GB" dirty="0" smtClean="0"/>
+              <a:t>MCP</a:t>
+            </a:r>
+            <a:br>
+              <a:rPr lang="en-GB" dirty="0" smtClean="0"/>
+            </a:br>
+            <a:r>
+              <a:rPr lang="en-GB" sz="4000" dirty="0" smtClean="0"/>
+              <a:t>(up to M6)</a:t>
+            </a:r>
+            <a:endParaRPr lang="en-GB" sz="4400" dirty="0"/>
           </a:p>
         </p:txBody>
       </p:sp>
@@ -10817,69 +12162,86 @@
         <p:spPr/>
         <p:txBody>
           <a:bodyPr>
-            <a:normAutofit lnSpcReduction="10000"/>
+            <a:normAutofit fontScale="85000" lnSpcReduction="20000"/>
           </a:bodyPr>
           <a:lstStyle/>
           <a:p>
             <a:r>
-              <a:rPr lang="en-US" dirty="0"/>
-              <a:t>HOPS RG </a:t>
-            </a:r>
-            <a:r>
-              <a:rPr lang="en-US" dirty="0" smtClean="0"/>
-              <a:t>reconstituted </a:t>
-            </a:r>
-            <a:r>
-              <a:rPr lang="en-US" dirty="0"/>
-              <a:t>as the Measurement and Analysis for Protocols (MAP) </a:t>
-            </a:r>
-            <a:r>
-              <a:rPr lang="en-US" dirty="0" smtClean="0"/>
-              <a:t>RG</a:t>
+              <a:rPr lang="en-GB" dirty="0" smtClean="0"/>
+              <a:t>Follow up of the ACCORD workshop at IETF 95 (April 2016)</a:t>
             </a:r>
           </a:p>
           <a:p>
             <a:pPr lvl="1"/>
             <a:r>
-              <a:rPr lang="en-US" dirty="0"/>
-              <a:t>S</a:t>
-            </a:r>
-            <a:r>
-              <a:rPr lang="en-US" dirty="0" smtClean="0"/>
-              <a:t>lightly </a:t>
-            </a:r>
-            <a:r>
-              <a:rPr lang="en-US" dirty="0"/>
-              <a:t>wider </a:t>
-            </a:r>
-            <a:r>
-              <a:rPr lang="en-US" dirty="0" smtClean="0"/>
-              <a:t>scope</a:t>
+              <a:rPr lang="en-GB" dirty="0" smtClean="0"/>
+              <a:t>Alternatives </a:t>
+            </a:r>
+            <a:r>
+              <a:rPr lang="en-GB" dirty="0"/>
+              <a:t>to Content Classification for Operator Resource Deployment </a:t>
+            </a:r>
+            <a:endParaRPr lang="en-GB" dirty="0" smtClean="0"/>
+          </a:p>
+          <a:p>
+            <a:r>
+              <a:rPr lang="en-GB" dirty="0" smtClean="0"/>
+              <a:t>Preparation of the PLUS </a:t>
+            </a:r>
+            <a:r>
+              <a:rPr lang="en-GB" dirty="0" err="1" smtClean="0"/>
+              <a:t>BoF</a:t>
+            </a:r>
+            <a:r>
+              <a:rPr lang="en-GB" dirty="0" smtClean="0"/>
+              <a:t> for IETF 96 (July 2016)</a:t>
             </a:r>
           </a:p>
           <a:p>
             <a:pPr lvl="1"/>
             <a:r>
-              <a:rPr lang="en-US" dirty="0" smtClean="0"/>
-              <a:t>Co-chaired by ETH</a:t>
-            </a:r>
-          </a:p>
-          <a:p>
-            <a:r>
-              <a:rPr lang="en-US" dirty="0"/>
-              <a:t>MAP RG expected to be confirmed at IETF </a:t>
-            </a:r>
-            <a:r>
-              <a:rPr lang="en-US" dirty="0" smtClean="0"/>
-              <a:t>96</a:t>
-            </a:r>
-          </a:p>
-          <a:p>
-            <a:r>
-              <a:rPr lang="en-US" dirty="0" smtClean="0"/>
-              <a:t>Measurement results presented at IETF 95 (April 2016)</a:t>
-            </a:r>
-            <a:endParaRPr lang="en-GB" dirty="0" smtClean="0"/>
+              <a:rPr lang="en-GB" dirty="0"/>
+              <a:t>Path Layer UDP </a:t>
+            </a:r>
+            <a:r>
+              <a:rPr lang="en-GB" dirty="0" smtClean="0"/>
+              <a:t>Substrate</a:t>
+            </a:r>
+          </a:p>
+          <a:p>
+            <a:pPr lvl="1"/>
+            <a:r>
+              <a:rPr lang="en-GB" dirty="0" smtClean="0"/>
+              <a:t>Collecting support from key players in the IETF transport arena</a:t>
+            </a:r>
+          </a:p>
+          <a:p>
+            <a:r>
+              <a:rPr lang="en-GB" dirty="0" smtClean="0"/>
+              <a:t>Coordination with the proponents of QUIC</a:t>
+            </a:r>
+          </a:p>
+          <a:p>
+            <a:pPr lvl="1"/>
+            <a:r>
+              <a:rPr lang="en-GB" dirty="0" smtClean="0"/>
+              <a:t>Alignment with MCP goals</a:t>
+            </a:r>
+          </a:p>
+          <a:p>
+            <a:pPr lvl="1"/>
+            <a:r>
+              <a:rPr lang="en-GB" dirty="0" smtClean="0"/>
+              <a:t>Co-chairing of the planned QUIC </a:t>
+            </a:r>
+            <a:r>
+              <a:rPr lang="en-GB" dirty="0" err="1" smtClean="0"/>
+              <a:t>BoF</a:t>
+            </a:r>
+            <a:r>
+              <a:rPr lang="en-GB" dirty="0" smtClean="0"/>
+              <a:t> at IETF 96</a:t>
+            </a:r>
           </a:p>
           <a:p>
             <a:r>
@@ -10899,15 +12261,27 @@
             </a:r>
             <a:r>
               <a:rPr lang="en-GB" dirty="0" smtClean="0"/>
-              <a:t>-</a:t>
+              <a:t>-spud-</a:t>
             </a:r>
             <a:r>
               <a:rPr lang="en-GB" dirty="0" err="1" smtClean="0"/>
-              <a:t>mplane</a:t>
-            </a:r>
-            <a:r>
-              <a:rPr lang="en-GB" dirty="0" smtClean="0"/>
-              <a:t>-protocol</a:t>
+              <a:t>req</a:t>
+            </a:r>
+            <a:endParaRPr lang="en-GB" dirty="0"/>
+          </a:p>
+          <a:p>
+            <a:pPr lvl="1"/>
+            <a:r>
+              <a:rPr lang="en-GB" dirty="0" smtClean="0"/>
+              <a:t>draft-</a:t>
+            </a:r>
+            <a:r>
+              <a:rPr lang="en-GB" dirty="0" err="1" smtClean="0"/>
+              <a:t>kuehlewind</a:t>
+            </a:r>
+            <a:r>
+              <a:rPr lang="en-GB" dirty="0" smtClean="0"/>
+              <a:t>-spud-use-cases </a:t>
             </a:r>
           </a:p>
           <a:p>
@@ -10920,7 +12294,7 @@
             <a:pPr lvl="1"/>
             <a:r>
               <a:rPr lang="en-GB" dirty="0" smtClean="0"/>
-              <a:t>Report on measurement results and plans at NFV#13 (February 2016)</a:t>
+              <a:t>Report on MCP goals at NFV#14 (May 2016)</a:t>
             </a:r>
             <a:endParaRPr lang="en-GB" dirty="0"/>
           </a:p>
@@ -10957,7 +12331,7 @@
     </p:spTree>
     <p:extLst>
       <p:ext uri="{BB962C8B-B14F-4D97-AF65-F5344CB8AC3E}">
-        <p14:creationId xmlns:p14="http://schemas.microsoft.com/office/powerpoint/2010/main" val="586260785"/>
+        <p14:creationId xmlns:p14="http://schemas.microsoft.com/office/powerpoint/2010/main" val="1681214759"/>
       </p:ext>
     </p:extLst>
   </p:cSld>
@@ -11009,7 +12383,11 @@
           <a:p>
             <a:r>
               <a:rPr lang="en-GB" dirty="0" smtClean="0"/>
-              <a:t>T4.1 - Standardisation Activities on Transport Interfaces and Security</a:t>
+              <a:t>T4.1 - Standardisation Activities on </a:t>
+            </a:r>
+            <a:r>
+              <a:rPr lang="en-GB" dirty="0" smtClean="0"/>
+              <a:t>Measurement (up to M6)</a:t>
             </a:r>
             <a:endParaRPr lang="en-GB" dirty="0"/>
           </a:p>
@@ -11028,58 +12406,69 @@
         <p:spPr/>
         <p:txBody>
           <a:bodyPr>
-            <a:normAutofit/>
+            <a:normAutofit lnSpcReduction="10000"/>
           </a:bodyPr>
           <a:lstStyle/>
           <a:p>
             <a:r>
-              <a:rPr lang="en-GB" dirty="0" smtClean="0"/>
-              <a:t>Exploring the interoperability of the MAMI FTL (Flexible </a:t>
-            </a:r>
-            <a:r>
-              <a:rPr lang="en-GB" dirty="0"/>
-              <a:t>Transport </a:t>
-            </a:r>
-            <a:r>
-              <a:rPr lang="en-GB" dirty="0" smtClean="0"/>
-              <a:t>Layer) </a:t>
-            </a:r>
-            <a:r>
-              <a:rPr lang="en-GB" dirty="0"/>
-              <a:t>will strive to interoperate with the TAPS </a:t>
-            </a:r>
-            <a:r>
-              <a:rPr lang="en-GB" dirty="0" smtClean="0"/>
-              <a:t>facility</a:t>
-            </a:r>
-          </a:p>
-          <a:p>
-            <a:r>
-              <a:rPr lang="en-GB" dirty="0" smtClean="0"/>
-              <a:t>Preparation of the LURK </a:t>
-            </a:r>
-            <a:r>
-              <a:rPr lang="en-GB" dirty="0" err="1" smtClean="0"/>
-              <a:t>BoF</a:t>
-            </a:r>
-            <a:r>
-              <a:rPr lang="en-GB" dirty="0" smtClean="0"/>
-              <a:t> for IETF 96 (July 2016)</a:t>
+              <a:rPr lang="en-US" dirty="0"/>
+              <a:t>HOPS RG </a:t>
+            </a:r>
+            <a:r>
+              <a:rPr lang="en-US" dirty="0" smtClean="0"/>
+              <a:t>reconstituted </a:t>
+            </a:r>
+            <a:r>
+              <a:rPr lang="en-US" dirty="0"/>
+              <a:t>as the Measurement and Analysis for Protocols (MAP) </a:t>
+            </a:r>
+            <a:r>
+              <a:rPr lang="en-US" dirty="0" smtClean="0"/>
+              <a:t>RG</a:t>
             </a:r>
           </a:p>
           <a:p>
             <a:pPr lvl="1"/>
             <a:r>
-              <a:rPr lang="en-GB" dirty="0"/>
-              <a:t>Limited Use of Remote Keys </a:t>
+              <a:rPr lang="en-US" dirty="0"/>
+              <a:t>S</a:t>
+            </a:r>
+            <a:r>
+              <a:rPr lang="en-US" dirty="0" smtClean="0"/>
+              <a:t>lightly </a:t>
+            </a:r>
+            <a:r>
+              <a:rPr lang="en-US" dirty="0"/>
+              <a:t>wider </a:t>
+            </a:r>
+            <a:r>
+              <a:rPr lang="en-US" dirty="0" smtClean="0"/>
+              <a:t>scope</a:t>
             </a:r>
           </a:p>
           <a:p>
             <a:pPr lvl="1"/>
             <a:r>
-              <a:rPr lang="en-GB" dirty="0" smtClean="0"/>
-              <a:t>Related to multi-context security and trust</a:t>
-            </a:r>
+              <a:rPr lang="en-US" dirty="0" smtClean="0"/>
+              <a:t>Co-chaired by ETH</a:t>
+            </a:r>
+          </a:p>
+          <a:p>
+            <a:r>
+              <a:rPr lang="en-US" dirty="0"/>
+              <a:t>MAP RG expected to be confirmed at IETF </a:t>
+            </a:r>
+            <a:r>
+              <a:rPr lang="en-US" dirty="0" smtClean="0"/>
+              <a:t>96</a:t>
+            </a:r>
+          </a:p>
+          <a:p>
+            <a:r>
+              <a:rPr lang="en-US" dirty="0" smtClean="0"/>
+              <a:t>Measurement results presented at IETF 95 (April 2016)</a:t>
+            </a:r>
+            <a:endParaRPr lang="en-GB" dirty="0" smtClean="0"/>
           </a:p>
           <a:p>
             <a:r>
@@ -11090,23 +12479,8 @@
           <a:p>
             <a:pPr lvl="1"/>
             <a:r>
-              <a:rPr lang="en-GB" dirty="0"/>
+              <a:rPr lang="en-GB" dirty="0" smtClean="0"/>
               <a:t>draft-</a:t>
-            </a:r>
-            <a:r>
-              <a:rPr lang="en-GB" dirty="0" err="1"/>
-              <a:t>ietf</a:t>
-            </a:r>
-            <a:r>
-              <a:rPr lang="en-GB" dirty="0"/>
-              <a:t>-taps-transports </a:t>
-            </a:r>
-          </a:p>
-          <a:p>
-            <a:pPr lvl="1"/>
-            <a:r>
-              <a:rPr lang="en-GB" dirty="0" smtClean="0"/>
-              <a:t>raft-</a:t>
             </a:r>
             <a:r>
               <a:rPr lang="en-GB" dirty="0" err="1" smtClean="0"/>
@@ -11126,27 +12500,22 @@
             </a:r>
           </a:p>
           <a:p>
+            <a:r>
+              <a:rPr lang="en-GB" dirty="0" smtClean="0"/>
+              <a:t>Building awareness in ETSI NFV</a:t>
+            </a:r>
+          </a:p>
+          <a:p>
             <a:pPr lvl="1"/>
             <a:r>
-              <a:rPr lang="en-US" dirty="0" smtClean="0"/>
-              <a:t>draft-</a:t>
-            </a:r>
-            <a:r>
-              <a:rPr lang="en-US" dirty="0" err="1" smtClean="0"/>
-              <a:t>mglt</a:t>
-            </a:r>
-            <a:r>
-              <a:rPr lang="en-US" dirty="0" smtClean="0"/>
-              <a:t>-lurk-</a:t>
-            </a:r>
-            <a:r>
-              <a:rPr lang="en-US" dirty="0" err="1" smtClean="0"/>
-              <a:t>tls</a:t>
-            </a:r>
-            <a:r>
-              <a:rPr lang="en-US" dirty="0" smtClean="0"/>
-              <a:t>-use-cases</a:t>
-            </a:r>
+              <a:rPr lang="en-GB" dirty="0" smtClean="0"/>
+              <a:t>Report on measurement results and plans at NFV#13 (February 2016)</a:t>
+            </a:r>
+            <a:endParaRPr lang="en-GB" dirty="0"/>
+          </a:p>
+          <a:p>
+            <a:pPr lvl="1"/>
+            <a:endParaRPr lang="en-GB" dirty="0"/>
           </a:p>
         </p:txBody>
       </p:sp>
@@ -11177,7 +12546,7 @@
     </p:spTree>
     <p:extLst>
       <p:ext uri="{BB962C8B-B14F-4D97-AF65-F5344CB8AC3E}">
-        <p14:creationId xmlns:p14="http://schemas.microsoft.com/office/powerpoint/2010/main" val="862850828"/>
+        <p14:creationId xmlns:p14="http://schemas.microsoft.com/office/powerpoint/2010/main" val="586260785"/>
       </p:ext>
     </p:extLst>
   </p:cSld>
